--- a/lecture5/presentation/lecture05.pptx
+++ b/lecture5/presentation/lecture05.pptx
@@ -6,7 +6,7 @@
     <p:sldMasterId id="2147483661" r:id="rId2"/>
   </p:sldMasterIdLst>
   <p:notesMasterIdLst>
-    <p:notesMasterId r:id="rId26"/>
+    <p:notesMasterId r:id="rId36"/>
   </p:notesMasterIdLst>
   <p:sldIdLst>
     <p:sldId id="256" r:id="rId3"/>
@@ -27,11 +27,21 @@
     <p:sldId id="353" r:id="rId18"/>
     <p:sldId id="354" r:id="rId19"/>
     <p:sldId id="355" r:id="rId20"/>
-    <p:sldId id="356" r:id="rId21"/>
-    <p:sldId id="331" r:id="rId22"/>
-    <p:sldId id="357" r:id="rId23"/>
-    <p:sldId id="300" r:id="rId24"/>
-    <p:sldId id="301" r:id="rId25"/>
+    <p:sldId id="358" r:id="rId21"/>
+    <p:sldId id="356" r:id="rId22"/>
+    <p:sldId id="331" r:id="rId23"/>
+    <p:sldId id="357" r:id="rId24"/>
+    <p:sldId id="360" r:id="rId25"/>
+    <p:sldId id="359" r:id="rId26"/>
+    <p:sldId id="367" r:id="rId27"/>
+    <p:sldId id="361" r:id="rId28"/>
+    <p:sldId id="362" r:id="rId29"/>
+    <p:sldId id="363" r:id="rId30"/>
+    <p:sldId id="364" r:id="rId31"/>
+    <p:sldId id="365" r:id="rId32"/>
+    <p:sldId id="366" r:id="rId33"/>
+    <p:sldId id="300" r:id="rId34"/>
+    <p:sldId id="301" r:id="rId35"/>
   </p:sldIdLst>
   <p:sldSz cx="9144000" cy="5143500" type="screen16x9"/>
   <p:notesSz cx="6858000" cy="9144000"/>
@@ -6555,17 +6565,6 @@
               </a:rPr>
               <a:t>RAM vs File</a:t>
             </a:r>
-            <a:endParaRPr lang="en-US" sz="3200" spc="-1" dirty="0" smtClean="0">
-              <a:solidFill>
-                <a:srgbClr val="000000"/>
-              </a:solidFill>
-              <a:uFill>
-                <a:solidFill>
-                  <a:srgbClr val="FFFFFF"/>
-                </a:solidFill>
-              </a:uFill>
-              <a:latin typeface="Calibri" panose="020F0502020204030204" pitchFamily="34" charset="0"/>
-            </a:endParaRPr>
           </a:p>
           <a:p>
             <a:pPr>
@@ -6853,17 +6852,6 @@
               </a:rPr>
               <a:t>RAM vs File</a:t>
             </a:r>
-            <a:endParaRPr lang="en-US" sz="3200" spc="-1" dirty="0" smtClean="0">
-              <a:solidFill>
-                <a:srgbClr val="000000"/>
-              </a:solidFill>
-              <a:uFill>
-                <a:solidFill>
-                  <a:srgbClr val="FFFFFF"/>
-                </a:solidFill>
-              </a:uFill>
-              <a:latin typeface="Calibri" panose="020F0502020204030204" pitchFamily="34" charset="0"/>
-            </a:endParaRPr>
           </a:p>
           <a:p>
             <a:pPr>
@@ -6951,17 +6939,6 @@
               </a:rPr>
               <a:t>Durability</a:t>
             </a:r>
-            <a:endParaRPr lang="en-US" spc="-1" dirty="0" smtClean="0">
-              <a:solidFill>
-                <a:srgbClr val="000000"/>
-              </a:solidFill>
-              <a:uFill>
-                <a:solidFill>
-                  <a:srgbClr val="FFFFFF"/>
-                </a:solidFill>
-              </a:uFill>
-              <a:latin typeface="Calibri"/>
-            </a:endParaRPr>
           </a:p>
           <a:p>
             <a:pPr>
@@ -7267,17 +7244,6 @@
               </a:rPr>
               <a:t>File vs Database</a:t>
             </a:r>
-            <a:endParaRPr lang="en-US" sz="3200" spc="-1" dirty="0" smtClean="0">
-              <a:solidFill>
-                <a:srgbClr val="000000"/>
-              </a:solidFill>
-              <a:uFill>
-                <a:solidFill>
-                  <a:srgbClr val="FFFFFF"/>
-                </a:solidFill>
-              </a:uFill>
-              <a:latin typeface="Calibri" panose="020F0502020204030204" pitchFamily="34" charset="0"/>
-            </a:endParaRPr>
           </a:p>
           <a:p>
             <a:pPr>
@@ -9370,7 +9336,7 @@
                 <a:latin typeface="Calibri"/>
                 <a:ea typeface="DejaVu Sans"/>
               </a:rPr>
-              <a:t>SQL. CRUD</a:t>
+              <a:t>SQL</a:t>
             </a:r>
             <a:endParaRPr lang="en-US" sz="1800" b="0" strike="noStrike" spc="-1" dirty="0">
               <a:solidFill>
@@ -9511,7 +9477,7 @@
                 <a:latin typeface="Calibri" panose="020F0502020204030204" pitchFamily="34" charset="0"/>
                 <a:ea typeface="DejaVu Sans"/>
               </a:rPr>
-              <a:t>CRUD – persistent storage primitives</a:t>
+              <a:t>Structured Query Language</a:t>
             </a:r>
           </a:p>
           <a:p>
@@ -9537,18 +9503,133 @@
             </a:endParaRPr>
           </a:p>
           <a:p>
-            <a:pPr marL="342900" indent="-342900">
+            <a:pPr>
               <a:lnSpc>
                 <a:spcPct val="100000"/>
               </a:lnSpc>
               <a:buClr>
                 <a:srgbClr val="000000"/>
               </a:buClr>
-              <a:buFont typeface="Arial" panose="020B0604020202020204" pitchFamily="34" charset="0"/>
-              <a:buChar char="•"/>
             </a:pPr>
             <a:r>
               <a:rPr lang="en-US" sz="2000" spc="-1" dirty="0" smtClean="0">
+                <a:solidFill>
+                  <a:srgbClr val="000000"/>
+                </a:solidFill>
+                <a:uFill>
+                  <a:solidFill>
+                    <a:srgbClr val="FFFFFF"/>
+                  </a:solidFill>
+                </a:uFill>
+                <a:latin typeface="PT Mono"/>
+                <a:ea typeface="DejaVu Sans"/>
+              </a:rPr>
+              <a:t>SELECT * FROM persons</a:t>
+            </a:r>
+          </a:p>
+          <a:p>
+            <a:pPr>
+              <a:lnSpc>
+                <a:spcPct val="100000"/>
+              </a:lnSpc>
+              <a:buClr>
+                <a:srgbClr val="000000"/>
+              </a:buClr>
+            </a:pPr>
+            <a:r>
+              <a:rPr lang="en-US" sz="2000" spc="-1" dirty="0">
+                <a:solidFill>
+                  <a:srgbClr val="000000"/>
+                </a:solidFill>
+                <a:uFill>
+                  <a:solidFill>
+                    <a:srgbClr val="FFFFFF"/>
+                  </a:solidFill>
+                </a:uFill>
+                <a:latin typeface="PT Mono"/>
+                <a:ea typeface="DejaVu Sans"/>
+              </a:rPr>
+              <a:t>	</a:t>
+            </a:r>
+            <a:r>
+              <a:rPr lang="en-US" sz="2000" spc="-1" dirty="0" smtClean="0">
+                <a:solidFill>
+                  <a:srgbClr val="000000"/>
+                </a:solidFill>
+                <a:uFill>
+                  <a:solidFill>
+                    <a:srgbClr val="FFFFFF"/>
+                  </a:solidFill>
+                </a:uFill>
+                <a:latin typeface="PT Mono"/>
+                <a:ea typeface="DejaVu Sans"/>
+              </a:rPr>
+              <a:t>WHERE age &lt; 20</a:t>
+            </a:r>
+          </a:p>
+          <a:p>
+            <a:pPr>
+              <a:lnSpc>
+                <a:spcPct val="100000"/>
+              </a:lnSpc>
+              <a:buClr>
+                <a:srgbClr val="000000"/>
+              </a:buClr>
+            </a:pPr>
+            <a:r>
+              <a:rPr lang="en-US" sz="2000" spc="-1" dirty="0">
+                <a:solidFill>
+                  <a:srgbClr val="000000"/>
+                </a:solidFill>
+                <a:uFill>
+                  <a:solidFill>
+                    <a:srgbClr val="FFFFFF"/>
+                  </a:solidFill>
+                </a:uFill>
+                <a:latin typeface="PT Mono"/>
+                <a:ea typeface="DejaVu Sans"/>
+              </a:rPr>
+              <a:t>	</a:t>
+            </a:r>
+            <a:r>
+              <a:rPr lang="en-US" sz="2000" spc="-1" dirty="0" smtClean="0">
+                <a:solidFill>
+                  <a:srgbClr val="000000"/>
+                </a:solidFill>
+                <a:uFill>
+                  <a:solidFill>
+                    <a:srgbClr val="FFFFFF"/>
+                  </a:solidFill>
+                </a:uFill>
+                <a:latin typeface="PT Mono"/>
+                <a:ea typeface="DejaVu Sans"/>
+              </a:rPr>
+              <a:t>ORDERED BY name</a:t>
+            </a:r>
+            <a:endParaRPr lang="en-US" sz="2000" spc="-1" dirty="0">
+              <a:solidFill>
+                <a:srgbClr val="000000"/>
+              </a:solidFill>
+              <a:uFill>
+                <a:solidFill>
+                  <a:srgbClr val="FFFFFF"/>
+                </a:solidFill>
+              </a:uFill>
+              <a:latin typeface="PT Mono"/>
+              <a:ea typeface="DejaVu Sans"/>
+            </a:endParaRPr>
+          </a:p>
+          <a:p>
+            <a:pPr>
+              <a:lnSpc>
+                <a:spcPct val="100000"/>
+              </a:lnSpc>
+              <a:buClr>
+                <a:srgbClr val="000000"/>
+              </a:buClr>
+            </a:pPr>
+            <a:r>
+              <a:rPr lang="en-US" sz="2800" b="0" strike="noStrike" spc="-1" dirty="0" smtClean="0">
                 <a:solidFill>
                   <a:srgbClr val="000000"/>
                 </a:solidFill>
@@ -9560,134 +9641,6 @@
                 <a:latin typeface="Calibri" panose="020F0502020204030204" pitchFamily="34" charset="0"/>
                 <a:ea typeface="DejaVu Sans"/>
               </a:rPr>
-              <a:t>INSERT</a:t>
-            </a:r>
-          </a:p>
-          <a:p>
-            <a:pPr marL="342900" indent="-342900">
-              <a:lnSpc>
-                <a:spcPct val="100000"/>
-              </a:lnSpc>
-              <a:buClr>
-                <a:srgbClr val="000000"/>
-              </a:buClr>
-              <a:buFont typeface="Arial" panose="020B0604020202020204" pitchFamily="34" charset="0"/>
-              <a:buChar char="•"/>
-            </a:pPr>
-            <a:r>
-              <a:rPr lang="en-US" sz="2000" b="0" strike="noStrike" spc="-1" dirty="0" smtClean="0">
-                <a:solidFill>
-                  <a:srgbClr val="000000"/>
-                </a:solidFill>
-                <a:uFill>
-                  <a:solidFill>
-                    <a:srgbClr val="FFFFFF"/>
-                  </a:solidFill>
-                </a:uFill>
-                <a:latin typeface="Calibri" panose="020F0502020204030204" pitchFamily="34" charset="0"/>
-                <a:ea typeface="DejaVu Sans"/>
-              </a:rPr>
-              <a:t>SELECT</a:t>
-            </a:r>
-          </a:p>
-          <a:p>
-            <a:pPr marL="342900" indent="-342900">
-              <a:lnSpc>
-                <a:spcPct val="100000"/>
-              </a:lnSpc>
-              <a:buClr>
-                <a:srgbClr val="000000"/>
-              </a:buClr>
-              <a:buFont typeface="Arial" panose="020B0604020202020204" pitchFamily="34" charset="0"/>
-              <a:buChar char="•"/>
-            </a:pPr>
-            <a:r>
-              <a:rPr lang="en-US" sz="2000" spc="-1" dirty="0" smtClean="0">
-                <a:solidFill>
-                  <a:srgbClr val="000000"/>
-                </a:solidFill>
-                <a:uFill>
-                  <a:solidFill>
-                    <a:srgbClr val="FFFFFF"/>
-                  </a:solidFill>
-                </a:uFill>
-                <a:latin typeface="Calibri" panose="020F0502020204030204" pitchFamily="34" charset="0"/>
-                <a:ea typeface="DejaVu Sans"/>
-              </a:rPr>
-              <a:t>UPDATE</a:t>
-            </a:r>
-          </a:p>
-          <a:p>
-            <a:pPr marL="342900" indent="-342900">
-              <a:lnSpc>
-                <a:spcPct val="100000"/>
-              </a:lnSpc>
-              <a:buClr>
-                <a:srgbClr val="000000"/>
-              </a:buClr>
-              <a:buFont typeface="Arial" panose="020B0604020202020204" pitchFamily="34" charset="0"/>
-              <a:buChar char="•"/>
-            </a:pPr>
-            <a:r>
-              <a:rPr lang="en-US" sz="2000" b="0" strike="noStrike" spc="-1" dirty="0" smtClean="0">
-                <a:solidFill>
-                  <a:srgbClr val="000000"/>
-                </a:solidFill>
-                <a:uFill>
-                  <a:solidFill>
-                    <a:srgbClr val="FFFFFF"/>
-                  </a:solidFill>
-                </a:uFill>
-                <a:latin typeface="Calibri" panose="020F0502020204030204" pitchFamily="34" charset="0"/>
-                <a:ea typeface="DejaVu Sans"/>
-              </a:rPr>
-              <a:t>DELETE</a:t>
-            </a:r>
-          </a:p>
-          <a:p>
-            <a:pPr>
-              <a:lnSpc>
-                <a:spcPct val="100000"/>
-              </a:lnSpc>
-              <a:buClr>
-                <a:srgbClr val="000000"/>
-              </a:buClr>
-            </a:pPr>
-            <a:endParaRPr lang="en-US" sz="2800" spc="-1" dirty="0">
-              <a:solidFill>
-                <a:srgbClr val="000000"/>
-              </a:solidFill>
-              <a:uFill>
-                <a:solidFill>
-                  <a:srgbClr val="FFFFFF"/>
-                </a:solidFill>
-              </a:uFill>
-              <a:latin typeface="Calibri" panose="020F0502020204030204" pitchFamily="34" charset="0"/>
-              <a:ea typeface="DejaVu Sans"/>
-            </a:endParaRPr>
-          </a:p>
-          <a:p>
-            <a:pPr>
-              <a:lnSpc>
-                <a:spcPct val="100000"/>
-              </a:lnSpc>
-              <a:buClr>
-                <a:srgbClr val="000000"/>
-              </a:buClr>
-            </a:pPr>
-            <a:r>
-              <a:rPr lang="en-US" sz="2800" b="0" strike="noStrike" spc="-1" dirty="0" smtClean="0">
-                <a:solidFill>
-                  <a:srgbClr val="000000"/>
-                </a:solidFill>
-                <a:uFill>
-                  <a:solidFill>
-                    <a:srgbClr val="FFFFFF"/>
-                  </a:solidFill>
-                </a:uFill>
-                <a:latin typeface="Calibri" panose="020F0502020204030204" pitchFamily="34" charset="0"/>
-                <a:ea typeface="DejaVu Sans"/>
-              </a:rPr>
               <a:t>  </a:t>
             </a:r>
             <a:endParaRPr lang="en-US" sz="2800" b="0" strike="noStrike" spc="-1" dirty="0">
@@ -9743,7 +9696,7 @@
     </p:spTree>
     <p:extLst>
       <p:ext uri="{BB962C8B-B14F-4D97-AF65-F5344CB8AC3E}">
-        <p14:creationId xmlns:p14="http://schemas.microsoft.com/office/powerpoint/2010/main" val="775829231"/>
+        <p14:creationId xmlns:p14="http://schemas.microsoft.com/office/powerpoint/2010/main" val="1896264051"/>
       </p:ext>
     </p:extLst>
   </p:cSld>
@@ -10145,7 +10098,7 @@
                 <a:latin typeface="Calibri"/>
                 <a:ea typeface="DejaVu Sans"/>
               </a:rPr>
-              <a:t>DAO</a:t>
+              <a:t>SQL. CRUD</a:t>
             </a:r>
             <a:endParaRPr lang="en-US" sz="1800" b="0" strike="noStrike" spc="-1" dirty="0">
               <a:solidFill>
@@ -10286,9 +10239,19 @@
                 <a:latin typeface="Calibri" panose="020F0502020204030204" pitchFamily="34" charset="0"/>
                 <a:ea typeface="DejaVu Sans"/>
               </a:rPr>
-              <a:t>Data Access Object</a:t>
-            </a:r>
-            <a:endParaRPr lang="en-US" sz="2800" b="0" strike="noStrike" spc="-1" dirty="0" smtClean="0">
+              <a:t>CRUD – persistent storage primitives</a:t>
+            </a:r>
+          </a:p>
+          <a:p>
+            <a:pPr>
+              <a:lnSpc>
+                <a:spcPct val="100000"/>
+              </a:lnSpc>
+              <a:buClr>
+                <a:srgbClr val="000000"/>
+              </a:buClr>
+            </a:pPr>
+            <a:endParaRPr lang="en-US" sz="2800" spc="-1" dirty="0" smtClean="0">
               <a:solidFill>
                 <a:srgbClr val="000000"/>
               </a:solidFill>
@@ -10302,35 +10265,15 @@
             </a:endParaRPr>
           </a:p>
           <a:p>
-            <a:pPr>
+            <a:pPr marL="342900" indent="-342900">
               <a:lnSpc>
                 <a:spcPct val="100000"/>
               </a:lnSpc>
               <a:buClr>
                 <a:srgbClr val="000000"/>
               </a:buClr>
-            </a:pPr>
-            <a:endParaRPr lang="en-US" sz="2800" spc="-1" dirty="0">
-              <a:solidFill>
-                <a:srgbClr val="000000"/>
-              </a:solidFill>
-              <a:uFill>
-                <a:solidFill>
-                  <a:srgbClr val="FFFFFF"/>
-                </a:solidFill>
-              </a:uFill>
-              <a:latin typeface="Calibri" panose="020F0502020204030204" pitchFamily="34" charset="0"/>
-              <a:ea typeface="DejaVu Sans"/>
-            </a:endParaRPr>
-          </a:p>
-          <a:p>
-            <a:pPr>
-              <a:lnSpc>
-                <a:spcPct val="100000"/>
-              </a:lnSpc>
-              <a:buClr>
-                <a:srgbClr val="000000"/>
-              </a:buClr>
+              <a:buFont typeface="Arial" panose="020B0604020202020204" pitchFamily="34" charset="0"/>
+              <a:buChar char="•"/>
             </a:pPr>
             <a:r>
               <a:rPr lang="en-US" sz="2000" spc="-1" dirty="0" smtClean="0">
@@ -10345,42 +10288,22 @@
                 <a:latin typeface="Calibri" panose="020F0502020204030204" pitchFamily="34" charset="0"/>
                 <a:ea typeface="DejaVu Sans"/>
               </a:rPr>
-              <a:t>Low level abstraction over database type (table)</a:t>
-            </a:r>
-          </a:p>
-          <a:p>
-            <a:pPr>
+              <a:t>INSERT</a:t>
+            </a:r>
+          </a:p>
+          <a:p>
+            <a:pPr marL="342900" indent="-342900">
               <a:lnSpc>
                 <a:spcPct val="100000"/>
               </a:lnSpc>
               <a:buClr>
                 <a:srgbClr val="000000"/>
               </a:buClr>
-            </a:pPr>
-            <a:endParaRPr lang="en-US" sz="2000" b="0" strike="noStrike" spc="-1" dirty="0">
-              <a:solidFill>
-                <a:srgbClr val="000000"/>
-              </a:solidFill>
-              <a:uFill>
-                <a:solidFill>
-                  <a:srgbClr val="FFFFFF"/>
-                </a:solidFill>
-              </a:uFill>
-              <a:latin typeface="Calibri" panose="020F0502020204030204" pitchFamily="34" charset="0"/>
-              <a:ea typeface="DejaVu Sans"/>
-            </a:endParaRPr>
-          </a:p>
-          <a:p>
-            <a:pPr>
-              <a:lnSpc>
-                <a:spcPct val="100000"/>
-              </a:lnSpc>
-              <a:buClr>
-                <a:srgbClr val="000000"/>
-              </a:buClr>
-            </a:pPr>
-            <a:r>
-              <a:rPr lang="en-US" sz="2000" spc="-1" dirty="0" smtClean="0">
+              <a:buFont typeface="Arial" panose="020B0604020202020204" pitchFamily="34" charset="0"/>
+              <a:buChar char="•"/>
+            </a:pPr>
+            <a:r>
+              <a:rPr lang="en-US" sz="2000" b="0" strike="noStrike" spc="-1" dirty="0" smtClean="0">
                 <a:solidFill>
                   <a:srgbClr val="000000"/>
                 </a:solidFill>
@@ -10392,10 +10315,22 @@
                 <a:latin typeface="Calibri" panose="020F0502020204030204" pitchFamily="34" charset="0"/>
                 <a:ea typeface="DejaVu Sans"/>
               </a:rPr>
-              <a:t>@See </a:t>
-            </a:r>
-            <a:r>
-              <a:rPr lang="en-US" sz="2000" spc="-1" dirty="0" err="1" smtClean="0">
+              <a:t>SELECT</a:t>
+            </a:r>
+          </a:p>
+          <a:p>
+            <a:pPr marL="342900" indent="-342900">
+              <a:lnSpc>
+                <a:spcPct val="100000"/>
+              </a:lnSpc>
+              <a:buClr>
+                <a:srgbClr val="000000"/>
+              </a:buClr>
+              <a:buFont typeface="Arial" panose="020B0604020202020204" pitchFamily="34" charset="0"/>
+              <a:buChar char="•"/>
+            </a:pPr>
+            <a:r>
+              <a:rPr lang="en-US" sz="2000" spc="-1" dirty="0" smtClean="0">
                 <a:solidFill>
                   <a:srgbClr val="000000"/>
                 </a:solidFill>
@@ -10407,54 +10342,22 @@
                 <a:latin typeface="Calibri" panose="020F0502020204030204" pitchFamily="34" charset="0"/>
                 <a:ea typeface="DejaVu Sans"/>
               </a:rPr>
-              <a:t>ru.atom.model.dao</a:t>
-            </a:r>
-            <a:endParaRPr lang="en-US" sz="2000" b="0" strike="noStrike" spc="-1" dirty="0" smtClean="0">
-              <a:solidFill>
-                <a:srgbClr val="000000"/>
-              </a:solidFill>
-              <a:uFill>
-                <a:solidFill>
-                  <a:srgbClr val="FFFFFF"/>
-                </a:solidFill>
-              </a:uFill>
-              <a:latin typeface="Calibri" panose="020F0502020204030204" pitchFamily="34" charset="0"/>
-              <a:ea typeface="DejaVu Sans"/>
-            </a:endParaRPr>
-          </a:p>
-          <a:p>
-            <a:pPr>
+              <a:t>UPDATE</a:t>
+            </a:r>
+          </a:p>
+          <a:p>
+            <a:pPr marL="342900" indent="-342900">
               <a:lnSpc>
                 <a:spcPct val="100000"/>
               </a:lnSpc>
               <a:buClr>
                 <a:srgbClr val="000000"/>
               </a:buClr>
-            </a:pPr>
-            <a:endParaRPr lang="en-US" sz="2800" spc="-1" dirty="0">
-              <a:solidFill>
-                <a:srgbClr val="000000"/>
-              </a:solidFill>
-              <a:uFill>
-                <a:solidFill>
-                  <a:srgbClr val="FFFFFF"/>
-                </a:solidFill>
-              </a:uFill>
-              <a:latin typeface="Calibri" panose="020F0502020204030204" pitchFamily="34" charset="0"/>
-              <a:ea typeface="DejaVu Sans"/>
-            </a:endParaRPr>
-          </a:p>
-          <a:p>
-            <a:pPr>
-              <a:lnSpc>
-                <a:spcPct val="100000"/>
-              </a:lnSpc>
-              <a:buClr>
-                <a:srgbClr val="000000"/>
-              </a:buClr>
-            </a:pPr>
-            <a:r>
-              <a:rPr lang="en-US" sz="2800" b="0" strike="noStrike" spc="-1" dirty="0" smtClean="0">
+              <a:buFont typeface="Arial" panose="020B0604020202020204" pitchFamily="34" charset="0"/>
+              <a:buChar char="•"/>
+            </a:pPr>
+            <a:r>
+              <a:rPr lang="en-US" sz="2000" b="0" strike="noStrike" spc="-1" dirty="0" smtClean="0">
                 <a:solidFill>
                   <a:srgbClr val="000000"/>
                 </a:solidFill>
@@ -10466,6 +10369,53 @@
                 <a:latin typeface="Calibri" panose="020F0502020204030204" pitchFamily="34" charset="0"/>
                 <a:ea typeface="DejaVu Sans"/>
               </a:rPr>
+              <a:t>DELETE</a:t>
+            </a:r>
+          </a:p>
+          <a:p>
+            <a:pPr>
+              <a:lnSpc>
+                <a:spcPct val="100000"/>
+              </a:lnSpc>
+              <a:buClr>
+                <a:srgbClr val="000000"/>
+              </a:buClr>
+            </a:pPr>
+            <a:endParaRPr lang="en-US" sz="2800" spc="-1" dirty="0">
+              <a:solidFill>
+                <a:srgbClr val="000000"/>
+              </a:solidFill>
+              <a:uFill>
+                <a:solidFill>
+                  <a:srgbClr val="FFFFFF"/>
+                </a:solidFill>
+              </a:uFill>
+              <a:latin typeface="Calibri" panose="020F0502020204030204" pitchFamily="34" charset="0"/>
+              <a:ea typeface="DejaVu Sans"/>
+            </a:endParaRPr>
+          </a:p>
+          <a:p>
+            <a:pPr>
+              <a:lnSpc>
+                <a:spcPct val="100000"/>
+              </a:lnSpc>
+              <a:buClr>
+                <a:srgbClr val="000000"/>
+              </a:buClr>
+            </a:pPr>
+            <a:r>
+              <a:rPr lang="en-US" sz="2800" b="0" strike="noStrike" spc="-1" dirty="0" smtClean="0">
+                <a:solidFill>
+                  <a:srgbClr val="000000"/>
+                </a:solidFill>
+                <a:uFill>
+                  <a:solidFill>
+                    <a:srgbClr val="FFFFFF"/>
+                  </a:solidFill>
+                </a:uFill>
+                <a:latin typeface="Calibri" panose="020F0502020204030204" pitchFamily="34" charset="0"/>
+                <a:ea typeface="DejaVu Sans"/>
+              </a:rPr>
               <a:t>  </a:t>
             </a:r>
             <a:endParaRPr lang="en-US" sz="2800" b="0" strike="noStrike" spc="-1" dirty="0">
@@ -10521,7 +10471,7 @@
     </p:spTree>
     <p:extLst>
       <p:ext uri="{BB962C8B-B14F-4D97-AF65-F5344CB8AC3E}">
-        <p14:creationId xmlns:p14="http://schemas.microsoft.com/office/powerpoint/2010/main" val="823814631"/>
+        <p14:creationId xmlns:p14="http://schemas.microsoft.com/office/powerpoint/2010/main" val="775829231"/>
       </p:ext>
     </p:extLst>
   </p:cSld>
@@ -10628,7 +10578,7 @@
                 <a:latin typeface="Calibri"/>
                 <a:ea typeface="DejaVu Sans"/>
               </a:rPr>
-              <a:t>SQL. INSERT</a:t>
+              <a:t>DAO</a:t>
             </a:r>
             <a:endParaRPr lang="en-US" sz="1800" b="0" strike="noStrike" spc="-1" dirty="0">
               <a:solidFill>
@@ -10766,87 +10716,12 @@
                     <a:srgbClr val="FFFFFF"/>
                   </a:solidFill>
                 </a:uFill>
-                <a:latin typeface="PT Mono"/>
+                <a:latin typeface="Calibri" panose="020F0502020204030204" pitchFamily="34" charset="0"/>
                 <a:ea typeface="DejaVu Sans"/>
               </a:rPr>
-              <a:t>INSERT INTO persons (name, gender, age)</a:t>
-            </a:r>
-          </a:p>
-          <a:p>
-            <a:pPr>
-              <a:lnSpc>
-                <a:spcPct val="100000"/>
-              </a:lnSpc>
-              <a:buClr>
-                <a:srgbClr val="000000"/>
-              </a:buClr>
-            </a:pPr>
-            <a:r>
-              <a:rPr lang="en-US" sz="2800" spc="-1" dirty="0" smtClean="0">
-                <a:solidFill>
-                  <a:srgbClr val="000000"/>
-                </a:solidFill>
-                <a:uFill>
-                  <a:solidFill>
-                    <a:srgbClr val="FFFFFF"/>
-                  </a:solidFill>
-                </a:uFill>
-                <a:latin typeface="PT Mono"/>
-                <a:ea typeface="DejaVu Sans"/>
-              </a:rPr>
-              <a:t>VALUES</a:t>
-            </a:r>
-          </a:p>
-          <a:p>
-            <a:pPr>
-              <a:lnSpc>
-                <a:spcPct val="100000"/>
-              </a:lnSpc>
-              <a:buClr>
-                <a:srgbClr val="000000"/>
-              </a:buClr>
-            </a:pPr>
-            <a:r>
-              <a:rPr lang="en-US" sz="2800" spc="-1" dirty="0">
-                <a:solidFill>
-                  <a:srgbClr val="000000"/>
-                </a:solidFill>
-                <a:uFill>
-                  <a:solidFill>
-                    <a:srgbClr val="FFFFFF"/>
-                  </a:solidFill>
-                </a:uFill>
-                <a:latin typeface="PT Mono"/>
-                <a:ea typeface="DejaVu Sans"/>
-              </a:rPr>
-              <a:t>	</a:t>
-            </a:r>
-            <a:r>
-              <a:rPr lang="en-US" sz="2800" spc="-1" dirty="0" smtClean="0">
-                <a:solidFill>
-                  <a:srgbClr val="000000"/>
-                </a:solidFill>
-                <a:uFill>
-                  <a:solidFill>
-                    <a:srgbClr val="FFFFFF"/>
-                  </a:solidFill>
-                </a:uFill>
-                <a:latin typeface="PT Mono"/>
-                <a:ea typeface="DejaVu Sans"/>
-              </a:rPr>
-              <a:t>(‘Marge Simpson’, ‘FEMALE’, 34);</a:t>
-            </a:r>
-          </a:p>
-          <a:p>
-            <a:pPr>
-              <a:lnSpc>
-                <a:spcPct val="100000"/>
-              </a:lnSpc>
-              <a:buClr>
-                <a:srgbClr val="000000"/>
-              </a:buClr>
-            </a:pPr>
-            <a:endParaRPr lang="en-US" sz="2800" spc="-1" dirty="0">
+              <a:t>Data Access Object</a:t>
+            </a:r>
+            <a:endParaRPr lang="en-US" sz="2800" b="0" strike="noStrike" spc="-1" dirty="0" smtClean="0">
               <a:solidFill>
                 <a:srgbClr val="000000"/>
               </a:solidFill>
@@ -10868,8 +10743,30 @@
                 <a:srgbClr val="000000"/>
               </a:buClr>
             </a:pPr>
-            <a:r>
-              <a:rPr lang="en-US" sz="2800" b="0" strike="noStrike" spc="-1" dirty="0" smtClean="0">
+            <a:endParaRPr lang="en-US" sz="2800" spc="-1" dirty="0">
+              <a:solidFill>
+                <a:srgbClr val="000000"/>
+              </a:solidFill>
+              <a:uFill>
+                <a:solidFill>
+                  <a:srgbClr val="FFFFFF"/>
+                </a:solidFill>
+              </a:uFill>
+              <a:latin typeface="Calibri" panose="020F0502020204030204" pitchFamily="34" charset="0"/>
+              <a:ea typeface="DejaVu Sans"/>
+            </a:endParaRPr>
+          </a:p>
+          <a:p>
+            <a:pPr>
+              <a:lnSpc>
+                <a:spcPct val="100000"/>
+              </a:lnSpc>
+              <a:buClr>
+                <a:srgbClr val="000000"/>
+              </a:buClr>
+            </a:pPr>
+            <a:r>
+              <a:rPr lang="en-US" sz="2000" spc="-1" dirty="0" smtClean="0">
                 <a:solidFill>
                   <a:srgbClr val="000000"/>
                 </a:solidFill>
@@ -10881,6 +10778,127 @@
                 <a:latin typeface="Calibri" panose="020F0502020204030204" pitchFamily="34" charset="0"/>
                 <a:ea typeface="DejaVu Sans"/>
               </a:rPr>
+              <a:t>Low level abstraction over database type (table)</a:t>
+            </a:r>
+          </a:p>
+          <a:p>
+            <a:pPr>
+              <a:lnSpc>
+                <a:spcPct val="100000"/>
+              </a:lnSpc>
+              <a:buClr>
+                <a:srgbClr val="000000"/>
+              </a:buClr>
+            </a:pPr>
+            <a:endParaRPr lang="en-US" sz="2000" b="0" strike="noStrike" spc="-1" dirty="0">
+              <a:solidFill>
+                <a:srgbClr val="000000"/>
+              </a:solidFill>
+              <a:uFill>
+                <a:solidFill>
+                  <a:srgbClr val="FFFFFF"/>
+                </a:solidFill>
+              </a:uFill>
+              <a:latin typeface="Calibri" panose="020F0502020204030204" pitchFamily="34" charset="0"/>
+              <a:ea typeface="DejaVu Sans"/>
+            </a:endParaRPr>
+          </a:p>
+          <a:p>
+            <a:pPr>
+              <a:lnSpc>
+                <a:spcPct val="100000"/>
+              </a:lnSpc>
+              <a:buClr>
+                <a:srgbClr val="000000"/>
+              </a:buClr>
+            </a:pPr>
+            <a:r>
+              <a:rPr lang="en-US" sz="2000" spc="-1" dirty="0" smtClean="0">
+                <a:solidFill>
+                  <a:srgbClr val="000000"/>
+                </a:solidFill>
+                <a:uFill>
+                  <a:solidFill>
+                    <a:srgbClr val="FFFFFF"/>
+                  </a:solidFill>
+                </a:uFill>
+                <a:latin typeface="Calibri" panose="020F0502020204030204" pitchFamily="34" charset="0"/>
+                <a:ea typeface="DejaVu Sans"/>
+              </a:rPr>
+              <a:t>@See </a:t>
+            </a:r>
+            <a:r>
+              <a:rPr lang="en-US" sz="2000" spc="-1" dirty="0" err="1" smtClean="0">
+                <a:solidFill>
+                  <a:srgbClr val="000000"/>
+                </a:solidFill>
+                <a:uFill>
+                  <a:solidFill>
+                    <a:srgbClr val="FFFFFF"/>
+                  </a:solidFill>
+                </a:uFill>
+                <a:latin typeface="Calibri" panose="020F0502020204030204" pitchFamily="34" charset="0"/>
+                <a:ea typeface="DejaVu Sans"/>
+              </a:rPr>
+              <a:t>ru.atom.model.dao</a:t>
+            </a:r>
+            <a:endParaRPr lang="en-US" sz="2000" b="0" strike="noStrike" spc="-1" dirty="0" smtClean="0">
+              <a:solidFill>
+                <a:srgbClr val="000000"/>
+              </a:solidFill>
+              <a:uFill>
+                <a:solidFill>
+                  <a:srgbClr val="FFFFFF"/>
+                </a:solidFill>
+              </a:uFill>
+              <a:latin typeface="Calibri" panose="020F0502020204030204" pitchFamily="34" charset="0"/>
+              <a:ea typeface="DejaVu Sans"/>
+            </a:endParaRPr>
+          </a:p>
+          <a:p>
+            <a:pPr>
+              <a:lnSpc>
+                <a:spcPct val="100000"/>
+              </a:lnSpc>
+              <a:buClr>
+                <a:srgbClr val="000000"/>
+              </a:buClr>
+            </a:pPr>
+            <a:endParaRPr lang="en-US" sz="2800" spc="-1" dirty="0">
+              <a:solidFill>
+                <a:srgbClr val="000000"/>
+              </a:solidFill>
+              <a:uFill>
+                <a:solidFill>
+                  <a:srgbClr val="FFFFFF"/>
+                </a:solidFill>
+              </a:uFill>
+              <a:latin typeface="Calibri" panose="020F0502020204030204" pitchFamily="34" charset="0"/>
+              <a:ea typeface="DejaVu Sans"/>
+            </a:endParaRPr>
+          </a:p>
+          <a:p>
+            <a:pPr>
+              <a:lnSpc>
+                <a:spcPct val="100000"/>
+              </a:lnSpc>
+              <a:buClr>
+                <a:srgbClr val="000000"/>
+              </a:buClr>
+            </a:pPr>
+            <a:r>
+              <a:rPr lang="en-US" sz="2800" b="0" strike="noStrike" spc="-1" dirty="0" smtClean="0">
+                <a:solidFill>
+                  <a:srgbClr val="000000"/>
+                </a:solidFill>
+                <a:uFill>
+                  <a:solidFill>
+                    <a:srgbClr val="FFFFFF"/>
+                  </a:solidFill>
+                </a:uFill>
+                <a:latin typeface="Calibri" panose="020F0502020204030204" pitchFamily="34" charset="0"/>
+                <a:ea typeface="DejaVu Sans"/>
+              </a:rPr>
               <a:t>  </a:t>
             </a:r>
             <a:endParaRPr lang="en-US" sz="2800" b="0" strike="noStrike" spc="-1" dirty="0">
@@ -10936,7 +10954,7 @@
     </p:spTree>
     <p:extLst>
       <p:ext uri="{BB962C8B-B14F-4D97-AF65-F5344CB8AC3E}">
-        <p14:creationId xmlns:p14="http://schemas.microsoft.com/office/powerpoint/2010/main" val="3996599932"/>
+        <p14:creationId xmlns:p14="http://schemas.microsoft.com/office/powerpoint/2010/main" val="823814631"/>
       </p:ext>
     </p:extLst>
   </p:cSld>
@@ -10992,7 +11010,7 @@
       </p:grpSpPr>
       <p:sp>
         <p:nvSpPr>
-          <p:cNvPr id="252" name="CustomShape 1"/>
+          <p:cNvPr id="105" name="CustomShape 1"/>
           <p:cNvSpPr/>
           <p:nvPr/>
         </p:nvSpPr>
@@ -11031,77 +11049,9 @@
               </a:lnSpc>
             </a:pPr>
             <a:r>
-              <a:rPr lang="en-US" sz="3600" spc="-1" dirty="0">
+              <a:rPr lang="en-US" sz="3600" spc="-1" dirty="0" smtClean="0">
                 <a:solidFill>
                   <a:srgbClr val="403152"/>
-                </a:solidFill>
-                <a:uFill>
-                  <a:solidFill>
-                    <a:srgbClr val="FFFFFF"/>
-                  </a:solidFill>
-                </a:uFill>
-                <a:latin typeface="Calibri"/>
-              </a:rPr>
-              <a:t>Collections, Annotations, HTTP</a:t>
-            </a:r>
-            <a:endParaRPr lang="en-US" sz="1800" b="0" strike="noStrike" spc="-1" dirty="0">
-              <a:solidFill>
-                <a:srgbClr val="000000"/>
-              </a:solidFill>
-              <a:uFill>
-                <a:solidFill>
-                  <a:srgbClr val="FFFFFF"/>
-                </a:solidFill>
-              </a:uFill>
-              <a:latin typeface="Arial"/>
-            </a:endParaRPr>
-          </a:p>
-        </p:txBody>
-      </p:sp>
-      <p:sp>
-        <p:nvSpPr>
-          <p:cNvPr id="253" name="CustomShape 2"/>
-          <p:cNvSpPr/>
-          <p:nvPr/>
-        </p:nvSpPr>
-        <p:spPr>
-          <a:xfrm>
-            <a:off x="6553080" y="4767120"/>
-            <a:ext cx="2133000" cy="273240"/>
-          </a:xfrm>
-          <a:prstGeom prst="rect">
-            <a:avLst/>
-          </a:prstGeom>
-          <a:noFill/>
-          <a:ln>
-            <a:noFill/>
-          </a:ln>
-        </p:spPr>
-        <p:style>
-          <a:lnRef idx="0">
-            <a:scrgbClr r="0" g="0" b="0"/>
-          </a:lnRef>
-          <a:fillRef idx="0">
-            <a:scrgbClr r="0" g="0" b="0"/>
-          </a:fillRef>
-          <a:effectRef idx="0">
-            <a:scrgbClr r="0" g="0" b="0"/>
-          </a:effectRef>
-          <a:fontRef idx="minor"/>
-        </p:style>
-        <p:txBody>
-          <a:bodyPr lIns="90000" tIns="45000" rIns="90000" bIns="45000" anchor="ctr"/>
-          <a:lstStyle/>
-          <a:p>
-            <a:pPr algn="r">
-              <a:lnSpc>
-                <a:spcPct val="100000"/>
-              </a:lnSpc>
-            </a:pPr>
-            <a:fld id="{4E3D1538-B398-4967-9C52-04C94D17D911}" type="slidenum">
-              <a:rPr lang="en-US" sz="1200" b="0" strike="noStrike" spc="-1">
-                <a:solidFill>
-                  <a:srgbClr val="8B8B8B"/>
                 </a:solidFill>
                 <a:uFill>
                   <a:solidFill>
@@ -11111,9 +11061,9 @@
                 <a:latin typeface="Calibri"/>
                 <a:ea typeface="DejaVu Sans"/>
               </a:rPr>
-              <a:t>22</a:t>
-            </a:fld>
-            <a:endParaRPr lang="en-US" sz="1800" b="0" strike="noStrike" spc="-1">
+              <a:t>SQL. INSERT</a:t>
+            </a:r>
+            <a:endParaRPr lang="en-US" sz="1800" b="0" strike="noStrike" spc="-1" dirty="0">
               <a:solidFill>
                 <a:srgbClr val="000000"/>
               </a:solidFill>
@@ -11129,14 +11079,14 @@
       </p:sp>
       <p:sp>
         <p:nvSpPr>
-          <p:cNvPr id="254" name="CustomShape 3"/>
+          <p:cNvPr id="106" name="CustomShape 2"/>
           <p:cNvSpPr/>
           <p:nvPr/>
         </p:nvSpPr>
         <p:spPr>
           <a:xfrm>
-            <a:off x="457200" y="1200240"/>
-            <a:ext cx="8228880" cy="2984040"/>
+            <a:off x="6553080" y="4767120"/>
+            <a:ext cx="2133000" cy="273240"/>
           </a:xfrm>
           <a:prstGeom prst="rect">
             <a:avLst/>
@@ -11159,54 +11109,18 @@
           <a:fontRef idx="minor"/>
         </p:style>
         <p:txBody>
-          <a:bodyPr lIns="90000" tIns="45000" rIns="90000" bIns="45000"/>
+          <a:bodyPr lIns="90000" tIns="45000" rIns="90000" bIns="45000" anchor="ctr"/>
           <a:lstStyle/>
           <a:p>
-            <a:pPr>
-              <a:lnSpc>
-                <a:spcPct val="150000"/>
-              </a:lnSpc>
-            </a:pPr>
-            <a:endParaRPr lang="en-US" sz="1800" b="0" strike="noStrike" spc="-1">
-              <a:solidFill>
-                <a:srgbClr val="000000"/>
-              </a:solidFill>
-              <a:uFill>
-                <a:solidFill>
-                  <a:srgbClr val="FFFFFF"/>
-                </a:solidFill>
-              </a:uFill>
-              <a:latin typeface="Arial"/>
-            </a:endParaRPr>
-          </a:p>
-          <a:p>
-            <a:pPr>
-              <a:lnSpc>
-                <a:spcPct val="150000"/>
-              </a:lnSpc>
-            </a:pPr>
-            <a:endParaRPr lang="en-US" sz="1800" b="0" strike="noStrike" spc="-1">
-              <a:solidFill>
-                <a:srgbClr val="000000"/>
-              </a:solidFill>
-              <a:uFill>
-                <a:solidFill>
-                  <a:srgbClr val="FFFFFF"/>
-                </a:solidFill>
-              </a:uFill>
-              <a:latin typeface="Arial"/>
-            </a:endParaRPr>
-          </a:p>
-          <a:p>
-            <a:pPr marL="360" algn="ctr">
-              <a:lnSpc>
-                <a:spcPct val="150000"/>
-              </a:lnSpc>
-            </a:pPr>
-            <a:r>
-              <a:rPr lang="en-US" sz="2800" b="0" strike="noStrike" spc="-1">
-                <a:solidFill>
-                  <a:srgbClr val="000000"/>
+            <a:pPr algn="r">
+              <a:lnSpc>
+                <a:spcPct val="100000"/>
+              </a:lnSpc>
+            </a:pPr>
+            <a:fld id="{2BABB1AB-7B9B-4DEA-8D7B-39A355CEFA19}" type="slidenum">
+              <a:rPr lang="en-US" sz="1200" b="0" strike="noStrike" spc="-1">
+                <a:solidFill>
+                  <a:srgbClr val="8B8B8B"/>
                 </a:solidFill>
                 <a:uFill>
                   <a:solidFill>
@@ -11216,9 +11130,251 @@
                 <a:latin typeface="Calibri"/>
                 <a:ea typeface="DejaVu Sans"/>
               </a:rPr>
-              <a:t>Оставьте отзыв.</a:t>
-            </a:r>
+              <a:t>22</a:t>
+            </a:fld>
             <a:endParaRPr lang="en-US" sz="1800" b="0" strike="noStrike" spc="-1">
+              <a:solidFill>
+                <a:srgbClr val="000000"/>
+              </a:solidFill>
+              <a:uFill>
+                <a:solidFill>
+                  <a:srgbClr val="FFFFFF"/>
+                </a:solidFill>
+              </a:uFill>
+              <a:latin typeface="Arial"/>
+            </a:endParaRPr>
+          </a:p>
+        </p:txBody>
+      </p:sp>
+      <p:sp>
+        <p:nvSpPr>
+          <p:cNvPr id="107" name="CustomShape 3"/>
+          <p:cNvSpPr/>
+          <p:nvPr/>
+        </p:nvSpPr>
+        <p:spPr>
+          <a:xfrm>
+            <a:off x="457200" y="1225800"/>
+            <a:ext cx="8228880" cy="3352320"/>
+          </a:xfrm>
+          <a:prstGeom prst="rect">
+            <a:avLst/>
+          </a:prstGeom>
+          <a:noFill/>
+          <a:ln>
+            <a:noFill/>
+          </a:ln>
+        </p:spPr>
+        <p:style>
+          <a:lnRef idx="0">
+            <a:scrgbClr r="0" g="0" b="0"/>
+          </a:lnRef>
+          <a:fillRef idx="0">
+            <a:scrgbClr r="0" g="0" b="0"/>
+          </a:fillRef>
+          <a:effectRef idx="0">
+            <a:scrgbClr r="0" g="0" b="0"/>
+          </a:effectRef>
+          <a:fontRef idx="minor"/>
+        </p:style>
+        <p:txBody>
+          <a:bodyPr lIns="90000" tIns="45000" rIns="90000" bIns="45000"/>
+          <a:lstStyle/>
+          <a:p>
+            <a:pPr>
+              <a:lnSpc>
+                <a:spcPct val="100000"/>
+              </a:lnSpc>
+              <a:buClr>
+                <a:srgbClr val="000000"/>
+              </a:buClr>
+            </a:pPr>
+            <a:endParaRPr lang="en-US" sz="2000" spc="-1" dirty="0" smtClean="0">
+              <a:solidFill>
+                <a:srgbClr val="000000"/>
+              </a:solidFill>
+              <a:uFill>
+                <a:solidFill>
+                  <a:srgbClr val="FFFFFF"/>
+                </a:solidFill>
+              </a:uFill>
+              <a:latin typeface="PT Mono"/>
+              <a:ea typeface="DejaVu Sans"/>
+            </a:endParaRPr>
+          </a:p>
+          <a:p>
+            <a:pPr>
+              <a:lnSpc>
+                <a:spcPct val="100000"/>
+              </a:lnSpc>
+              <a:buClr>
+                <a:srgbClr val="000000"/>
+              </a:buClr>
+            </a:pPr>
+            <a:r>
+              <a:rPr lang="en-US" sz="2000" spc="-1" dirty="0" smtClean="0">
+                <a:solidFill>
+                  <a:srgbClr val="000000"/>
+                </a:solidFill>
+                <a:uFill>
+                  <a:solidFill>
+                    <a:srgbClr val="FFFFFF"/>
+                  </a:solidFill>
+                </a:uFill>
+                <a:latin typeface="PT Mono"/>
+                <a:ea typeface="DejaVu Sans"/>
+              </a:rPr>
+              <a:t>INSERT INTO persons (name, gender, age)</a:t>
+            </a:r>
+          </a:p>
+          <a:p>
+            <a:pPr>
+              <a:lnSpc>
+                <a:spcPct val="100000"/>
+              </a:lnSpc>
+              <a:buClr>
+                <a:srgbClr val="000000"/>
+              </a:buClr>
+            </a:pPr>
+            <a:r>
+              <a:rPr lang="en-US" sz="2000" spc="-1" dirty="0" smtClean="0">
+                <a:solidFill>
+                  <a:srgbClr val="000000"/>
+                </a:solidFill>
+                <a:uFill>
+                  <a:solidFill>
+                    <a:srgbClr val="FFFFFF"/>
+                  </a:solidFill>
+                </a:uFill>
+                <a:latin typeface="PT Mono"/>
+                <a:ea typeface="DejaVu Sans"/>
+              </a:rPr>
+              <a:t>VALUES</a:t>
+            </a:r>
+          </a:p>
+          <a:p>
+            <a:pPr>
+              <a:lnSpc>
+                <a:spcPct val="100000"/>
+              </a:lnSpc>
+              <a:buClr>
+                <a:srgbClr val="000000"/>
+              </a:buClr>
+            </a:pPr>
+            <a:r>
+              <a:rPr lang="en-US" sz="2000" spc="-1" dirty="0">
+                <a:solidFill>
+                  <a:srgbClr val="000000"/>
+                </a:solidFill>
+                <a:uFill>
+                  <a:solidFill>
+                    <a:srgbClr val="FFFFFF"/>
+                  </a:solidFill>
+                </a:uFill>
+                <a:latin typeface="PT Mono"/>
+                <a:ea typeface="DejaVu Sans"/>
+              </a:rPr>
+              <a:t>	</a:t>
+            </a:r>
+            <a:r>
+              <a:rPr lang="en-US" sz="2000" spc="-1" dirty="0" smtClean="0">
+                <a:solidFill>
+                  <a:srgbClr val="000000"/>
+                </a:solidFill>
+                <a:uFill>
+                  <a:solidFill>
+                    <a:srgbClr val="FFFFFF"/>
+                  </a:solidFill>
+                </a:uFill>
+                <a:latin typeface="PT Mono"/>
+                <a:ea typeface="DejaVu Sans"/>
+              </a:rPr>
+              <a:t>(‘Marge Simpson’, ‘FEMALE’, 34);</a:t>
+            </a:r>
+          </a:p>
+          <a:p>
+            <a:pPr>
+              <a:lnSpc>
+                <a:spcPct val="100000"/>
+              </a:lnSpc>
+              <a:buClr>
+                <a:srgbClr val="000000"/>
+              </a:buClr>
+            </a:pPr>
+            <a:endParaRPr lang="en-US" sz="2800" spc="-1" dirty="0">
+              <a:solidFill>
+                <a:srgbClr val="000000"/>
+              </a:solidFill>
+              <a:uFill>
+                <a:solidFill>
+                  <a:srgbClr val="FFFFFF"/>
+                </a:solidFill>
+              </a:uFill>
+              <a:latin typeface="Calibri" panose="020F0502020204030204" pitchFamily="34" charset="0"/>
+              <a:ea typeface="DejaVu Sans"/>
+            </a:endParaRPr>
+          </a:p>
+          <a:p>
+            <a:pPr>
+              <a:lnSpc>
+                <a:spcPct val="100000"/>
+              </a:lnSpc>
+              <a:buClr>
+                <a:srgbClr val="000000"/>
+              </a:buClr>
+            </a:pPr>
+            <a:r>
+              <a:rPr lang="en-US" sz="2800" b="0" strike="noStrike" spc="-1" dirty="0" smtClean="0">
+                <a:solidFill>
+                  <a:srgbClr val="000000"/>
+                </a:solidFill>
+                <a:uFill>
+                  <a:solidFill>
+                    <a:srgbClr val="FFFFFF"/>
+                  </a:solidFill>
+                </a:uFill>
+                <a:latin typeface="Calibri" panose="020F0502020204030204" pitchFamily="34" charset="0"/>
+                <a:ea typeface="DejaVu Sans"/>
+              </a:rPr>
+              <a:t>  </a:t>
+            </a:r>
+            <a:endParaRPr lang="en-US" sz="2800" b="0" strike="noStrike" spc="-1" dirty="0">
+              <a:solidFill>
+                <a:srgbClr val="000000"/>
+              </a:solidFill>
+              <a:uFill>
+                <a:solidFill>
+                  <a:srgbClr val="FFFFFF"/>
+                </a:solidFill>
+              </a:uFill>
+              <a:latin typeface="Calibri" panose="020F0502020204030204" pitchFamily="34" charset="0"/>
+            </a:endParaRPr>
+          </a:p>
+          <a:p>
+            <a:pPr>
+              <a:lnSpc>
+                <a:spcPct val="100000"/>
+              </a:lnSpc>
+            </a:pPr>
+            <a:endParaRPr lang="en-US" sz="1800" b="0" strike="noStrike" spc="-1" dirty="0">
+              <a:solidFill>
+                <a:srgbClr val="000000"/>
+              </a:solidFill>
+              <a:uFill>
+                <a:solidFill>
+                  <a:srgbClr val="FFFFFF"/>
+                </a:solidFill>
+              </a:uFill>
+              <a:latin typeface="Arial"/>
+            </a:endParaRPr>
+          </a:p>
+          <a:p>
+            <a:pPr>
+              <a:lnSpc>
+                <a:spcPct val="100000"/>
+              </a:lnSpc>
+            </a:pPr>
+            <a:endParaRPr lang="en-US" sz="1800" b="0" strike="noStrike" spc="-1" dirty="0">
               <a:solidFill>
                 <a:srgbClr val="000000"/>
               </a:solidFill>
@@ -11233,6 +11389,11 @@
         </p:txBody>
       </p:sp>
     </p:spTree>
+    <p:extLst>
+      <p:ext uri="{BB962C8B-B14F-4D97-AF65-F5344CB8AC3E}">
+        <p14:creationId xmlns:p14="http://schemas.microsoft.com/office/powerpoint/2010/main" val="3996599932"/>
+      </p:ext>
+    </p:extLst>
   </p:cSld>
   <p:clrMapOvr>
     <a:masterClrMapping/>
@@ -11270,17 +11431,6 @@
 <file path=ppt/slides/slide23.xml><?xml version="1.0" encoding="utf-8"?>
 <p:sld xmlns:a="http://schemas.openxmlformats.org/drawingml/2006/main" xmlns:r="http://schemas.openxmlformats.org/officeDocument/2006/relationships" xmlns:p="http://schemas.openxmlformats.org/presentationml/2006/main">
   <p:cSld>
-    <p:bg>
-      <p:bgPr>
-        <a:blipFill>
-          <a:blip r:embed="rId2"/>
-          <a:stretch>
-            <a:fillRect/>
-          </a:stretch>
-        </a:blipFill>
-        <a:effectLst/>
-      </p:bgPr>
-    </p:bg>
     <p:spTree>
       <p:nvGrpSpPr>
         <p:cNvPr id="1" name=""/>
@@ -11297,14 +11447,14 @@
       </p:grpSpPr>
       <p:sp>
         <p:nvSpPr>
-          <p:cNvPr id="255" name="CustomShape 1"/>
+          <p:cNvPr id="105" name="CustomShape 1"/>
           <p:cNvSpPr/>
           <p:nvPr/>
         </p:nvSpPr>
         <p:spPr>
           <a:xfrm>
-            <a:off x="506520" y="1607400"/>
-            <a:ext cx="6230880" cy="1617480"/>
+            <a:off x="457200" y="205920"/>
+            <a:ext cx="8228880" cy="608400"/>
           </a:xfrm>
           <a:prstGeom prst="rect">
             <a:avLst/>
@@ -11330,22 +11480,27 @@
           <a:bodyPr lIns="90000" tIns="45000" rIns="90000" bIns="45000" anchor="ctr"/>
           <a:lstStyle/>
           <a:p>
-            <a:r>
-              <a:rPr lang="en-US" sz="5800" b="0" strike="noStrike" spc="-1">
-                <a:solidFill>
-                  <a:srgbClr val="FFFFFF"/>
+            <a:pPr>
+              <a:lnSpc>
+                <a:spcPct val="100000"/>
+              </a:lnSpc>
+            </a:pPr>
+            <a:r>
+              <a:rPr lang="en-US" sz="3600" spc="-1" dirty="0" smtClean="0">
+                <a:solidFill>
+                  <a:srgbClr val="403152"/>
                 </a:solidFill>
                 <a:uFill>
                   <a:solidFill>
                     <a:srgbClr val="FFFFFF"/>
                   </a:solidFill>
                 </a:uFill>
-                <a:latin typeface="Arial Black"/>
+                <a:latin typeface="Calibri"/>
                 <a:ea typeface="DejaVu Sans"/>
               </a:rPr>
-              <a:t>Спасибо</a:t>
-            </a:r>
-            <a:endParaRPr lang="en-US" sz="1800" b="0" strike="noStrike" spc="-1">
+              <a:t>SQL. JOIN</a:t>
+            </a:r>
+            <a:endParaRPr lang="en-US" sz="1800" b="0" strike="noStrike" spc="-1" dirty="0">
               <a:solidFill>
                 <a:srgbClr val="000000"/>
               </a:solidFill>
@@ -11357,28 +11512,231 @@
               <a:latin typeface="Arial"/>
             </a:endParaRPr>
           </a:p>
-          <a:p>
-            <a:pPr>
-              <a:lnSpc>
-                <a:spcPct val="100000"/>
-              </a:lnSpc>
-            </a:pPr>
-            <a:r>
-              <a:rPr lang="en-US" sz="5800" b="0" strike="noStrike" spc="-1">
-                <a:solidFill>
-                  <a:srgbClr val="FFFFFF"/>
+        </p:txBody>
+      </p:sp>
+      <p:sp>
+        <p:nvSpPr>
+          <p:cNvPr id="106" name="CustomShape 2"/>
+          <p:cNvSpPr/>
+          <p:nvPr/>
+        </p:nvSpPr>
+        <p:spPr>
+          <a:xfrm>
+            <a:off x="6553080" y="4767120"/>
+            <a:ext cx="2133000" cy="273240"/>
+          </a:xfrm>
+          <a:prstGeom prst="rect">
+            <a:avLst/>
+          </a:prstGeom>
+          <a:noFill/>
+          <a:ln>
+            <a:noFill/>
+          </a:ln>
+        </p:spPr>
+        <p:style>
+          <a:lnRef idx="0">
+            <a:scrgbClr r="0" g="0" b="0"/>
+          </a:lnRef>
+          <a:fillRef idx="0">
+            <a:scrgbClr r="0" g="0" b="0"/>
+          </a:fillRef>
+          <a:effectRef idx="0">
+            <a:scrgbClr r="0" g="0" b="0"/>
+          </a:effectRef>
+          <a:fontRef idx="minor"/>
+        </p:style>
+        <p:txBody>
+          <a:bodyPr lIns="90000" tIns="45000" rIns="90000" bIns="45000" anchor="ctr"/>
+          <a:lstStyle/>
+          <a:p>
+            <a:pPr algn="r">
+              <a:lnSpc>
+                <a:spcPct val="100000"/>
+              </a:lnSpc>
+            </a:pPr>
+            <a:fld id="{2BABB1AB-7B9B-4DEA-8D7B-39A355CEFA19}" type="slidenum">
+              <a:rPr lang="en-US" sz="1200" b="0" strike="noStrike" spc="-1">
+                <a:solidFill>
+                  <a:srgbClr val="8B8B8B"/>
                 </a:solidFill>
                 <a:uFill>
                   <a:solidFill>
                     <a:srgbClr val="FFFFFF"/>
                   </a:solidFill>
                 </a:uFill>
-                <a:latin typeface="Arial Black"/>
+                <a:latin typeface="Calibri"/>
                 <a:ea typeface="DejaVu Sans"/>
               </a:rPr>
-              <a:t>за внимание!</a:t>
-            </a:r>
+              <a:t>23</a:t>
+            </a:fld>
             <a:endParaRPr lang="en-US" sz="1800" b="0" strike="noStrike" spc="-1">
+              <a:solidFill>
+                <a:srgbClr val="000000"/>
+              </a:solidFill>
+              <a:uFill>
+                <a:solidFill>
+                  <a:srgbClr val="FFFFFF"/>
+                </a:solidFill>
+              </a:uFill>
+              <a:latin typeface="Arial"/>
+            </a:endParaRPr>
+          </a:p>
+        </p:txBody>
+      </p:sp>
+      <p:pic>
+        <p:nvPicPr>
+          <p:cNvPr id="1028" name="Picture 4" descr="Картинки по запросу sql join example"/>
+          <p:cNvPicPr>
+            <a:picLocks noChangeAspect="1" noChangeArrowheads="1"/>
+          </p:cNvPicPr>
+          <p:nvPr/>
+        </p:nvPicPr>
+        <p:blipFill>
+          <a:blip r:embed="rId2">
+            <a:extLst>
+              <a:ext uri="{28A0092B-C50C-407E-A947-70E740481C1C}">
+                <a14:useLocalDpi xmlns:a14="http://schemas.microsoft.com/office/drawing/2010/main" val="0"/>
+              </a:ext>
+            </a:extLst>
+          </a:blip>
+          <a:srcRect/>
+          <a:stretch>
+            <a:fillRect/>
+          </a:stretch>
+        </p:blipFill>
+        <p:spPr bwMode="auto">
+          <a:xfrm>
+            <a:off x="148951" y="1028614"/>
+            <a:ext cx="5560656" cy="4114886"/>
+          </a:xfrm>
+          <a:prstGeom prst="rect">
+            <a:avLst/>
+          </a:prstGeom>
+          <a:noFill/>
+          <a:extLst>
+            <a:ext uri="{909E8E84-426E-40DD-AFC4-6F175D3DCCD1}">
+              <a14:hiddenFill xmlns:a14="http://schemas.microsoft.com/office/drawing/2010/main">
+                <a:solidFill>
+                  <a:srgbClr val="FFFFFF"/>
+                </a:solidFill>
+              </a14:hiddenFill>
+            </a:ext>
+          </a:extLst>
+        </p:spPr>
+      </p:pic>
+    </p:spTree>
+    <p:extLst>
+      <p:ext uri="{BB962C8B-B14F-4D97-AF65-F5344CB8AC3E}">
+        <p14:creationId xmlns:p14="http://schemas.microsoft.com/office/powerpoint/2010/main" val="281352511"/>
+      </p:ext>
+    </p:extLst>
+  </p:cSld>
+  <p:clrMapOvr>
+    <a:masterClrMapping/>
+  </p:clrMapOvr>
+  <p:timing>
+    <p:tnLst>
+      <p:par>
+        <p:cTn id="1" dur="indefinite" restart="never" nodeType="tmRoot">
+          <p:childTnLst>
+            <p:seq>
+              <p:cTn id="2" nodeType="mainSeq"/>
+              <p:prevCondLst>
+                <p:cond evt="onPrev" delay="0">
+                  <p:tgtEl>
+                    <p:sldTgt/>
+                  </p:tgtEl>
+                </p:cond>
+              </p:prevCondLst>
+              <p:nextCondLst>
+                <p:cond evt="onNext" delay="0">
+                  <p:tgtEl>
+                    <p:sldTgt/>
+                  </p:tgtEl>
+                </p:cond>
+              </p:nextCondLst>
+            </p:seq>
+          </p:childTnLst>
+        </p:cTn>
+      </p:par>
+    </p:tnLst>
+  </p:timing>
+</p:sld>
+</file>
+
+<file path=ppt/slides/slide24.xml><?xml version="1.0" encoding="utf-8"?>
+<p:sld xmlns:a="http://schemas.openxmlformats.org/drawingml/2006/main" xmlns:r="http://schemas.openxmlformats.org/officeDocument/2006/relationships" xmlns:p="http://schemas.openxmlformats.org/presentationml/2006/main">
+  <p:cSld>
+    <p:spTree>
+      <p:nvGrpSpPr>
+        <p:cNvPr id="1" name=""/>
+        <p:cNvGrpSpPr/>
+        <p:nvPr/>
+      </p:nvGrpSpPr>
+      <p:grpSpPr>
+        <a:xfrm>
+          <a:off x="0" y="0"/>
+          <a:ext cx="0" cy="0"/>
+          <a:chOff x="0" y="0"/>
+          <a:chExt cx="0" cy="0"/>
+        </a:xfrm>
+      </p:grpSpPr>
+      <p:sp>
+        <p:nvSpPr>
+          <p:cNvPr id="105" name="CustomShape 1"/>
+          <p:cNvSpPr/>
+          <p:nvPr/>
+        </p:nvSpPr>
+        <p:spPr>
+          <a:xfrm>
+            <a:off x="457200" y="205920"/>
+            <a:ext cx="8228880" cy="608400"/>
+          </a:xfrm>
+          <a:prstGeom prst="rect">
+            <a:avLst/>
+          </a:prstGeom>
+          <a:noFill/>
+          <a:ln>
+            <a:noFill/>
+          </a:ln>
+        </p:spPr>
+        <p:style>
+          <a:lnRef idx="0">
+            <a:scrgbClr r="0" g="0" b="0"/>
+          </a:lnRef>
+          <a:fillRef idx="0">
+            <a:scrgbClr r="0" g="0" b="0"/>
+          </a:fillRef>
+          <a:effectRef idx="0">
+            <a:scrgbClr r="0" g="0" b="0"/>
+          </a:effectRef>
+          <a:fontRef idx="minor"/>
+        </p:style>
+        <p:txBody>
+          <a:bodyPr lIns="90000" tIns="45000" rIns="90000" bIns="45000" anchor="ctr"/>
+          <a:lstStyle/>
+          <a:p>
+            <a:pPr>
+              <a:lnSpc>
+                <a:spcPct val="100000"/>
+              </a:lnSpc>
+            </a:pPr>
+            <a:r>
+              <a:rPr lang="en-US" sz="3600" spc="-1" dirty="0" smtClean="0">
+                <a:solidFill>
+                  <a:srgbClr val="403152"/>
+                </a:solidFill>
+                <a:uFill>
+                  <a:solidFill>
+                    <a:srgbClr val="FFFFFF"/>
+                  </a:solidFill>
+                </a:uFill>
+                <a:latin typeface="Calibri"/>
+                <a:ea typeface="DejaVu Sans"/>
+              </a:rPr>
+              <a:t>SQL. INNER JOIN</a:t>
+            </a:r>
+            <a:endParaRPr lang="en-US" sz="1800" b="0" strike="noStrike" spc="-1" dirty="0">
               <a:solidFill>
                 <a:srgbClr val="000000"/>
               </a:solidFill>
@@ -11394,14 +11752,83 @@
       </p:sp>
       <p:sp>
         <p:nvSpPr>
-          <p:cNvPr id="256" name="CustomShape 2"/>
+          <p:cNvPr id="106" name="CustomShape 2"/>
           <p:cNvSpPr/>
           <p:nvPr/>
         </p:nvSpPr>
         <p:spPr>
           <a:xfrm>
-            <a:off x="506520" y="3724560"/>
-            <a:ext cx="4352760" cy="1553040"/>
+            <a:off x="6553080" y="4767120"/>
+            <a:ext cx="2133000" cy="273240"/>
+          </a:xfrm>
+          <a:prstGeom prst="rect">
+            <a:avLst/>
+          </a:prstGeom>
+          <a:noFill/>
+          <a:ln>
+            <a:noFill/>
+          </a:ln>
+        </p:spPr>
+        <p:style>
+          <a:lnRef idx="0">
+            <a:scrgbClr r="0" g="0" b="0"/>
+          </a:lnRef>
+          <a:fillRef idx="0">
+            <a:scrgbClr r="0" g="0" b="0"/>
+          </a:fillRef>
+          <a:effectRef idx="0">
+            <a:scrgbClr r="0" g="0" b="0"/>
+          </a:effectRef>
+          <a:fontRef idx="minor"/>
+        </p:style>
+        <p:txBody>
+          <a:bodyPr lIns="90000" tIns="45000" rIns="90000" bIns="45000" anchor="ctr"/>
+          <a:lstStyle/>
+          <a:p>
+            <a:pPr algn="r">
+              <a:lnSpc>
+                <a:spcPct val="100000"/>
+              </a:lnSpc>
+            </a:pPr>
+            <a:fld id="{2BABB1AB-7B9B-4DEA-8D7B-39A355CEFA19}" type="slidenum">
+              <a:rPr lang="en-US" sz="1200" b="0" strike="noStrike" spc="-1">
+                <a:solidFill>
+                  <a:srgbClr val="8B8B8B"/>
+                </a:solidFill>
+                <a:uFill>
+                  <a:solidFill>
+                    <a:srgbClr val="FFFFFF"/>
+                  </a:solidFill>
+                </a:uFill>
+                <a:latin typeface="Calibri"/>
+                <a:ea typeface="DejaVu Sans"/>
+              </a:rPr>
+              <a:t>24</a:t>
+            </a:fld>
+            <a:endParaRPr lang="en-US" sz="1800" b="0" strike="noStrike" spc="-1">
+              <a:solidFill>
+                <a:srgbClr val="000000"/>
+              </a:solidFill>
+              <a:uFill>
+                <a:solidFill>
+                  <a:srgbClr val="FFFFFF"/>
+                </a:solidFill>
+              </a:uFill>
+              <a:latin typeface="Arial"/>
+            </a:endParaRPr>
+          </a:p>
+        </p:txBody>
+      </p:sp>
+      <p:sp>
+        <p:nvSpPr>
+          <p:cNvPr id="107" name="CustomShape 3"/>
+          <p:cNvSpPr/>
+          <p:nvPr/>
+        </p:nvSpPr>
+        <p:spPr>
+          <a:xfrm>
+            <a:off x="457200" y="1225800"/>
+            <a:ext cx="8228880" cy="3352320"/>
           </a:xfrm>
           <a:prstGeom prst="rect">
             <a:avLst/>
@@ -11431,9 +11858,34 @@
               <a:lnSpc>
                 <a:spcPct val="100000"/>
               </a:lnSpc>
-            </a:pPr>
-            <a:r>
-              <a:rPr lang="en-US" sz="2400" b="0" strike="noStrike" spc="-1">
+              <a:buClr>
+                <a:srgbClr val="000000"/>
+              </a:buClr>
+            </a:pPr>
+            <a:endParaRPr lang="en-US" sz="2000" spc="-1" dirty="0" smtClean="0">
+              <a:solidFill>
+                <a:srgbClr val="000000"/>
+              </a:solidFill>
+              <a:uFill>
+                <a:solidFill>
+                  <a:srgbClr val="FFFFFF"/>
+                </a:solidFill>
+              </a:uFill>
+              <a:latin typeface="PT Mono"/>
+              <a:ea typeface="DejaVu Sans"/>
+            </a:endParaRPr>
+          </a:p>
+          <a:p>
+            <a:pPr>
+              <a:lnSpc>
+                <a:spcPct val="100000"/>
+              </a:lnSpc>
+              <a:buClr>
+                <a:srgbClr val="000000"/>
+              </a:buClr>
+            </a:pPr>
+            <a:r>
+              <a:rPr lang="en-US" sz="2000" spc="-1" dirty="0" smtClean="0">
                 <a:solidFill>
                   <a:srgbClr val="000000"/>
                 </a:solidFill>
@@ -11442,49 +11894,23 @@
                     <a:srgbClr val="FFFFFF"/>
                   </a:solidFill>
                 </a:uFill>
-                <a:latin typeface="Arial"/>
+                <a:latin typeface="PT Mono"/>
                 <a:ea typeface="DejaVu Sans"/>
               </a:rPr>
-              <a:t>Сергей Рыбалкин</a:t>
-            </a:r>
-            <a:endParaRPr lang="en-US" sz="1800" b="0" strike="noStrike" spc="-1">
-              <a:solidFill>
-                <a:srgbClr val="000000"/>
-              </a:solidFill>
-              <a:uFill>
-                <a:solidFill>
-                  <a:srgbClr val="FFFFFF"/>
-                </a:solidFill>
-              </a:uFill>
-              <a:latin typeface="Arial"/>
-            </a:endParaRPr>
+              <a:t>SELECT persons.name FROM </a:t>
+            </a:r>
           </a:p>
           <a:p>
             <a:pPr>
               <a:lnSpc>
                 <a:spcPct val="100000"/>
               </a:lnSpc>
-            </a:pPr>
-            <a:endParaRPr lang="en-US" sz="1800" b="0" strike="noStrike" spc="-1">
-              <a:solidFill>
-                <a:srgbClr val="000000"/>
-              </a:solidFill>
-              <a:uFill>
-                <a:solidFill>
-                  <a:srgbClr val="FFFFFF"/>
-                </a:solidFill>
-              </a:uFill>
-              <a:latin typeface="Arial"/>
-            </a:endParaRPr>
-          </a:p>
-          <a:p>
-            <a:pPr>
-              <a:lnSpc>
-                <a:spcPct val="100000"/>
-              </a:lnSpc>
-            </a:pPr>
-            <a:r>
-              <a:rPr lang="en-US" sz="2400" b="0" strike="noStrike" spc="-1">
+              <a:buClr>
+                <a:srgbClr val="000000"/>
+              </a:buClr>
+            </a:pPr>
+            <a:r>
+              <a:rPr lang="en-US" sz="2000" spc="-1" dirty="0">
                 <a:solidFill>
                   <a:srgbClr val="000000"/>
                 </a:solidFill>
@@ -11493,12 +11919,141 @@
                     <a:srgbClr val="FFFFFF"/>
                   </a:solidFill>
                 </a:uFill>
-                <a:latin typeface="Arial"/>
+                <a:latin typeface="PT Mono"/>
                 <a:ea typeface="DejaVu Sans"/>
               </a:rPr>
-              <a:t>s.rybalkin@corp.mail.ru</a:t>
-            </a:r>
-            <a:endParaRPr lang="en-US" sz="1800" b="0" strike="noStrike" spc="-1">
+              <a:t> </a:t>
+            </a:r>
+            <a:r>
+              <a:rPr lang="en-US" sz="2000" spc="-1" dirty="0" smtClean="0">
+                <a:solidFill>
+                  <a:srgbClr val="000000"/>
+                </a:solidFill>
+                <a:uFill>
+                  <a:solidFill>
+                    <a:srgbClr val="FFFFFF"/>
+                  </a:solidFill>
+                </a:uFill>
+                <a:latin typeface="PT Mono"/>
+                <a:ea typeface="DejaVu Sans"/>
+              </a:rPr>
+              <a:t>     persons INNER JOIN images</a:t>
+            </a:r>
+          </a:p>
+          <a:p>
+            <a:pPr lvl="1">
+              <a:buClr>
+                <a:srgbClr val="000000"/>
+              </a:buClr>
+            </a:pPr>
+            <a:r>
+              <a:rPr lang="en-US" sz="2000" spc="-1" dirty="0" smtClean="0">
+                <a:solidFill>
+                  <a:srgbClr val="000000"/>
+                </a:solidFill>
+                <a:uFill>
+                  <a:solidFill>
+                    <a:srgbClr val="FFFFFF"/>
+                  </a:solidFill>
+                </a:uFill>
+                <a:latin typeface="PT Mono"/>
+                <a:ea typeface="DejaVu Sans"/>
+              </a:rPr>
+              <a:t>ON persons.id = </a:t>
+            </a:r>
+            <a:r>
+              <a:rPr lang="en-US" sz="2000" spc="-1" dirty="0" err="1" smtClean="0">
+                <a:solidFill>
+                  <a:srgbClr val="000000"/>
+                </a:solidFill>
+                <a:uFill>
+                  <a:solidFill>
+                    <a:srgbClr val="FFFFFF"/>
+                  </a:solidFill>
+                </a:uFill>
+                <a:latin typeface="PT Mono"/>
+                <a:ea typeface="DejaVu Sans"/>
+              </a:rPr>
+              <a:t>images.ownerId</a:t>
+            </a:r>
+            <a:endParaRPr lang="en-US" sz="2000" spc="-1" dirty="0" smtClean="0">
+              <a:solidFill>
+                <a:srgbClr val="000000"/>
+              </a:solidFill>
+              <a:uFill>
+                <a:solidFill>
+                  <a:srgbClr val="FFFFFF"/>
+                </a:solidFill>
+              </a:uFill>
+              <a:latin typeface="PT Mono"/>
+              <a:ea typeface="DejaVu Sans"/>
+            </a:endParaRPr>
+          </a:p>
+          <a:p>
+            <a:pPr>
+              <a:lnSpc>
+                <a:spcPct val="100000"/>
+              </a:lnSpc>
+              <a:buClr>
+                <a:srgbClr val="000000"/>
+              </a:buClr>
+            </a:pPr>
+            <a:endParaRPr lang="en-US" sz="2800" spc="-1" dirty="0">
+              <a:solidFill>
+                <a:srgbClr val="000000"/>
+              </a:solidFill>
+              <a:uFill>
+                <a:solidFill>
+                  <a:srgbClr val="FFFFFF"/>
+                </a:solidFill>
+              </a:uFill>
+              <a:latin typeface="Calibri" panose="020F0502020204030204" pitchFamily="34" charset="0"/>
+              <a:ea typeface="DejaVu Sans"/>
+            </a:endParaRPr>
+          </a:p>
+          <a:p>
+            <a:pPr>
+              <a:lnSpc>
+                <a:spcPct val="100000"/>
+              </a:lnSpc>
+              <a:buClr>
+                <a:srgbClr val="000000"/>
+              </a:buClr>
+            </a:pPr>
+            <a:r>
+              <a:rPr lang="en-US" sz="2800" b="0" strike="noStrike" spc="-1" dirty="0" smtClean="0">
+                <a:solidFill>
+                  <a:srgbClr val="000000"/>
+                </a:solidFill>
+                <a:uFill>
+                  <a:solidFill>
+                    <a:srgbClr val="FFFFFF"/>
+                  </a:solidFill>
+                </a:uFill>
+                <a:latin typeface="Calibri" panose="020F0502020204030204" pitchFamily="34" charset="0"/>
+                <a:ea typeface="DejaVu Sans"/>
+              </a:rPr>
+              <a:t>  </a:t>
+            </a:r>
+            <a:endParaRPr lang="en-US" sz="2800" b="0" strike="noStrike" spc="-1" dirty="0">
+              <a:solidFill>
+                <a:srgbClr val="000000"/>
+              </a:solidFill>
+              <a:uFill>
+                <a:solidFill>
+                  <a:srgbClr val="FFFFFF"/>
+                </a:solidFill>
+              </a:uFill>
+              <a:latin typeface="Calibri" panose="020F0502020204030204" pitchFamily="34" charset="0"/>
+            </a:endParaRPr>
+          </a:p>
+          <a:p>
+            <a:pPr>
+              <a:lnSpc>
+                <a:spcPct val="100000"/>
+              </a:lnSpc>
+            </a:pPr>
+            <a:endParaRPr lang="en-US" sz="1800" b="0" strike="noStrike" spc="-1" dirty="0">
               <a:solidFill>
                 <a:srgbClr val="000000"/>
               </a:solidFill>
@@ -11516,7 +12071,7 @@
                 <a:spcPct val="100000"/>
               </a:lnSpc>
             </a:pPr>
-            <a:endParaRPr lang="en-US" sz="1800" b="0" strike="noStrike" spc="-1">
+            <a:endParaRPr lang="en-US" sz="1800" b="0" strike="noStrike" spc="-1" dirty="0">
               <a:solidFill>
                 <a:srgbClr val="000000"/>
               </a:solidFill>
@@ -11531,6 +12086,2543 @@
         </p:txBody>
       </p:sp>
     </p:spTree>
+    <p:extLst>
+      <p:ext uri="{BB962C8B-B14F-4D97-AF65-F5344CB8AC3E}">
+        <p14:creationId xmlns:p14="http://schemas.microsoft.com/office/powerpoint/2010/main" val="3358388415"/>
+      </p:ext>
+    </p:extLst>
+  </p:cSld>
+  <p:clrMapOvr>
+    <a:masterClrMapping/>
+  </p:clrMapOvr>
+  <p:timing>
+    <p:tnLst>
+      <p:par>
+        <p:cTn id="1" dur="indefinite" restart="never" nodeType="tmRoot">
+          <p:childTnLst>
+            <p:seq>
+              <p:cTn id="2" nodeType="mainSeq"/>
+              <p:prevCondLst>
+                <p:cond evt="onPrev" delay="0">
+                  <p:tgtEl>
+                    <p:sldTgt/>
+                  </p:tgtEl>
+                </p:cond>
+              </p:prevCondLst>
+              <p:nextCondLst>
+                <p:cond evt="onNext" delay="0">
+                  <p:tgtEl>
+                    <p:sldTgt/>
+                  </p:tgtEl>
+                </p:cond>
+              </p:nextCondLst>
+            </p:seq>
+          </p:childTnLst>
+        </p:cTn>
+      </p:par>
+    </p:tnLst>
+  </p:timing>
+</p:sld>
+</file>
+
+<file path=ppt/slides/slide25.xml><?xml version="1.0" encoding="utf-8"?>
+<p:sld xmlns:a="http://schemas.openxmlformats.org/drawingml/2006/main" xmlns:r="http://schemas.openxmlformats.org/officeDocument/2006/relationships" xmlns:p="http://schemas.openxmlformats.org/presentationml/2006/main">
+  <p:cSld>
+    <p:spTree>
+      <p:nvGrpSpPr>
+        <p:cNvPr id="1" name=""/>
+        <p:cNvGrpSpPr/>
+        <p:nvPr/>
+      </p:nvGrpSpPr>
+      <p:grpSpPr>
+        <a:xfrm>
+          <a:off x="0" y="0"/>
+          <a:ext cx="0" cy="0"/>
+          <a:chOff x="0" y="0"/>
+          <a:chExt cx="0" cy="0"/>
+        </a:xfrm>
+      </p:grpSpPr>
+      <p:sp>
+        <p:nvSpPr>
+          <p:cNvPr id="105" name="CustomShape 1"/>
+          <p:cNvSpPr/>
+          <p:nvPr/>
+        </p:nvSpPr>
+        <p:spPr>
+          <a:xfrm>
+            <a:off x="457200" y="205920"/>
+            <a:ext cx="8228880" cy="608400"/>
+          </a:xfrm>
+          <a:prstGeom prst="rect">
+            <a:avLst/>
+          </a:prstGeom>
+          <a:noFill/>
+          <a:ln>
+            <a:noFill/>
+          </a:ln>
+        </p:spPr>
+        <p:style>
+          <a:lnRef idx="0">
+            <a:scrgbClr r="0" g="0" b="0"/>
+          </a:lnRef>
+          <a:fillRef idx="0">
+            <a:scrgbClr r="0" g="0" b="0"/>
+          </a:fillRef>
+          <a:effectRef idx="0">
+            <a:scrgbClr r="0" g="0" b="0"/>
+          </a:effectRef>
+          <a:fontRef idx="minor"/>
+        </p:style>
+        <p:txBody>
+          <a:bodyPr lIns="90000" tIns="45000" rIns="90000" bIns="45000" anchor="ctr"/>
+          <a:lstStyle/>
+          <a:p>
+            <a:pPr>
+              <a:lnSpc>
+                <a:spcPct val="100000"/>
+              </a:lnSpc>
+            </a:pPr>
+            <a:r>
+              <a:rPr lang="en-US" sz="3600" spc="-1" dirty="0" smtClean="0">
+                <a:solidFill>
+                  <a:srgbClr val="403152"/>
+                </a:solidFill>
+                <a:uFill>
+                  <a:solidFill>
+                    <a:srgbClr val="FFFFFF"/>
+                  </a:solidFill>
+                </a:uFill>
+                <a:latin typeface="Calibri"/>
+                <a:ea typeface="DejaVu Sans"/>
+              </a:rPr>
+              <a:t>SQL – Java data mapping</a:t>
+            </a:r>
+            <a:endParaRPr lang="en-US" sz="1800" b="0" strike="noStrike" spc="-1" dirty="0">
+              <a:solidFill>
+                <a:srgbClr val="000000"/>
+              </a:solidFill>
+              <a:uFill>
+                <a:solidFill>
+                  <a:srgbClr val="FFFFFF"/>
+                </a:solidFill>
+              </a:uFill>
+              <a:latin typeface="Arial"/>
+            </a:endParaRPr>
+          </a:p>
+        </p:txBody>
+      </p:sp>
+      <p:sp>
+        <p:nvSpPr>
+          <p:cNvPr id="106" name="CustomShape 2"/>
+          <p:cNvSpPr/>
+          <p:nvPr/>
+        </p:nvSpPr>
+        <p:spPr>
+          <a:xfrm>
+            <a:off x="6553080" y="4767120"/>
+            <a:ext cx="2133000" cy="273240"/>
+          </a:xfrm>
+          <a:prstGeom prst="rect">
+            <a:avLst/>
+          </a:prstGeom>
+          <a:noFill/>
+          <a:ln>
+            <a:noFill/>
+          </a:ln>
+        </p:spPr>
+        <p:style>
+          <a:lnRef idx="0">
+            <a:scrgbClr r="0" g="0" b="0"/>
+          </a:lnRef>
+          <a:fillRef idx="0">
+            <a:scrgbClr r="0" g="0" b="0"/>
+          </a:fillRef>
+          <a:effectRef idx="0">
+            <a:scrgbClr r="0" g="0" b="0"/>
+          </a:effectRef>
+          <a:fontRef idx="minor"/>
+        </p:style>
+        <p:txBody>
+          <a:bodyPr lIns="90000" tIns="45000" rIns="90000" bIns="45000" anchor="ctr"/>
+          <a:lstStyle/>
+          <a:p>
+            <a:pPr algn="r">
+              <a:lnSpc>
+                <a:spcPct val="100000"/>
+              </a:lnSpc>
+            </a:pPr>
+            <a:fld id="{2BABB1AB-7B9B-4DEA-8D7B-39A355CEFA19}" type="slidenum">
+              <a:rPr lang="en-US" sz="1200" b="0" strike="noStrike" spc="-1">
+                <a:solidFill>
+                  <a:srgbClr val="8B8B8B"/>
+                </a:solidFill>
+                <a:uFill>
+                  <a:solidFill>
+                    <a:srgbClr val="FFFFFF"/>
+                  </a:solidFill>
+                </a:uFill>
+                <a:latin typeface="Calibri"/>
+                <a:ea typeface="DejaVu Sans"/>
+              </a:rPr>
+              <a:t>25</a:t>
+            </a:fld>
+            <a:endParaRPr lang="en-US" sz="1800" b="0" strike="noStrike" spc="-1">
+              <a:solidFill>
+                <a:srgbClr val="000000"/>
+              </a:solidFill>
+              <a:uFill>
+                <a:solidFill>
+                  <a:srgbClr val="FFFFFF"/>
+                </a:solidFill>
+              </a:uFill>
+              <a:latin typeface="Arial"/>
+            </a:endParaRPr>
+          </a:p>
+        </p:txBody>
+      </p:sp>
+      <p:sp>
+        <p:nvSpPr>
+          <p:cNvPr id="107" name="CustomShape 3"/>
+          <p:cNvSpPr/>
+          <p:nvPr/>
+        </p:nvSpPr>
+        <p:spPr>
+          <a:xfrm>
+            <a:off x="457200" y="1225800"/>
+            <a:ext cx="8228880" cy="3352320"/>
+          </a:xfrm>
+          <a:prstGeom prst="rect">
+            <a:avLst/>
+          </a:prstGeom>
+          <a:noFill/>
+          <a:ln>
+            <a:noFill/>
+          </a:ln>
+        </p:spPr>
+        <p:style>
+          <a:lnRef idx="0">
+            <a:scrgbClr r="0" g="0" b="0"/>
+          </a:lnRef>
+          <a:fillRef idx="0">
+            <a:scrgbClr r="0" g="0" b="0"/>
+          </a:fillRef>
+          <a:effectRef idx="0">
+            <a:scrgbClr r="0" g="0" b="0"/>
+          </a:effectRef>
+          <a:fontRef idx="minor"/>
+        </p:style>
+        <p:txBody>
+          <a:bodyPr lIns="90000" tIns="45000" rIns="90000" bIns="45000"/>
+          <a:lstStyle/>
+          <a:p>
+            <a:pPr>
+              <a:lnSpc>
+                <a:spcPct val="100000"/>
+              </a:lnSpc>
+              <a:buClr>
+                <a:srgbClr val="000000"/>
+              </a:buClr>
+            </a:pPr>
+            <a:endParaRPr lang="en-US" sz="2000" spc="-1" dirty="0" smtClean="0">
+              <a:solidFill>
+                <a:srgbClr val="000000"/>
+              </a:solidFill>
+              <a:uFill>
+                <a:solidFill>
+                  <a:srgbClr val="FFFFFF"/>
+                </a:solidFill>
+              </a:uFill>
+              <a:latin typeface="PT Mono"/>
+              <a:ea typeface="DejaVu Sans"/>
+            </a:endParaRPr>
+          </a:p>
+          <a:p>
+            <a:pPr marL="342900" indent="-342900">
+              <a:lnSpc>
+                <a:spcPct val="100000"/>
+              </a:lnSpc>
+              <a:buClr>
+                <a:srgbClr val="000000"/>
+              </a:buClr>
+              <a:buFont typeface="Arial" panose="020B0604020202020204" pitchFamily="34" charset="0"/>
+              <a:buChar char="•"/>
+            </a:pPr>
+            <a:r>
+              <a:rPr lang="en-US" sz="2000" spc="-1" dirty="0" smtClean="0">
+                <a:solidFill>
+                  <a:srgbClr val="000000"/>
+                </a:solidFill>
+                <a:uFill>
+                  <a:solidFill>
+                    <a:srgbClr val="FFFFFF"/>
+                  </a:solidFill>
+                </a:uFill>
+                <a:latin typeface="Calibri" panose="020F0502020204030204" pitchFamily="34" charset="0"/>
+                <a:ea typeface="DejaVu Sans"/>
+              </a:rPr>
+              <a:t>VARCHAR – String</a:t>
+            </a:r>
+          </a:p>
+          <a:p>
+            <a:pPr marL="342900" indent="-342900">
+              <a:lnSpc>
+                <a:spcPct val="100000"/>
+              </a:lnSpc>
+              <a:buClr>
+                <a:srgbClr val="000000"/>
+              </a:buClr>
+              <a:buFont typeface="Arial" panose="020B0604020202020204" pitchFamily="34" charset="0"/>
+              <a:buChar char="•"/>
+            </a:pPr>
+            <a:r>
+              <a:rPr lang="en-US" sz="2000" spc="-1" dirty="0" smtClean="0">
+                <a:solidFill>
+                  <a:srgbClr val="000000"/>
+                </a:solidFill>
+                <a:uFill>
+                  <a:solidFill>
+                    <a:srgbClr val="FFFFFF"/>
+                  </a:solidFill>
+                </a:uFill>
+                <a:latin typeface="Calibri" panose="020F0502020204030204" pitchFamily="34" charset="0"/>
+                <a:ea typeface="DejaVu Sans"/>
+              </a:rPr>
+              <a:t>BIT – Boolean</a:t>
+            </a:r>
+          </a:p>
+          <a:p>
+            <a:pPr marL="342900" indent="-342900">
+              <a:lnSpc>
+                <a:spcPct val="100000"/>
+              </a:lnSpc>
+              <a:buClr>
+                <a:srgbClr val="000000"/>
+              </a:buClr>
+              <a:buFont typeface="Arial" panose="020B0604020202020204" pitchFamily="34" charset="0"/>
+              <a:buChar char="•"/>
+            </a:pPr>
+            <a:r>
+              <a:rPr lang="en-US" sz="2000" dirty="0" smtClean="0">
+                <a:latin typeface="Calibri" panose="020F0502020204030204" pitchFamily="34" charset="0"/>
+              </a:rPr>
+              <a:t>INTEGER – </a:t>
+            </a:r>
+            <a:r>
+              <a:rPr lang="en-US" sz="2000" dirty="0" err="1" smtClean="0">
+                <a:latin typeface="Calibri" panose="020F0502020204030204" pitchFamily="34" charset="0"/>
+              </a:rPr>
+              <a:t>int</a:t>
+            </a:r>
+            <a:endParaRPr lang="en-US" sz="2000" dirty="0" smtClean="0">
+              <a:latin typeface="Calibri" panose="020F0502020204030204" pitchFamily="34" charset="0"/>
+            </a:endParaRPr>
+          </a:p>
+          <a:p>
+            <a:pPr marL="342900" indent="-342900">
+              <a:lnSpc>
+                <a:spcPct val="100000"/>
+              </a:lnSpc>
+              <a:buClr>
+                <a:srgbClr val="000000"/>
+              </a:buClr>
+              <a:buFont typeface="Arial" panose="020B0604020202020204" pitchFamily="34" charset="0"/>
+              <a:buChar char="•"/>
+            </a:pPr>
+            <a:r>
+              <a:rPr lang="en-US" sz="2000" dirty="0" smtClean="0">
+                <a:latin typeface="Calibri" panose="020F0502020204030204" pitchFamily="34" charset="0"/>
+              </a:rPr>
+              <a:t>BIGINT – long</a:t>
+            </a:r>
+          </a:p>
+          <a:p>
+            <a:pPr marL="342900" indent="-342900">
+              <a:lnSpc>
+                <a:spcPct val="100000"/>
+              </a:lnSpc>
+              <a:buClr>
+                <a:srgbClr val="000000"/>
+              </a:buClr>
+              <a:buFont typeface="Arial" panose="020B0604020202020204" pitchFamily="34" charset="0"/>
+              <a:buChar char="•"/>
+            </a:pPr>
+            <a:r>
+              <a:rPr lang="en-US" sz="2000" dirty="0" smtClean="0">
+                <a:latin typeface="Calibri" panose="020F0502020204030204" pitchFamily="34" charset="0"/>
+              </a:rPr>
+              <a:t>DOUBLE – double</a:t>
+            </a:r>
+          </a:p>
+          <a:p>
+            <a:pPr>
+              <a:lnSpc>
+                <a:spcPct val="100000"/>
+              </a:lnSpc>
+              <a:buClr>
+                <a:srgbClr val="000000"/>
+              </a:buClr>
+            </a:pPr>
+            <a:endParaRPr lang="en-US" dirty="0" smtClean="0"/>
+          </a:p>
+          <a:p>
+            <a:pPr>
+              <a:lnSpc>
+                <a:spcPct val="100000"/>
+              </a:lnSpc>
+              <a:buClr>
+                <a:srgbClr val="000000"/>
+              </a:buClr>
+            </a:pPr>
+            <a:r>
+              <a:rPr lang="en-US" sz="2000" spc="-1" dirty="0" smtClean="0">
+                <a:solidFill>
+                  <a:srgbClr val="000000"/>
+                </a:solidFill>
+                <a:uFill>
+                  <a:solidFill>
+                    <a:srgbClr val="FFFFFF"/>
+                  </a:solidFill>
+                </a:uFill>
+                <a:latin typeface="PT Mono"/>
+                <a:ea typeface="DejaVu Sans"/>
+              </a:rPr>
+              <a:t> </a:t>
+            </a:r>
+            <a:endParaRPr lang="en-US" sz="2800" spc="-1" dirty="0">
+              <a:solidFill>
+                <a:srgbClr val="000000"/>
+              </a:solidFill>
+              <a:uFill>
+                <a:solidFill>
+                  <a:srgbClr val="FFFFFF"/>
+                </a:solidFill>
+              </a:uFill>
+              <a:latin typeface="Calibri" panose="020F0502020204030204" pitchFamily="34" charset="0"/>
+              <a:ea typeface="DejaVu Sans"/>
+            </a:endParaRPr>
+          </a:p>
+          <a:p>
+            <a:pPr>
+              <a:lnSpc>
+                <a:spcPct val="100000"/>
+              </a:lnSpc>
+              <a:buClr>
+                <a:srgbClr val="000000"/>
+              </a:buClr>
+            </a:pPr>
+            <a:r>
+              <a:rPr lang="en-US" sz="2800" b="0" strike="noStrike" spc="-1" dirty="0" smtClean="0">
+                <a:solidFill>
+                  <a:srgbClr val="000000"/>
+                </a:solidFill>
+                <a:uFill>
+                  <a:solidFill>
+                    <a:srgbClr val="FFFFFF"/>
+                  </a:solidFill>
+                </a:uFill>
+                <a:latin typeface="Calibri" panose="020F0502020204030204" pitchFamily="34" charset="0"/>
+                <a:ea typeface="DejaVu Sans"/>
+              </a:rPr>
+              <a:t>  </a:t>
+            </a:r>
+            <a:endParaRPr lang="en-US" sz="2800" b="0" strike="noStrike" spc="-1" dirty="0">
+              <a:solidFill>
+                <a:srgbClr val="000000"/>
+              </a:solidFill>
+              <a:uFill>
+                <a:solidFill>
+                  <a:srgbClr val="FFFFFF"/>
+                </a:solidFill>
+              </a:uFill>
+              <a:latin typeface="Calibri" panose="020F0502020204030204" pitchFamily="34" charset="0"/>
+            </a:endParaRPr>
+          </a:p>
+          <a:p>
+            <a:pPr>
+              <a:lnSpc>
+                <a:spcPct val="100000"/>
+              </a:lnSpc>
+            </a:pPr>
+            <a:endParaRPr lang="en-US" sz="1800" b="0" strike="noStrike" spc="-1" dirty="0">
+              <a:solidFill>
+                <a:srgbClr val="000000"/>
+              </a:solidFill>
+              <a:uFill>
+                <a:solidFill>
+                  <a:srgbClr val="FFFFFF"/>
+                </a:solidFill>
+              </a:uFill>
+              <a:latin typeface="Arial"/>
+            </a:endParaRPr>
+          </a:p>
+          <a:p>
+            <a:pPr>
+              <a:lnSpc>
+                <a:spcPct val="100000"/>
+              </a:lnSpc>
+            </a:pPr>
+            <a:endParaRPr lang="en-US" sz="1800" b="0" strike="noStrike" spc="-1" dirty="0">
+              <a:solidFill>
+                <a:srgbClr val="000000"/>
+              </a:solidFill>
+              <a:uFill>
+                <a:solidFill>
+                  <a:srgbClr val="FFFFFF"/>
+                </a:solidFill>
+              </a:uFill>
+              <a:latin typeface="Arial"/>
+            </a:endParaRPr>
+          </a:p>
+        </p:txBody>
+      </p:sp>
+    </p:spTree>
+    <p:extLst>
+      <p:ext uri="{BB962C8B-B14F-4D97-AF65-F5344CB8AC3E}">
+        <p14:creationId xmlns:p14="http://schemas.microsoft.com/office/powerpoint/2010/main" val="1084125820"/>
+      </p:ext>
+    </p:extLst>
+  </p:cSld>
+  <p:clrMapOvr>
+    <a:masterClrMapping/>
+  </p:clrMapOvr>
+  <p:timing>
+    <p:tnLst>
+      <p:par>
+        <p:cTn id="1" dur="indefinite" restart="never" nodeType="tmRoot">
+          <p:childTnLst>
+            <p:seq>
+              <p:cTn id="2" nodeType="mainSeq"/>
+              <p:prevCondLst>
+                <p:cond evt="onPrev" delay="0">
+                  <p:tgtEl>
+                    <p:sldTgt/>
+                  </p:tgtEl>
+                </p:cond>
+              </p:prevCondLst>
+              <p:nextCondLst>
+                <p:cond evt="onNext" delay="0">
+                  <p:tgtEl>
+                    <p:sldTgt/>
+                  </p:tgtEl>
+                </p:cond>
+              </p:nextCondLst>
+            </p:seq>
+          </p:childTnLst>
+        </p:cTn>
+      </p:par>
+    </p:tnLst>
+  </p:timing>
+</p:sld>
+</file>
+
+<file path=ppt/slides/slide26.xml><?xml version="1.0" encoding="utf-8"?>
+<p:sld xmlns:a="http://schemas.openxmlformats.org/drawingml/2006/main" xmlns:r="http://schemas.openxmlformats.org/officeDocument/2006/relationships" xmlns:p="http://schemas.openxmlformats.org/presentationml/2006/main">
+  <p:cSld>
+    <p:spTree>
+      <p:nvGrpSpPr>
+        <p:cNvPr id="1" name=""/>
+        <p:cNvGrpSpPr/>
+        <p:nvPr/>
+      </p:nvGrpSpPr>
+      <p:grpSpPr>
+        <a:xfrm>
+          <a:off x="0" y="0"/>
+          <a:ext cx="0" cy="0"/>
+          <a:chOff x="0" y="0"/>
+          <a:chExt cx="0" cy="0"/>
+        </a:xfrm>
+      </p:grpSpPr>
+      <p:sp>
+        <p:nvSpPr>
+          <p:cNvPr id="105" name="CustomShape 1"/>
+          <p:cNvSpPr/>
+          <p:nvPr/>
+        </p:nvSpPr>
+        <p:spPr>
+          <a:xfrm>
+            <a:off x="457200" y="205920"/>
+            <a:ext cx="8228880" cy="608400"/>
+          </a:xfrm>
+          <a:prstGeom prst="rect">
+            <a:avLst/>
+          </a:prstGeom>
+          <a:noFill/>
+          <a:ln>
+            <a:noFill/>
+          </a:ln>
+        </p:spPr>
+        <p:style>
+          <a:lnRef idx="0">
+            <a:scrgbClr r="0" g="0" b="0"/>
+          </a:lnRef>
+          <a:fillRef idx="0">
+            <a:scrgbClr r="0" g="0" b="0"/>
+          </a:fillRef>
+          <a:effectRef idx="0">
+            <a:scrgbClr r="0" g="0" b="0"/>
+          </a:effectRef>
+          <a:fontRef idx="minor"/>
+        </p:style>
+        <p:txBody>
+          <a:bodyPr lIns="90000" tIns="45000" rIns="90000" bIns="45000" anchor="ctr"/>
+          <a:lstStyle/>
+          <a:p>
+            <a:pPr>
+              <a:lnSpc>
+                <a:spcPct val="100000"/>
+              </a:lnSpc>
+            </a:pPr>
+            <a:r>
+              <a:rPr lang="en-US" sz="3600" spc="-1" dirty="0" smtClean="0">
+                <a:solidFill>
+                  <a:srgbClr val="403152"/>
+                </a:solidFill>
+                <a:uFill>
+                  <a:solidFill>
+                    <a:srgbClr val="FFFFFF"/>
+                  </a:solidFill>
+                </a:uFill>
+                <a:latin typeface="Calibri"/>
+                <a:ea typeface="DejaVu Sans"/>
+              </a:rPr>
+              <a:t>Less talk more work</a:t>
+            </a:r>
+            <a:endParaRPr lang="en-US" sz="1800" b="0" strike="noStrike" spc="-1" dirty="0">
+              <a:solidFill>
+                <a:srgbClr val="000000"/>
+              </a:solidFill>
+              <a:uFill>
+                <a:solidFill>
+                  <a:srgbClr val="FFFFFF"/>
+                </a:solidFill>
+              </a:uFill>
+              <a:latin typeface="Arial"/>
+            </a:endParaRPr>
+          </a:p>
+        </p:txBody>
+      </p:sp>
+      <p:sp>
+        <p:nvSpPr>
+          <p:cNvPr id="106" name="CustomShape 2"/>
+          <p:cNvSpPr/>
+          <p:nvPr/>
+        </p:nvSpPr>
+        <p:spPr>
+          <a:xfrm>
+            <a:off x="6553080" y="4767120"/>
+            <a:ext cx="2133000" cy="273240"/>
+          </a:xfrm>
+          <a:prstGeom prst="rect">
+            <a:avLst/>
+          </a:prstGeom>
+          <a:noFill/>
+          <a:ln>
+            <a:noFill/>
+          </a:ln>
+        </p:spPr>
+        <p:style>
+          <a:lnRef idx="0">
+            <a:scrgbClr r="0" g="0" b="0"/>
+          </a:lnRef>
+          <a:fillRef idx="0">
+            <a:scrgbClr r="0" g="0" b="0"/>
+          </a:fillRef>
+          <a:effectRef idx="0">
+            <a:scrgbClr r="0" g="0" b="0"/>
+          </a:effectRef>
+          <a:fontRef idx="minor"/>
+        </p:style>
+        <p:txBody>
+          <a:bodyPr lIns="90000" tIns="45000" rIns="90000" bIns="45000" anchor="ctr"/>
+          <a:lstStyle/>
+          <a:p>
+            <a:pPr algn="r">
+              <a:lnSpc>
+                <a:spcPct val="100000"/>
+              </a:lnSpc>
+            </a:pPr>
+            <a:fld id="{2BABB1AB-7B9B-4DEA-8D7B-39A355CEFA19}" type="slidenum">
+              <a:rPr lang="en-US" sz="1200" b="0" strike="noStrike" spc="-1">
+                <a:solidFill>
+                  <a:srgbClr val="8B8B8B"/>
+                </a:solidFill>
+                <a:uFill>
+                  <a:solidFill>
+                    <a:srgbClr val="FFFFFF"/>
+                  </a:solidFill>
+                </a:uFill>
+                <a:latin typeface="Calibri"/>
+                <a:ea typeface="DejaVu Sans"/>
+              </a:rPr>
+              <a:t>26</a:t>
+            </a:fld>
+            <a:endParaRPr lang="en-US" sz="1800" b="0" strike="noStrike" spc="-1">
+              <a:solidFill>
+                <a:srgbClr val="000000"/>
+              </a:solidFill>
+              <a:uFill>
+                <a:solidFill>
+                  <a:srgbClr val="FFFFFF"/>
+                </a:solidFill>
+              </a:uFill>
+              <a:latin typeface="Arial"/>
+            </a:endParaRPr>
+          </a:p>
+        </p:txBody>
+      </p:sp>
+      <p:sp>
+        <p:nvSpPr>
+          <p:cNvPr id="107" name="CustomShape 3"/>
+          <p:cNvSpPr/>
+          <p:nvPr/>
+        </p:nvSpPr>
+        <p:spPr>
+          <a:xfrm>
+            <a:off x="457200" y="1225800"/>
+            <a:ext cx="8228880" cy="3352320"/>
+          </a:xfrm>
+          <a:prstGeom prst="rect">
+            <a:avLst/>
+          </a:prstGeom>
+          <a:noFill/>
+          <a:ln>
+            <a:noFill/>
+          </a:ln>
+        </p:spPr>
+        <p:style>
+          <a:lnRef idx="0">
+            <a:scrgbClr r="0" g="0" b="0"/>
+          </a:lnRef>
+          <a:fillRef idx="0">
+            <a:scrgbClr r="0" g="0" b="0"/>
+          </a:fillRef>
+          <a:effectRef idx="0">
+            <a:scrgbClr r="0" g="0" b="0"/>
+          </a:effectRef>
+          <a:fontRef idx="minor"/>
+        </p:style>
+        <p:txBody>
+          <a:bodyPr lIns="90000" tIns="45000" rIns="90000" bIns="45000"/>
+          <a:lstStyle/>
+          <a:p>
+            <a:pPr>
+              <a:lnSpc>
+                <a:spcPct val="100000"/>
+              </a:lnSpc>
+              <a:buClr>
+                <a:srgbClr val="000000"/>
+              </a:buClr>
+            </a:pPr>
+            <a:r>
+              <a:rPr lang="en-US" sz="2800" spc="-1" dirty="0" smtClean="0">
+                <a:solidFill>
+                  <a:srgbClr val="000000"/>
+                </a:solidFill>
+                <a:uFill>
+                  <a:solidFill>
+                    <a:srgbClr val="FFFFFF"/>
+                  </a:solidFill>
+                </a:uFill>
+                <a:latin typeface="Calibri" panose="020F0502020204030204" pitchFamily="34" charset="0"/>
+              </a:rPr>
+              <a:t>RAM   </a:t>
+            </a:r>
+            <a:r>
+              <a:rPr lang="en-US" sz="2800" spc="-1" dirty="0" smtClean="0">
+                <a:solidFill>
+                  <a:srgbClr val="000000"/>
+                </a:solidFill>
+                <a:uFill>
+                  <a:solidFill>
+                    <a:srgbClr val="FFFFFF"/>
+                  </a:solidFill>
+                </a:uFill>
+                <a:latin typeface="Calibri" panose="020F0502020204030204" pitchFamily="34" charset="0"/>
+                <a:sym typeface="Wingdings" panose="05000000000000000000" pitchFamily="2" charset="2"/>
+              </a:rPr>
+              <a:t>   DB migration</a:t>
+            </a:r>
+          </a:p>
+          <a:p>
+            <a:pPr>
+              <a:lnSpc>
+                <a:spcPct val="100000"/>
+              </a:lnSpc>
+              <a:buClr>
+                <a:srgbClr val="000000"/>
+              </a:buClr>
+            </a:pPr>
+            <a:endParaRPr lang="en-US" sz="2800" spc="-1" dirty="0">
+              <a:solidFill>
+                <a:srgbClr val="000000"/>
+              </a:solidFill>
+              <a:uFill>
+                <a:solidFill>
+                  <a:srgbClr val="FFFFFF"/>
+                </a:solidFill>
+              </a:uFill>
+              <a:latin typeface="Calibri" panose="020F0502020204030204" pitchFamily="34" charset="0"/>
+              <a:sym typeface="Wingdings" panose="05000000000000000000" pitchFamily="2" charset="2"/>
+            </a:endParaRPr>
+          </a:p>
+          <a:p>
+            <a:pPr>
+              <a:lnSpc>
+                <a:spcPct val="100000"/>
+              </a:lnSpc>
+              <a:buClr>
+                <a:srgbClr val="000000"/>
+              </a:buClr>
+            </a:pPr>
+            <a:r>
+              <a:rPr lang="en-US" sz="2000" spc="-1" dirty="0" smtClean="0">
+                <a:solidFill>
+                  <a:srgbClr val="000000"/>
+                </a:solidFill>
+                <a:uFill>
+                  <a:solidFill>
+                    <a:srgbClr val="FFFFFF"/>
+                  </a:solidFill>
+                </a:uFill>
+                <a:latin typeface="Calibri" panose="020F0502020204030204" pitchFamily="34" charset="0"/>
+                <a:sym typeface="Wingdings" panose="05000000000000000000" pitchFamily="2" charset="2"/>
+              </a:rPr>
+              <a:t>Entities</a:t>
+            </a:r>
+          </a:p>
+          <a:p>
+            <a:pPr marL="457200" indent="-457200">
+              <a:lnSpc>
+                <a:spcPct val="100000"/>
+              </a:lnSpc>
+              <a:buClr>
+                <a:srgbClr val="000000"/>
+              </a:buClr>
+              <a:buFont typeface="Arial" panose="020B0604020202020204" pitchFamily="34" charset="0"/>
+              <a:buChar char="•"/>
+            </a:pPr>
+            <a:r>
+              <a:rPr lang="en-US" sz="2000" spc="-1" dirty="0" smtClean="0">
+                <a:solidFill>
+                  <a:srgbClr val="000000"/>
+                </a:solidFill>
+                <a:uFill>
+                  <a:solidFill>
+                    <a:srgbClr val="FFFFFF"/>
+                  </a:solidFill>
+                </a:uFill>
+                <a:latin typeface="Calibri" panose="020F0502020204030204" pitchFamily="34" charset="0"/>
+                <a:sym typeface="Wingdings" panose="05000000000000000000" pitchFamily="2" charset="2"/>
+              </a:rPr>
+              <a:t>Person</a:t>
+            </a:r>
+          </a:p>
+          <a:p>
+            <a:pPr marL="457200" indent="-457200">
+              <a:lnSpc>
+                <a:spcPct val="100000"/>
+              </a:lnSpc>
+              <a:buClr>
+                <a:srgbClr val="000000"/>
+              </a:buClr>
+              <a:buFont typeface="Arial" panose="020B0604020202020204" pitchFamily="34" charset="0"/>
+              <a:buChar char="•"/>
+            </a:pPr>
+            <a:r>
+              <a:rPr lang="en-US" sz="2000" spc="-1" dirty="0" smtClean="0">
+                <a:solidFill>
+                  <a:srgbClr val="000000"/>
+                </a:solidFill>
+                <a:uFill>
+                  <a:solidFill>
+                    <a:srgbClr val="FFFFFF"/>
+                  </a:solidFill>
+                </a:uFill>
+                <a:latin typeface="Calibri" panose="020F0502020204030204" pitchFamily="34" charset="0"/>
+                <a:sym typeface="Wingdings" panose="05000000000000000000" pitchFamily="2" charset="2"/>
+              </a:rPr>
+              <a:t>Like</a:t>
+            </a:r>
+          </a:p>
+          <a:p>
+            <a:pPr marL="457200" indent="-457200">
+              <a:lnSpc>
+                <a:spcPct val="100000"/>
+              </a:lnSpc>
+              <a:buClr>
+                <a:srgbClr val="000000"/>
+              </a:buClr>
+              <a:buFont typeface="Arial" panose="020B0604020202020204" pitchFamily="34" charset="0"/>
+              <a:buChar char="•"/>
+            </a:pPr>
+            <a:r>
+              <a:rPr lang="en-US" sz="2000" spc="-1" dirty="0" smtClean="0">
+                <a:solidFill>
+                  <a:srgbClr val="000000"/>
+                </a:solidFill>
+                <a:uFill>
+                  <a:solidFill>
+                    <a:srgbClr val="FFFFFF"/>
+                  </a:solidFill>
+                </a:uFill>
+                <a:latin typeface="Calibri" panose="020F0502020204030204" pitchFamily="34" charset="0"/>
+                <a:sym typeface="Wingdings" panose="05000000000000000000" pitchFamily="2" charset="2"/>
+              </a:rPr>
+              <a:t>Match</a:t>
+            </a:r>
+          </a:p>
+          <a:p>
+            <a:pPr>
+              <a:lnSpc>
+                <a:spcPct val="100000"/>
+              </a:lnSpc>
+              <a:buClr>
+                <a:srgbClr val="000000"/>
+              </a:buClr>
+            </a:pPr>
+            <a:endParaRPr lang="en-US" sz="2800" spc="-1" dirty="0" smtClean="0">
+              <a:solidFill>
+                <a:srgbClr val="000000"/>
+              </a:solidFill>
+              <a:uFill>
+                <a:solidFill>
+                  <a:srgbClr val="FFFFFF"/>
+                </a:solidFill>
+              </a:uFill>
+              <a:latin typeface="Calibri" panose="020F0502020204030204" pitchFamily="34" charset="0"/>
+              <a:sym typeface="Wingdings" panose="05000000000000000000" pitchFamily="2" charset="2"/>
+            </a:endParaRPr>
+          </a:p>
+          <a:p>
+            <a:pPr>
+              <a:lnSpc>
+                <a:spcPct val="100000"/>
+              </a:lnSpc>
+              <a:buClr>
+                <a:srgbClr val="000000"/>
+              </a:buClr>
+            </a:pPr>
+            <a:endParaRPr lang="en-US" sz="2800" spc="-1" dirty="0">
+              <a:solidFill>
+                <a:srgbClr val="000000"/>
+              </a:solidFill>
+              <a:uFill>
+                <a:solidFill>
+                  <a:srgbClr val="FFFFFF"/>
+                </a:solidFill>
+              </a:uFill>
+              <a:latin typeface="Calibri" panose="020F0502020204030204" pitchFamily="34" charset="0"/>
+              <a:sym typeface="Wingdings" panose="05000000000000000000" pitchFamily="2" charset="2"/>
+            </a:endParaRPr>
+          </a:p>
+          <a:p>
+            <a:pPr>
+              <a:lnSpc>
+                <a:spcPct val="100000"/>
+              </a:lnSpc>
+              <a:buClr>
+                <a:srgbClr val="000000"/>
+              </a:buClr>
+            </a:pPr>
+            <a:endParaRPr lang="en-US" sz="2800" spc="-1" dirty="0" smtClean="0">
+              <a:solidFill>
+                <a:srgbClr val="000000"/>
+              </a:solidFill>
+              <a:uFill>
+                <a:solidFill>
+                  <a:srgbClr val="FFFFFF"/>
+                </a:solidFill>
+              </a:uFill>
+              <a:latin typeface="Calibri" panose="020F0502020204030204" pitchFamily="34" charset="0"/>
+            </a:endParaRPr>
+          </a:p>
+          <a:p>
+            <a:pPr>
+              <a:lnSpc>
+                <a:spcPct val="100000"/>
+              </a:lnSpc>
+              <a:buClr>
+                <a:srgbClr val="000000"/>
+              </a:buClr>
+            </a:pPr>
+            <a:endParaRPr lang="en-US" sz="2800" spc="-1" dirty="0">
+              <a:solidFill>
+                <a:srgbClr val="000000"/>
+              </a:solidFill>
+              <a:uFill>
+                <a:solidFill>
+                  <a:srgbClr val="FFFFFF"/>
+                </a:solidFill>
+              </a:uFill>
+              <a:latin typeface="Calibri" panose="020F0502020204030204" pitchFamily="34" charset="0"/>
+              <a:ea typeface="DejaVu Sans"/>
+            </a:endParaRPr>
+          </a:p>
+          <a:p>
+            <a:pPr>
+              <a:lnSpc>
+                <a:spcPct val="100000"/>
+              </a:lnSpc>
+              <a:buClr>
+                <a:srgbClr val="000000"/>
+              </a:buClr>
+            </a:pPr>
+            <a:r>
+              <a:rPr lang="en-US" sz="2800" b="0" strike="noStrike" spc="-1" dirty="0" smtClean="0">
+                <a:solidFill>
+                  <a:srgbClr val="000000"/>
+                </a:solidFill>
+                <a:uFill>
+                  <a:solidFill>
+                    <a:srgbClr val="FFFFFF"/>
+                  </a:solidFill>
+                </a:uFill>
+                <a:latin typeface="Calibri" panose="020F0502020204030204" pitchFamily="34" charset="0"/>
+                <a:ea typeface="DejaVu Sans"/>
+              </a:rPr>
+              <a:t>  </a:t>
+            </a:r>
+            <a:endParaRPr lang="en-US" sz="2800" b="0" strike="noStrike" spc="-1" dirty="0">
+              <a:solidFill>
+                <a:srgbClr val="000000"/>
+              </a:solidFill>
+              <a:uFill>
+                <a:solidFill>
+                  <a:srgbClr val="FFFFFF"/>
+                </a:solidFill>
+              </a:uFill>
+              <a:latin typeface="Calibri" panose="020F0502020204030204" pitchFamily="34" charset="0"/>
+            </a:endParaRPr>
+          </a:p>
+          <a:p>
+            <a:pPr>
+              <a:lnSpc>
+                <a:spcPct val="100000"/>
+              </a:lnSpc>
+            </a:pPr>
+            <a:endParaRPr lang="en-US" sz="1800" b="0" strike="noStrike" spc="-1" dirty="0">
+              <a:solidFill>
+                <a:srgbClr val="000000"/>
+              </a:solidFill>
+              <a:uFill>
+                <a:solidFill>
+                  <a:srgbClr val="FFFFFF"/>
+                </a:solidFill>
+              </a:uFill>
+              <a:latin typeface="Arial"/>
+            </a:endParaRPr>
+          </a:p>
+          <a:p>
+            <a:pPr>
+              <a:lnSpc>
+                <a:spcPct val="100000"/>
+              </a:lnSpc>
+            </a:pPr>
+            <a:endParaRPr lang="en-US" sz="1800" b="0" strike="noStrike" spc="-1" dirty="0">
+              <a:solidFill>
+                <a:srgbClr val="000000"/>
+              </a:solidFill>
+              <a:uFill>
+                <a:solidFill>
+                  <a:srgbClr val="FFFFFF"/>
+                </a:solidFill>
+              </a:uFill>
+              <a:latin typeface="Arial"/>
+            </a:endParaRPr>
+          </a:p>
+        </p:txBody>
+      </p:sp>
+    </p:spTree>
+    <p:extLst>
+      <p:ext uri="{BB962C8B-B14F-4D97-AF65-F5344CB8AC3E}">
+        <p14:creationId xmlns:p14="http://schemas.microsoft.com/office/powerpoint/2010/main" val="1589260016"/>
+      </p:ext>
+    </p:extLst>
+  </p:cSld>
+  <p:clrMapOvr>
+    <a:masterClrMapping/>
+  </p:clrMapOvr>
+  <p:timing>
+    <p:tnLst>
+      <p:par>
+        <p:cTn id="1" dur="indefinite" restart="never" nodeType="tmRoot">
+          <p:childTnLst>
+            <p:seq>
+              <p:cTn id="2" nodeType="mainSeq"/>
+              <p:prevCondLst>
+                <p:cond evt="onPrev" delay="0">
+                  <p:tgtEl>
+                    <p:sldTgt/>
+                  </p:tgtEl>
+                </p:cond>
+              </p:prevCondLst>
+              <p:nextCondLst>
+                <p:cond evt="onNext" delay="0">
+                  <p:tgtEl>
+                    <p:sldTgt/>
+                  </p:tgtEl>
+                </p:cond>
+              </p:nextCondLst>
+            </p:seq>
+          </p:childTnLst>
+        </p:cTn>
+      </p:par>
+    </p:tnLst>
+  </p:timing>
+</p:sld>
+</file>
+
+<file path=ppt/slides/slide27.xml><?xml version="1.0" encoding="utf-8"?>
+<p:sld xmlns:a="http://schemas.openxmlformats.org/drawingml/2006/main" xmlns:r="http://schemas.openxmlformats.org/officeDocument/2006/relationships" xmlns:p="http://schemas.openxmlformats.org/presentationml/2006/main">
+  <p:cSld>
+    <p:spTree>
+      <p:nvGrpSpPr>
+        <p:cNvPr id="1" name=""/>
+        <p:cNvGrpSpPr/>
+        <p:nvPr/>
+      </p:nvGrpSpPr>
+      <p:grpSpPr>
+        <a:xfrm>
+          <a:off x="0" y="0"/>
+          <a:ext cx="0" cy="0"/>
+          <a:chOff x="0" y="0"/>
+          <a:chExt cx="0" cy="0"/>
+        </a:xfrm>
+      </p:grpSpPr>
+      <p:sp>
+        <p:nvSpPr>
+          <p:cNvPr id="105" name="CustomShape 1"/>
+          <p:cNvSpPr/>
+          <p:nvPr/>
+        </p:nvSpPr>
+        <p:spPr>
+          <a:xfrm>
+            <a:off x="457200" y="205920"/>
+            <a:ext cx="8228880" cy="608400"/>
+          </a:xfrm>
+          <a:prstGeom prst="rect">
+            <a:avLst/>
+          </a:prstGeom>
+          <a:noFill/>
+          <a:ln>
+            <a:noFill/>
+          </a:ln>
+        </p:spPr>
+        <p:style>
+          <a:lnRef idx="0">
+            <a:scrgbClr r="0" g="0" b="0"/>
+          </a:lnRef>
+          <a:fillRef idx="0">
+            <a:scrgbClr r="0" g="0" b="0"/>
+          </a:fillRef>
+          <a:effectRef idx="0">
+            <a:scrgbClr r="0" g="0" b="0"/>
+          </a:effectRef>
+          <a:fontRef idx="minor"/>
+        </p:style>
+        <p:txBody>
+          <a:bodyPr lIns="90000" tIns="45000" rIns="90000" bIns="45000" anchor="ctr"/>
+          <a:lstStyle/>
+          <a:p>
+            <a:pPr>
+              <a:lnSpc>
+                <a:spcPct val="100000"/>
+              </a:lnSpc>
+            </a:pPr>
+            <a:r>
+              <a:rPr lang="en-US" sz="3600" spc="-1" dirty="0" smtClean="0">
+                <a:solidFill>
+                  <a:srgbClr val="403152"/>
+                </a:solidFill>
+                <a:uFill>
+                  <a:solidFill>
+                    <a:srgbClr val="FFFFFF"/>
+                  </a:solidFill>
+                </a:uFill>
+                <a:latin typeface="Calibri"/>
+                <a:ea typeface="DejaVu Sans"/>
+              </a:rPr>
+              <a:t>Match maker</a:t>
+            </a:r>
+            <a:endParaRPr lang="en-US" sz="1800" b="0" strike="noStrike" spc="-1" dirty="0">
+              <a:solidFill>
+                <a:srgbClr val="000000"/>
+              </a:solidFill>
+              <a:uFill>
+                <a:solidFill>
+                  <a:srgbClr val="FFFFFF"/>
+                </a:solidFill>
+              </a:uFill>
+              <a:latin typeface="Arial"/>
+            </a:endParaRPr>
+          </a:p>
+        </p:txBody>
+      </p:sp>
+      <p:sp>
+        <p:nvSpPr>
+          <p:cNvPr id="106" name="CustomShape 2"/>
+          <p:cNvSpPr/>
+          <p:nvPr/>
+        </p:nvSpPr>
+        <p:spPr>
+          <a:xfrm>
+            <a:off x="6553080" y="4767120"/>
+            <a:ext cx="2133000" cy="273240"/>
+          </a:xfrm>
+          <a:prstGeom prst="rect">
+            <a:avLst/>
+          </a:prstGeom>
+          <a:noFill/>
+          <a:ln>
+            <a:noFill/>
+          </a:ln>
+        </p:spPr>
+        <p:style>
+          <a:lnRef idx="0">
+            <a:scrgbClr r="0" g="0" b="0"/>
+          </a:lnRef>
+          <a:fillRef idx="0">
+            <a:scrgbClr r="0" g="0" b="0"/>
+          </a:fillRef>
+          <a:effectRef idx="0">
+            <a:scrgbClr r="0" g="0" b="0"/>
+          </a:effectRef>
+          <a:fontRef idx="minor"/>
+        </p:style>
+        <p:txBody>
+          <a:bodyPr lIns="90000" tIns="45000" rIns="90000" bIns="45000" anchor="ctr"/>
+          <a:lstStyle/>
+          <a:p>
+            <a:pPr algn="r">
+              <a:lnSpc>
+                <a:spcPct val="100000"/>
+              </a:lnSpc>
+            </a:pPr>
+            <a:fld id="{2BABB1AB-7B9B-4DEA-8D7B-39A355CEFA19}" type="slidenum">
+              <a:rPr lang="en-US" sz="1200" b="0" strike="noStrike" spc="-1">
+                <a:solidFill>
+                  <a:srgbClr val="8B8B8B"/>
+                </a:solidFill>
+                <a:uFill>
+                  <a:solidFill>
+                    <a:srgbClr val="FFFFFF"/>
+                  </a:solidFill>
+                </a:uFill>
+                <a:latin typeface="Calibri"/>
+                <a:ea typeface="DejaVu Sans"/>
+              </a:rPr>
+              <a:t>27</a:t>
+            </a:fld>
+            <a:endParaRPr lang="en-US" sz="1800" b="0" strike="noStrike" spc="-1">
+              <a:solidFill>
+                <a:srgbClr val="000000"/>
+              </a:solidFill>
+              <a:uFill>
+                <a:solidFill>
+                  <a:srgbClr val="FFFFFF"/>
+                </a:solidFill>
+              </a:uFill>
+              <a:latin typeface="Arial"/>
+            </a:endParaRPr>
+          </a:p>
+        </p:txBody>
+      </p:sp>
+      <p:sp>
+        <p:nvSpPr>
+          <p:cNvPr id="107" name="CustomShape 3"/>
+          <p:cNvSpPr/>
+          <p:nvPr/>
+        </p:nvSpPr>
+        <p:spPr>
+          <a:xfrm>
+            <a:off x="457200" y="1225800"/>
+            <a:ext cx="8228880" cy="3352320"/>
+          </a:xfrm>
+          <a:prstGeom prst="rect">
+            <a:avLst/>
+          </a:prstGeom>
+          <a:noFill/>
+          <a:ln>
+            <a:noFill/>
+          </a:ln>
+        </p:spPr>
+        <p:style>
+          <a:lnRef idx="0">
+            <a:scrgbClr r="0" g="0" b="0"/>
+          </a:lnRef>
+          <a:fillRef idx="0">
+            <a:scrgbClr r="0" g="0" b="0"/>
+          </a:fillRef>
+          <a:effectRef idx="0">
+            <a:scrgbClr r="0" g="0" b="0"/>
+          </a:effectRef>
+          <a:fontRef idx="minor"/>
+        </p:style>
+        <p:txBody>
+          <a:bodyPr lIns="90000" tIns="45000" rIns="90000" bIns="45000"/>
+          <a:lstStyle/>
+          <a:p>
+            <a:pPr>
+              <a:lnSpc>
+                <a:spcPct val="100000"/>
+              </a:lnSpc>
+              <a:buClr>
+                <a:srgbClr val="000000"/>
+              </a:buClr>
+            </a:pPr>
+            <a:r>
+              <a:rPr lang="en-US" sz="2800" spc="-1" dirty="0" smtClean="0">
+                <a:solidFill>
+                  <a:srgbClr val="000000"/>
+                </a:solidFill>
+                <a:uFill>
+                  <a:solidFill>
+                    <a:srgbClr val="FFFFFF"/>
+                  </a:solidFill>
+                </a:uFill>
+                <a:latin typeface="Calibri" panose="020F0502020204030204" pitchFamily="34" charset="0"/>
+                <a:sym typeface="Wingdings" panose="05000000000000000000" pitchFamily="2" charset="2"/>
+              </a:rPr>
+              <a:t>Like is …</a:t>
+            </a:r>
+          </a:p>
+          <a:p>
+            <a:pPr>
+              <a:lnSpc>
+                <a:spcPct val="100000"/>
+              </a:lnSpc>
+              <a:buClr>
+                <a:srgbClr val="000000"/>
+              </a:buClr>
+            </a:pPr>
+            <a:r>
+              <a:rPr lang="en-US" sz="2800" spc="-1" dirty="0">
+                <a:solidFill>
+                  <a:srgbClr val="000000"/>
+                </a:solidFill>
+                <a:uFill>
+                  <a:solidFill>
+                    <a:srgbClr val="FFFFFF"/>
+                  </a:solidFill>
+                </a:uFill>
+                <a:latin typeface="Calibri" panose="020F0502020204030204" pitchFamily="34" charset="0"/>
+                <a:sym typeface="Wingdings" panose="05000000000000000000" pitchFamily="2" charset="2"/>
+              </a:rPr>
+              <a:t>	</a:t>
+            </a:r>
+            <a:r>
+              <a:rPr lang="en-US" sz="2800" spc="-1" dirty="0" smtClean="0">
+                <a:solidFill>
+                  <a:srgbClr val="000000"/>
+                </a:solidFill>
+                <a:uFill>
+                  <a:solidFill>
+                    <a:srgbClr val="FFFFFF"/>
+                  </a:solidFill>
+                </a:uFill>
+                <a:latin typeface="Calibri" panose="020F0502020204030204" pitchFamily="34" charset="0"/>
+                <a:sym typeface="Wingdings" panose="05000000000000000000" pitchFamily="2" charset="2"/>
+              </a:rPr>
+              <a:t>source  target relation</a:t>
+            </a:r>
+          </a:p>
+          <a:p>
+            <a:pPr>
+              <a:lnSpc>
+                <a:spcPct val="100000"/>
+              </a:lnSpc>
+              <a:buClr>
+                <a:srgbClr val="000000"/>
+              </a:buClr>
+            </a:pPr>
+            <a:endParaRPr lang="en-US" sz="2800" spc="-1" dirty="0">
+              <a:solidFill>
+                <a:srgbClr val="000000"/>
+              </a:solidFill>
+              <a:uFill>
+                <a:solidFill>
+                  <a:srgbClr val="FFFFFF"/>
+                </a:solidFill>
+              </a:uFill>
+              <a:latin typeface="Calibri" panose="020F0502020204030204" pitchFamily="34" charset="0"/>
+              <a:sym typeface="Wingdings" panose="05000000000000000000" pitchFamily="2" charset="2"/>
+            </a:endParaRPr>
+          </a:p>
+          <a:p>
+            <a:pPr>
+              <a:lnSpc>
+                <a:spcPct val="100000"/>
+              </a:lnSpc>
+              <a:buClr>
+                <a:srgbClr val="000000"/>
+              </a:buClr>
+            </a:pPr>
+            <a:r>
+              <a:rPr lang="en-US" sz="2800" spc="-1" dirty="0" smtClean="0">
+                <a:solidFill>
+                  <a:srgbClr val="000000"/>
+                </a:solidFill>
+                <a:uFill>
+                  <a:solidFill>
+                    <a:srgbClr val="FFFFFF"/>
+                  </a:solidFill>
+                </a:uFill>
+                <a:latin typeface="Calibri" panose="020F0502020204030204" pitchFamily="34" charset="0"/>
+                <a:sym typeface="Wingdings" panose="05000000000000000000" pitchFamily="2" charset="2"/>
+              </a:rPr>
+              <a:t>Match is …</a:t>
+            </a:r>
+          </a:p>
+          <a:p>
+            <a:pPr>
+              <a:lnSpc>
+                <a:spcPct val="100000"/>
+              </a:lnSpc>
+              <a:buClr>
+                <a:srgbClr val="000000"/>
+              </a:buClr>
+            </a:pPr>
+            <a:r>
+              <a:rPr lang="en-US" sz="2800" spc="-1" dirty="0">
+                <a:solidFill>
+                  <a:srgbClr val="000000"/>
+                </a:solidFill>
+                <a:uFill>
+                  <a:solidFill>
+                    <a:srgbClr val="FFFFFF"/>
+                  </a:solidFill>
+                </a:uFill>
+                <a:latin typeface="Calibri" panose="020F0502020204030204" pitchFamily="34" charset="0"/>
+                <a:sym typeface="Wingdings" panose="05000000000000000000" pitchFamily="2" charset="2"/>
+              </a:rPr>
+              <a:t>		</a:t>
+            </a:r>
+            <a:endParaRPr lang="en-US" sz="2800" spc="-1" dirty="0" smtClean="0">
+              <a:solidFill>
+                <a:srgbClr val="000000"/>
+              </a:solidFill>
+              <a:uFill>
+                <a:solidFill>
+                  <a:srgbClr val="FFFFFF"/>
+                </a:solidFill>
+              </a:uFill>
+              <a:latin typeface="Calibri" panose="020F0502020204030204" pitchFamily="34" charset="0"/>
+              <a:sym typeface="Wingdings" panose="05000000000000000000" pitchFamily="2" charset="2"/>
+            </a:endParaRPr>
+          </a:p>
+          <a:p>
+            <a:pPr>
+              <a:lnSpc>
+                <a:spcPct val="100000"/>
+              </a:lnSpc>
+              <a:buClr>
+                <a:srgbClr val="000000"/>
+              </a:buClr>
+            </a:pPr>
+            <a:endParaRPr lang="en-US" sz="2800" spc="-1" dirty="0">
+              <a:solidFill>
+                <a:srgbClr val="000000"/>
+              </a:solidFill>
+              <a:uFill>
+                <a:solidFill>
+                  <a:srgbClr val="FFFFFF"/>
+                </a:solidFill>
+              </a:uFill>
+              <a:latin typeface="Calibri" panose="020F0502020204030204" pitchFamily="34" charset="0"/>
+              <a:sym typeface="Wingdings" panose="05000000000000000000" pitchFamily="2" charset="2"/>
+            </a:endParaRPr>
+          </a:p>
+          <a:p>
+            <a:pPr>
+              <a:lnSpc>
+                <a:spcPct val="100000"/>
+              </a:lnSpc>
+              <a:buClr>
+                <a:srgbClr val="000000"/>
+              </a:buClr>
+            </a:pPr>
+            <a:endParaRPr lang="en-US" sz="2800" spc="-1" dirty="0" smtClean="0">
+              <a:solidFill>
+                <a:srgbClr val="000000"/>
+              </a:solidFill>
+              <a:uFill>
+                <a:solidFill>
+                  <a:srgbClr val="FFFFFF"/>
+                </a:solidFill>
+              </a:uFill>
+              <a:latin typeface="Calibri" panose="020F0502020204030204" pitchFamily="34" charset="0"/>
+            </a:endParaRPr>
+          </a:p>
+          <a:p>
+            <a:pPr>
+              <a:lnSpc>
+                <a:spcPct val="100000"/>
+              </a:lnSpc>
+              <a:buClr>
+                <a:srgbClr val="000000"/>
+              </a:buClr>
+            </a:pPr>
+            <a:endParaRPr lang="en-US" sz="2800" spc="-1" dirty="0">
+              <a:solidFill>
+                <a:srgbClr val="000000"/>
+              </a:solidFill>
+              <a:uFill>
+                <a:solidFill>
+                  <a:srgbClr val="FFFFFF"/>
+                </a:solidFill>
+              </a:uFill>
+              <a:latin typeface="Calibri" panose="020F0502020204030204" pitchFamily="34" charset="0"/>
+              <a:ea typeface="DejaVu Sans"/>
+            </a:endParaRPr>
+          </a:p>
+          <a:p>
+            <a:pPr>
+              <a:lnSpc>
+                <a:spcPct val="100000"/>
+              </a:lnSpc>
+              <a:buClr>
+                <a:srgbClr val="000000"/>
+              </a:buClr>
+            </a:pPr>
+            <a:r>
+              <a:rPr lang="en-US" sz="2800" b="0" strike="noStrike" spc="-1" dirty="0" smtClean="0">
+                <a:solidFill>
+                  <a:srgbClr val="000000"/>
+                </a:solidFill>
+                <a:uFill>
+                  <a:solidFill>
+                    <a:srgbClr val="FFFFFF"/>
+                  </a:solidFill>
+                </a:uFill>
+                <a:latin typeface="Calibri" panose="020F0502020204030204" pitchFamily="34" charset="0"/>
+                <a:ea typeface="DejaVu Sans"/>
+              </a:rPr>
+              <a:t>  </a:t>
+            </a:r>
+            <a:endParaRPr lang="en-US" sz="2800" b="0" strike="noStrike" spc="-1" dirty="0">
+              <a:solidFill>
+                <a:srgbClr val="000000"/>
+              </a:solidFill>
+              <a:uFill>
+                <a:solidFill>
+                  <a:srgbClr val="FFFFFF"/>
+                </a:solidFill>
+              </a:uFill>
+              <a:latin typeface="Calibri" panose="020F0502020204030204" pitchFamily="34" charset="0"/>
+            </a:endParaRPr>
+          </a:p>
+          <a:p>
+            <a:pPr>
+              <a:lnSpc>
+                <a:spcPct val="100000"/>
+              </a:lnSpc>
+            </a:pPr>
+            <a:endParaRPr lang="en-US" sz="1800" b="0" strike="noStrike" spc="-1" dirty="0">
+              <a:solidFill>
+                <a:srgbClr val="000000"/>
+              </a:solidFill>
+              <a:uFill>
+                <a:solidFill>
+                  <a:srgbClr val="FFFFFF"/>
+                </a:solidFill>
+              </a:uFill>
+              <a:latin typeface="Arial"/>
+            </a:endParaRPr>
+          </a:p>
+          <a:p>
+            <a:pPr>
+              <a:lnSpc>
+                <a:spcPct val="100000"/>
+              </a:lnSpc>
+            </a:pPr>
+            <a:endParaRPr lang="en-US" sz="1800" b="0" strike="noStrike" spc="-1" dirty="0">
+              <a:solidFill>
+                <a:srgbClr val="000000"/>
+              </a:solidFill>
+              <a:uFill>
+                <a:solidFill>
+                  <a:srgbClr val="FFFFFF"/>
+                </a:solidFill>
+              </a:uFill>
+              <a:latin typeface="Arial"/>
+            </a:endParaRPr>
+          </a:p>
+        </p:txBody>
+      </p:sp>
+    </p:spTree>
+    <p:extLst>
+      <p:ext uri="{BB962C8B-B14F-4D97-AF65-F5344CB8AC3E}">
+        <p14:creationId xmlns:p14="http://schemas.microsoft.com/office/powerpoint/2010/main" val="1577386819"/>
+      </p:ext>
+    </p:extLst>
+  </p:cSld>
+  <p:clrMapOvr>
+    <a:masterClrMapping/>
+  </p:clrMapOvr>
+  <p:timing>
+    <p:tnLst>
+      <p:par>
+        <p:cTn id="1" dur="indefinite" restart="never" nodeType="tmRoot">
+          <p:childTnLst>
+            <p:seq>
+              <p:cTn id="2" nodeType="mainSeq"/>
+              <p:prevCondLst>
+                <p:cond evt="onPrev" delay="0">
+                  <p:tgtEl>
+                    <p:sldTgt/>
+                  </p:tgtEl>
+                </p:cond>
+              </p:prevCondLst>
+              <p:nextCondLst>
+                <p:cond evt="onNext" delay="0">
+                  <p:tgtEl>
+                    <p:sldTgt/>
+                  </p:tgtEl>
+                </p:cond>
+              </p:nextCondLst>
+            </p:seq>
+          </p:childTnLst>
+        </p:cTn>
+      </p:par>
+    </p:tnLst>
+  </p:timing>
+</p:sld>
+</file>
+
+<file path=ppt/slides/slide28.xml><?xml version="1.0" encoding="utf-8"?>
+<p:sld xmlns:a="http://schemas.openxmlformats.org/drawingml/2006/main" xmlns:r="http://schemas.openxmlformats.org/officeDocument/2006/relationships" xmlns:p="http://schemas.openxmlformats.org/presentationml/2006/main">
+  <p:cSld>
+    <p:spTree>
+      <p:nvGrpSpPr>
+        <p:cNvPr id="1" name=""/>
+        <p:cNvGrpSpPr/>
+        <p:nvPr/>
+      </p:nvGrpSpPr>
+      <p:grpSpPr>
+        <a:xfrm>
+          <a:off x="0" y="0"/>
+          <a:ext cx="0" cy="0"/>
+          <a:chOff x="0" y="0"/>
+          <a:chExt cx="0" cy="0"/>
+        </a:xfrm>
+      </p:grpSpPr>
+      <p:sp>
+        <p:nvSpPr>
+          <p:cNvPr id="105" name="CustomShape 1"/>
+          <p:cNvSpPr/>
+          <p:nvPr/>
+        </p:nvSpPr>
+        <p:spPr>
+          <a:xfrm>
+            <a:off x="457200" y="205920"/>
+            <a:ext cx="8228880" cy="608400"/>
+          </a:xfrm>
+          <a:prstGeom prst="rect">
+            <a:avLst/>
+          </a:prstGeom>
+          <a:noFill/>
+          <a:ln>
+            <a:noFill/>
+          </a:ln>
+        </p:spPr>
+        <p:style>
+          <a:lnRef idx="0">
+            <a:scrgbClr r="0" g="0" b="0"/>
+          </a:lnRef>
+          <a:fillRef idx="0">
+            <a:scrgbClr r="0" g="0" b="0"/>
+          </a:fillRef>
+          <a:effectRef idx="0">
+            <a:scrgbClr r="0" g="0" b="0"/>
+          </a:effectRef>
+          <a:fontRef idx="minor"/>
+        </p:style>
+        <p:txBody>
+          <a:bodyPr lIns="90000" tIns="45000" rIns="90000" bIns="45000" anchor="ctr"/>
+          <a:lstStyle/>
+          <a:p>
+            <a:pPr>
+              <a:lnSpc>
+                <a:spcPct val="100000"/>
+              </a:lnSpc>
+            </a:pPr>
+            <a:r>
+              <a:rPr lang="en-US" sz="3600" spc="-1" dirty="0" smtClean="0">
+                <a:solidFill>
+                  <a:srgbClr val="403152"/>
+                </a:solidFill>
+                <a:uFill>
+                  <a:solidFill>
+                    <a:srgbClr val="FFFFFF"/>
+                  </a:solidFill>
+                </a:uFill>
+                <a:latin typeface="Calibri"/>
+                <a:ea typeface="DejaVu Sans"/>
+              </a:rPr>
+              <a:t>Match maker</a:t>
+            </a:r>
+            <a:endParaRPr lang="en-US" sz="1800" b="0" strike="noStrike" spc="-1" dirty="0">
+              <a:solidFill>
+                <a:srgbClr val="000000"/>
+              </a:solidFill>
+              <a:uFill>
+                <a:solidFill>
+                  <a:srgbClr val="FFFFFF"/>
+                </a:solidFill>
+              </a:uFill>
+              <a:latin typeface="Arial"/>
+            </a:endParaRPr>
+          </a:p>
+        </p:txBody>
+      </p:sp>
+      <p:sp>
+        <p:nvSpPr>
+          <p:cNvPr id="106" name="CustomShape 2"/>
+          <p:cNvSpPr/>
+          <p:nvPr/>
+        </p:nvSpPr>
+        <p:spPr>
+          <a:xfrm>
+            <a:off x="6553080" y="4767120"/>
+            <a:ext cx="2133000" cy="273240"/>
+          </a:xfrm>
+          <a:prstGeom prst="rect">
+            <a:avLst/>
+          </a:prstGeom>
+          <a:noFill/>
+          <a:ln>
+            <a:noFill/>
+          </a:ln>
+        </p:spPr>
+        <p:style>
+          <a:lnRef idx="0">
+            <a:scrgbClr r="0" g="0" b="0"/>
+          </a:lnRef>
+          <a:fillRef idx="0">
+            <a:scrgbClr r="0" g="0" b="0"/>
+          </a:fillRef>
+          <a:effectRef idx="0">
+            <a:scrgbClr r="0" g="0" b="0"/>
+          </a:effectRef>
+          <a:fontRef idx="minor"/>
+        </p:style>
+        <p:txBody>
+          <a:bodyPr lIns="90000" tIns="45000" rIns="90000" bIns="45000" anchor="ctr"/>
+          <a:lstStyle/>
+          <a:p>
+            <a:pPr algn="r">
+              <a:lnSpc>
+                <a:spcPct val="100000"/>
+              </a:lnSpc>
+            </a:pPr>
+            <a:fld id="{2BABB1AB-7B9B-4DEA-8D7B-39A355CEFA19}" type="slidenum">
+              <a:rPr lang="en-US" sz="1200" b="0" strike="noStrike" spc="-1">
+                <a:solidFill>
+                  <a:srgbClr val="8B8B8B"/>
+                </a:solidFill>
+                <a:uFill>
+                  <a:solidFill>
+                    <a:srgbClr val="FFFFFF"/>
+                  </a:solidFill>
+                </a:uFill>
+                <a:latin typeface="Calibri"/>
+                <a:ea typeface="DejaVu Sans"/>
+              </a:rPr>
+              <a:t>28</a:t>
+            </a:fld>
+            <a:endParaRPr lang="en-US" sz="1800" b="0" strike="noStrike" spc="-1">
+              <a:solidFill>
+                <a:srgbClr val="000000"/>
+              </a:solidFill>
+              <a:uFill>
+                <a:solidFill>
+                  <a:srgbClr val="FFFFFF"/>
+                </a:solidFill>
+              </a:uFill>
+              <a:latin typeface="Arial"/>
+            </a:endParaRPr>
+          </a:p>
+        </p:txBody>
+      </p:sp>
+      <p:sp>
+        <p:nvSpPr>
+          <p:cNvPr id="107" name="CustomShape 3"/>
+          <p:cNvSpPr/>
+          <p:nvPr/>
+        </p:nvSpPr>
+        <p:spPr>
+          <a:xfrm>
+            <a:off x="457200" y="1225800"/>
+            <a:ext cx="8228880" cy="3352320"/>
+          </a:xfrm>
+          <a:prstGeom prst="rect">
+            <a:avLst/>
+          </a:prstGeom>
+          <a:noFill/>
+          <a:ln>
+            <a:noFill/>
+          </a:ln>
+        </p:spPr>
+        <p:style>
+          <a:lnRef idx="0">
+            <a:scrgbClr r="0" g="0" b="0"/>
+          </a:lnRef>
+          <a:fillRef idx="0">
+            <a:scrgbClr r="0" g="0" b="0"/>
+          </a:fillRef>
+          <a:effectRef idx="0">
+            <a:scrgbClr r="0" g="0" b="0"/>
+          </a:effectRef>
+          <a:fontRef idx="minor"/>
+        </p:style>
+        <p:txBody>
+          <a:bodyPr lIns="90000" tIns="45000" rIns="90000" bIns="45000"/>
+          <a:lstStyle/>
+          <a:p>
+            <a:pPr>
+              <a:lnSpc>
+                <a:spcPct val="100000"/>
+              </a:lnSpc>
+              <a:buClr>
+                <a:srgbClr val="000000"/>
+              </a:buClr>
+            </a:pPr>
+            <a:r>
+              <a:rPr lang="en-US" sz="2800" spc="-1" dirty="0" smtClean="0">
+                <a:solidFill>
+                  <a:srgbClr val="000000"/>
+                </a:solidFill>
+                <a:uFill>
+                  <a:solidFill>
+                    <a:srgbClr val="FFFFFF"/>
+                  </a:solidFill>
+                </a:uFill>
+                <a:latin typeface="Calibri" panose="020F0502020204030204" pitchFamily="34" charset="0"/>
+                <a:sym typeface="Wingdings" panose="05000000000000000000" pitchFamily="2" charset="2"/>
+              </a:rPr>
+              <a:t>Like is …</a:t>
+            </a:r>
+          </a:p>
+          <a:p>
+            <a:pPr>
+              <a:lnSpc>
+                <a:spcPct val="100000"/>
+              </a:lnSpc>
+              <a:buClr>
+                <a:srgbClr val="000000"/>
+              </a:buClr>
+            </a:pPr>
+            <a:r>
+              <a:rPr lang="en-US" sz="2800" spc="-1" dirty="0">
+                <a:solidFill>
+                  <a:srgbClr val="000000"/>
+                </a:solidFill>
+                <a:uFill>
+                  <a:solidFill>
+                    <a:srgbClr val="FFFFFF"/>
+                  </a:solidFill>
+                </a:uFill>
+                <a:latin typeface="Calibri" panose="020F0502020204030204" pitchFamily="34" charset="0"/>
+                <a:sym typeface="Wingdings" panose="05000000000000000000" pitchFamily="2" charset="2"/>
+              </a:rPr>
+              <a:t>	</a:t>
+            </a:r>
+            <a:r>
+              <a:rPr lang="en-US" sz="2800" spc="-1" dirty="0" smtClean="0">
+                <a:solidFill>
+                  <a:srgbClr val="000000"/>
+                </a:solidFill>
+                <a:uFill>
+                  <a:solidFill>
+                    <a:srgbClr val="FFFFFF"/>
+                  </a:solidFill>
+                </a:uFill>
+                <a:latin typeface="Calibri" panose="020F0502020204030204" pitchFamily="34" charset="0"/>
+                <a:sym typeface="Wingdings" panose="05000000000000000000" pitchFamily="2" charset="2"/>
+              </a:rPr>
+              <a:t>source  target relation</a:t>
+            </a:r>
+          </a:p>
+          <a:p>
+            <a:pPr>
+              <a:lnSpc>
+                <a:spcPct val="100000"/>
+              </a:lnSpc>
+              <a:buClr>
+                <a:srgbClr val="000000"/>
+              </a:buClr>
+            </a:pPr>
+            <a:endParaRPr lang="en-US" sz="2800" spc="-1" dirty="0">
+              <a:solidFill>
+                <a:srgbClr val="000000"/>
+              </a:solidFill>
+              <a:uFill>
+                <a:solidFill>
+                  <a:srgbClr val="FFFFFF"/>
+                </a:solidFill>
+              </a:uFill>
+              <a:latin typeface="Calibri" panose="020F0502020204030204" pitchFamily="34" charset="0"/>
+              <a:sym typeface="Wingdings" panose="05000000000000000000" pitchFamily="2" charset="2"/>
+            </a:endParaRPr>
+          </a:p>
+          <a:p>
+            <a:pPr>
+              <a:lnSpc>
+                <a:spcPct val="100000"/>
+              </a:lnSpc>
+              <a:buClr>
+                <a:srgbClr val="000000"/>
+              </a:buClr>
+            </a:pPr>
+            <a:r>
+              <a:rPr lang="en-US" sz="2800" spc="-1" dirty="0" smtClean="0">
+                <a:solidFill>
+                  <a:srgbClr val="000000"/>
+                </a:solidFill>
+                <a:uFill>
+                  <a:solidFill>
+                    <a:srgbClr val="FFFFFF"/>
+                  </a:solidFill>
+                </a:uFill>
+                <a:latin typeface="Calibri" panose="020F0502020204030204" pitchFamily="34" charset="0"/>
+                <a:sym typeface="Wingdings" panose="05000000000000000000" pitchFamily="2" charset="2"/>
+              </a:rPr>
+              <a:t>Match is …</a:t>
+            </a:r>
+          </a:p>
+          <a:p>
+            <a:pPr>
+              <a:buClr>
+                <a:srgbClr val="000000"/>
+              </a:buClr>
+            </a:pPr>
+            <a:r>
+              <a:rPr lang="en-US" sz="2800" spc="-1" dirty="0">
+                <a:solidFill>
+                  <a:srgbClr val="000000"/>
+                </a:solidFill>
+                <a:uFill>
+                  <a:solidFill>
+                    <a:srgbClr val="FFFFFF"/>
+                  </a:solidFill>
+                </a:uFill>
+                <a:latin typeface="Calibri" panose="020F0502020204030204" pitchFamily="34" charset="0"/>
+                <a:sym typeface="Wingdings" panose="05000000000000000000" pitchFamily="2" charset="2"/>
+              </a:rPr>
+              <a:t>	a like b &amp; b like a</a:t>
+            </a:r>
+          </a:p>
+          <a:p>
+            <a:pPr>
+              <a:lnSpc>
+                <a:spcPct val="100000"/>
+              </a:lnSpc>
+              <a:buClr>
+                <a:srgbClr val="000000"/>
+              </a:buClr>
+            </a:pPr>
+            <a:r>
+              <a:rPr lang="en-US" sz="2800" spc="-1" dirty="0">
+                <a:solidFill>
+                  <a:srgbClr val="000000"/>
+                </a:solidFill>
+                <a:uFill>
+                  <a:solidFill>
+                    <a:srgbClr val="FFFFFF"/>
+                  </a:solidFill>
+                </a:uFill>
+                <a:latin typeface="Calibri" panose="020F0502020204030204" pitchFamily="34" charset="0"/>
+                <a:sym typeface="Wingdings" panose="05000000000000000000" pitchFamily="2" charset="2"/>
+              </a:rPr>
+              <a:t>	</a:t>
+            </a:r>
+            <a:endParaRPr lang="en-US" sz="2800" spc="-1" dirty="0" smtClean="0">
+              <a:solidFill>
+                <a:srgbClr val="000000"/>
+              </a:solidFill>
+              <a:uFill>
+                <a:solidFill>
+                  <a:srgbClr val="FFFFFF"/>
+                </a:solidFill>
+              </a:uFill>
+              <a:latin typeface="Calibri" panose="020F0502020204030204" pitchFamily="34" charset="0"/>
+              <a:sym typeface="Wingdings" panose="05000000000000000000" pitchFamily="2" charset="2"/>
+            </a:endParaRPr>
+          </a:p>
+          <a:p>
+            <a:pPr>
+              <a:lnSpc>
+                <a:spcPct val="100000"/>
+              </a:lnSpc>
+              <a:buClr>
+                <a:srgbClr val="000000"/>
+              </a:buClr>
+            </a:pPr>
+            <a:endParaRPr lang="en-US" sz="2800" spc="-1" dirty="0">
+              <a:solidFill>
+                <a:srgbClr val="000000"/>
+              </a:solidFill>
+              <a:uFill>
+                <a:solidFill>
+                  <a:srgbClr val="FFFFFF"/>
+                </a:solidFill>
+              </a:uFill>
+              <a:latin typeface="Calibri" panose="020F0502020204030204" pitchFamily="34" charset="0"/>
+              <a:sym typeface="Wingdings" panose="05000000000000000000" pitchFamily="2" charset="2"/>
+            </a:endParaRPr>
+          </a:p>
+          <a:p>
+            <a:pPr>
+              <a:lnSpc>
+                <a:spcPct val="100000"/>
+              </a:lnSpc>
+              <a:buClr>
+                <a:srgbClr val="000000"/>
+              </a:buClr>
+            </a:pPr>
+            <a:endParaRPr lang="en-US" sz="2800" spc="-1" dirty="0" smtClean="0">
+              <a:solidFill>
+                <a:srgbClr val="000000"/>
+              </a:solidFill>
+              <a:uFill>
+                <a:solidFill>
+                  <a:srgbClr val="FFFFFF"/>
+                </a:solidFill>
+              </a:uFill>
+              <a:latin typeface="Calibri" panose="020F0502020204030204" pitchFamily="34" charset="0"/>
+            </a:endParaRPr>
+          </a:p>
+          <a:p>
+            <a:pPr>
+              <a:lnSpc>
+                <a:spcPct val="100000"/>
+              </a:lnSpc>
+              <a:buClr>
+                <a:srgbClr val="000000"/>
+              </a:buClr>
+            </a:pPr>
+            <a:endParaRPr lang="en-US" sz="2800" spc="-1" dirty="0">
+              <a:solidFill>
+                <a:srgbClr val="000000"/>
+              </a:solidFill>
+              <a:uFill>
+                <a:solidFill>
+                  <a:srgbClr val="FFFFFF"/>
+                </a:solidFill>
+              </a:uFill>
+              <a:latin typeface="Calibri" panose="020F0502020204030204" pitchFamily="34" charset="0"/>
+              <a:ea typeface="DejaVu Sans"/>
+            </a:endParaRPr>
+          </a:p>
+          <a:p>
+            <a:pPr>
+              <a:lnSpc>
+                <a:spcPct val="100000"/>
+              </a:lnSpc>
+              <a:buClr>
+                <a:srgbClr val="000000"/>
+              </a:buClr>
+            </a:pPr>
+            <a:r>
+              <a:rPr lang="en-US" sz="2800" b="0" strike="noStrike" spc="-1" dirty="0" smtClean="0">
+                <a:solidFill>
+                  <a:srgbClr val="000000"/>
+                </a:solidFill>
+                <a:uFill>
+                  <a:solidFill>
+                    <a:srgbClr val="FFFFFF"/>
+                  </a:solidFill>
+                </a:uFill>
+                <a:latin typeface="Calibri" panose="020F0502020204030204" pitchFamily="34" charset="0"/>
+                <a:ea typeface="DejaVu Sans"/>
+              </a:rPr>
+              <a:t>  </a:t>
+            </a:r>
+            <a:endParaRPr lang="en-US" sz="2800" b="0" strike="noStrike" spc="-1" dirty="0">
+              <a:solidFill>
+                <a:srgbClr val="000000"/>
+              </a:solidFill>
+              <a:uFill>
+                <a:solidFill>
+                  <a:srgbClr val="FFFFFF"/>
+                </a:solidFill>
+              </a:uFill>
+              <a:latin typeface="Calibri" panose="020F0502020204030204" pitchFamily="34" charset="0"/>
+            </a:endParaRPr>
+          </a:p>
+          <a:p>
+            <a:pPr>
+              <a:lnSpc>
+                <a:spcPct val="100000"/>
+              </a:lnSpc>
+            </a:pPr>
+            <a:endParaRPr lang="en-US" sz="1800" b="0" strike="noStrike" spc="-1" dirty="0">
+              <a:solidFill>
+                <a:srgbClr val="000000"/>
+              </a:solidFill>
+              <a:uFill>
+                <a:solidFill>
+                  <a:srgbClr val="FFFFFF"/>
+                </a:solidFill>
+              </a:uFill>
+              <a:latin typeface="Arial"/>
+            </a:endParaRPr>
+          </a:p>
+          <a:p>
+            <a:pPr>
+              <a:lnSpc>
+                <a:spcPct val="100000"/>
+              </a:lnSpc>
+            </a:pPr>
+            <a:endParaRPr lang="en-US" sz="1800" b="0" strike="noStrike" spc="-1" dirty="0">
+              <a:solidFill>
+                <a:srgbClr val="000000"/>
+              </a:solidFill>
+              <a:uFill>
+                <a:solidFill>
+                  <a:srgbClr val="FFFFFF"/>
+                </a:solidFill>
+              </a:uFill>
+              <a:latin typeface="Arial"/>
+            </a:endParaRPr>
+          </a:p>
+        </p:txBody>
+      </p:sp>
+    </p:spTree>
+    <p:extLst>
+      <p:ext uri="{BB962C8B-B14F-4D97-AF65-F5344CB8AC3E}">
+        <p14:creationId xmlns:p14="http://schemas.microsoft.com/office/powerpoint/2010/main" val="2479507294"/>
+      </p:ext>
+    </p:extLst>
+  </p:cSld>
+  <p:clrMapOvr>
+    <a:masterClrMapping/>
+  </p:clrMapOvr>
+  <p:timing>
+    <p:tnLst>
+      <p:par>
+        <p:cTn id="1" dur="indefinite" restart="never" nodeType="tmRoot">
+          <p:childTnLst>
+            <p:seq>
+              <p:cTn id="2" nodeType="mainSeq"/>
+              <p:prevCondLst>
+                <p:cond evt="onPrev" delay="0">
+                  <p:tgtEl>
+                    <p:sldTgt/>
+                  </p:tgtEl>
+                </p:cond>
+              </p:prevCondLst>
+              <p:nextCondLst>
+                <p:cond evt="onNext" delay="0">
+                  <p:tgtEl>
+                    <p:sldTgt/>
+                  </p:tgtEl>
+                </p:cond>
+              </p:nextCondLst>
+            </p:seq>
+          </p:childTnLst>
+        </p:cTn>
+      </p:par>
+    </p:tnLst>
+  </p:timing>
+</p:sld>
+</file>
+
+<file path=ppt/slides/slide29.xml><?xml version="1.0" encoding="utf-8"?>
+<p:sld xmlns:a="http://schemas.openxmlformats.org/drawingml/2006/main" xmlns:r="http://schemas.openxmlformats.org/officeDocument/2006/relationships" xmlns:p="http://schemas.openxmlformats.org/presentationml/2006/main">
+  <p:cSld>
+    <p:spTree>
+      <p:nvGrpSpPr>
+        <p:cNvPr id="1" name=""/>
+        <p:cNvGrpSpPr/>
+        <p:nvPr/>
+      </p:nvGrpSpPr>
+      <p:grpSpPr>
+        <a:xfrm>
+          <a:off x="0" y="0"/>
+          <a:ext cx="0" cy="0"/>
+          <a:chOff x="0" y="0"/>
+          <a:chExt cx="0" cy="0"/>
+        </a:xfrm>
+      </p:grpSpPr>
+      <p:sp>
+        <p:nvSpPr>
+          <p:cNvPr id="105" name="CustomShape 1"/>
+          <p:cNvSpPr/>
+          <p:nvPr/>
+        </p:nvSpPr>
+        <p:spPr>
+          <a:xfrm>
+            <a:off x="457200" y="205920"/>
+            <a:ext cx="8228880" cy="608400"/>
+          </a:xfrm>
+          <a:prstGeom prst="rect">
+            <a:avLst/>
+          </a:prstGeom>
+          <a:noFill/>
+          <a:ln>
+            <a:noFill/>
+          </a:ln>
+        </p:spPr>
+        <p:style>
+          <a:lnRef idx="0">
+            <a:scrgbClr r="0" g="0" b="0"/>
+          </a:lnRef>
+          <a:fillRef idx="0">
+            <a:scrgbClr r="0" g="0" b="0"/>
+          </a:fillRef>
+          <a:effectRef idx="0">
+            <a:scrgbClr r="0" g="0" b="0"/>
+          </a:effectRef>
+          <a:fontRef idx="minor"/>
+        </p:style>
+        <p:txBody>
+          <a:bodyPr lIns="90000" tIns="45000" rIns="90000" bIns="45000" anchor="ctr"/>
+          <a:lstStyle/>
+          <a:p>
+            <a:pPr>
+              <a:lnSpc>
+                <a:spcPct val="100000"/>
+              </a:lnSpc>
+            </a:pPr>
+            <a:r>
+              <a:rPr lang="en-US" sz="3600" spc="-1" dirty="0" smtClean="0">
+                <a:solidFill>
+                  <a:srgbClr val="403152"/>
+                </a:solidFill>
+                <a:uFill>
+                  <a:solidFill>
+                    <a:srgbClr val="FFFFFF"/>
+                  </a:solidFill>
+                </a:uFill>
+                <a:latin typeface="Calibri"/>
+                <a:ea typeface="DejaVu Sans"/>
+              </a:rPr>
+              <a:t>Persons table</a:t>
+            </a:r>
+            <a:endParaRPr lang="en-US" sz="1800" b="0" strike="noStrike" spc="-1" dirty="0">
+              <a:solidFill>
+                <a:srgbClr val="000000"/>
+              </a:solidFill>
+              <a:uFill>
+                <a:solidFill>
+                  <a:srgbClr val="FFFFFF"/>
+                </a:solidFill>
+              </a:uFill>
+              <a:latin typeface="Arial"/>
+            </a:endParaRPr>
+          </a:p>
+        </p:txBody>
+      </p:sp>
+      <p:sp>
+        <p:nvSpPr>
+          <p:cNvPr id="106" name="CustomShape 2"/>
+          <p:cNvSpPr/>
+          <p:nvPr/>
+        </p:nvSpPr>
+        <p:spPr>
+          <a:xfrm>
+            <a:off x="6553080" y="4767120"/>
+            <a:ext cx="2133000" cy="273240"/>
+          </a:xfrm>
+          <a:prstGeom prst="rect">
+            <a:avLst/>
+          </a:prstGeom>
+          <a:noFill/>
+          <a:ln>
+            <a:noFill/>
+          </a:ln>
+        </p:spPr>
+        <p:style>
+          <a:lnRef idx="0">
+            <a:scrgbClr r="0" g="0" b="0"/>
+          </a:lnRef>
+          <a:fillRef idx="0">
+            <a:scrgbClr r="0" g="0" b="0"/>
+          </a:fillRef>
+          <a:effectRef idx="0">
+            <a:scrgbClr r="0" g="0" b="0"/>
+          </a:effectRef>
+          <a:fontRef idx="minor"/>
+        </p:style>
+        <p:txBody>
+          <a:bodyPr lIns="90000" tIns="45000" rIns="90000" bIns="45000" anchor="ctr"/>
+          <a:lstStyle/>
+          <a:p>
+            <a:pPr algn="r">
+              <a:lnSpc>
+                <a:spcPct val="100000"/>
+              </a:lnSpc>
+            </a:pPr>
+            <a:fld id="{2BABB1AB-7B9B-4DEA-8D7B-39A355CEFA19}" type="slidenum">
+              <a:rPr lang="en-US" sz="1200" b="0" strike="noStrike" spc="-1">
+                <a:solidFill>
+                  <a:srgbClr val="8B8B8B"/>
+                </a:solidFill>
+                <a:uFill>
+                  <a:solidFill>
+                    <a:srgbClr val="FFFFFF"/>
+                  </a:solidFill>
+                </a:uFill>
+                <a:latin typeface="Calibri"/>
+                <a:ea typeface="DejaVu Sans"/>
+              </a:rPr>
+              <a:t>29</a:t>
+            </a:fld>
+            <a:endParaRPr lang="en-US" sz="1800" b="0" strike="noStrike" spc="-1">
+              <a:solidFill>
+                <a:srgbClr val="000000"/>
+              </a:solidFill>
+              <a:uFill>
+                <a:solidFill>
+                  <a:srgbClr val="FFFFFF"/>
+                </a:solidFill>
+              </a:uFill>
+              <a:latin typeface="Arial"/>
+            </a:endParaRPr>
+          </a:p>
+        </p:txBody>
+      </p:sp>
+      <p:sp>
+        <p:nvSpPr>
+          <p:cNvPr id="107" name="CustomShape 3"/>
+          <p:cNvSpPr/>
+          <p:nvPr/>
+        </p:nvSpPr>
+        <p:spPr>
+          <a:xfrm>
+            <a:off x="457200" y="1225800"/>
+            <a:ext cx="8228880" cy="3352320"/>
+          </a:xfrm>
+          <a:prstGeom prst="rect">
+            <a:avLst/>
+          </a:prstGeom>
+          <a:noFill/>
+          <a:ln>
+            <a:noFill/>
+          </a:ln>
+        </p:spPr>
+        <p:style>
+          <a:lnRef idx="0">
+            <a:scrgbClr r="0" g="0" b="0"/>
+          </a:lnRef>
+          <a:fillRef idx="0">
+            <a:scrgbClr r="0" g="0" b="0"/>
+          </a:fillRef>
+          <a:effectRef idx="0">
+            <a:scrgbClr r="0" g="0" b="0"/>
+          </a:effectRef>
+          <a:fontRef idx="minor"/>
+        </p:style>
+        <p:txBody>
+          <a:bodyPr lIns="90000" tIns="45000" rIns="90000" bIns="45000"/>
+          <a:lstStyle/>
+          <a:p>
+            <a:pPr>
+              <a:lnSpc>
+                <a:spcPct val="100000"/>
+              </a:lnSpc>
+              <a:buClr>
+                <a:srgbClr val="000000"/>
+              </a:buClr>
+            </a:pPr>
+            <a:r>
+              <a:rPr lang="en-US" sz="2800" spc="-1" dirty="0">
+                <a:solidFill>
+                  <a:srgbClr val="000000"/>
+                </a:solidFill>
+                <a:uFill>
+                  <a:solidFill>
+                    <a:srgbClr val="FFFFFF"/>
+                  </a:solidFill>
+                </a:uFill>
+                <a:latin typeface="Calibri" panose="020F0502020204030204" pitchFamily="34" charset="0"/>
+                <a:sym typeface="Wingdings" panose="05000000000000000000" pitchFamily="2" charset="2"/>
+              </a:rPr>
+              <a:t>	</a:t>
+            </a:r>
+            <a:endParaRPr lang="en-US" sz="2800" spc="-1" dirty="0" smtClean="0">
+              <a:solidFill>
+                <a:srgbClr val="000000"/>
+              </a:solidFill>
+              <a:uFill>
+                <a:solidFill>
+                  <a:srgbClr val="FFFFFF"/>
+                </a:solidFill>
+              </a:uFill>
+              <a:latin typeface="Calibri" panose="020F0502020204030204" pitchFamily="34" charset="0"/>
+              <a:sym typeface="Wingdings" panose="05000000000000000000" pitchFamily="2" charset="2"/>
+            </a:endParaRPr>
+          </a:p>
+          <a:p>
+            <a:pPr>
+              <a:lnSpc>
+                <a:spcPct val="100000"/>
+              </a:lnSpc>
+              <a:buClr>
+                <a:srgbClr val="000000"/>
+              </a:buClr>
+            </a:pPr>
+            <a:endParaRPr lang="en-US" sz="2800" spc="-1" dirty="0">
+              <a:solidFill>
+                <a:srgbClr val="000000"/>
+              </a:solidFill>
+              <a:uFill>
+                <a:solidFill>
+                  <a:srgbClr val="FFFFFF"/>
+                </a:solidFill>
+              </a:uFill>
+              <a:latin typeface="Calibri" panose="020F0502020204030204" pitchFamily="34" charset="0"/>
+              <a:sym typeface="Wingdings" panose="05000000000000000000" pitchFamily="2" charset="2"/>
+            </a:endParaRPr>
+          </a:p>
+          <a:p>
+            <a:pPr>
+              <a:lnSpc>
+                <a:spcPct val="100000"/>
+              </a:lnSpc>
+              <a:buClr>
+                <a:srgbClr val="000000"/>
+              </a:buClr>
+            </a:pPr>
+            <a:endParaRPr lang="en-US" sz="2800" spc="-1" dirty="0" smtClean="0">
+              <a:solidFill>
+                <a:srgbClr val="000000"/>
+              </a:solidFill>
+              <a:uFill>
+                <a:solidFill>
+                  <a:srgbClr val="FFFFFF"/>
+                </a:solidFill>
+              </a:uFill>
+              <a:latin typeface="Calibri" panose="020F0502020204030204" pitchFamily="34" charset="0"/>
+            </a:endParaRPr>
+          </a:p>
+          <a:p>
+            <a:pPr>
+              <a:lnSpc>
+                <a:spcPct val="100000"/>
+              </a:lnSpc>
+              <a:buClr>
+                <a:srgbClr val="000000"/>
+              </a:buClr>
+            </a:pPr>
+            <a:endParaRPr lang="en-US" sz="2800" spc="-1" dirty="0">
+              <a:solidFill>
+                <a:srgbClr val="000000"/>
+              </a:solidFill>
+              <a:uFill>
+                <a:solidFill>
+                  <a:srgbClr val="FFFFFF"/>
+                </a:solidFill>
+              </a:uFill>
+              <a:latin typeface="Calibri" panose="020F0502020204030204" pitchFamily="34" charset="0"/>
+              <a:ea typeface="DejaVu Sans"/>
+            </a:endParaRPr>
+          </a:p>
+          <a:p>
+            <a:pPr>
+              <a:lnSpc>
+                <a:spcPct val="100000"/>
+              </a:lnSpc>
+              <a:buClr>
+                <a:srgbClr val="000000"/>
+              </a:buClr>
+            </a:pPr>
+            <a:r>
+              <a:rPr lang="en-US" sz="2800" b="0" strike="noStrike" spc="-1" dirty="0" smtClean="0">
+                <a:solidFill>
+                  <a:srgbClr val="000000"/>
+                </a:solidFill>
+                <a:uFill>
+                  <a:solidFill>
+                    <a:srgbClr val="FFFFFF"/>
+                  </a:solidFill>
+                </a:uFill>
+                <a:latin typeface="Calibri" panose="020F0502020204030204" pitchFamily="34" charset="0"/>
+                <a:ea typeface="DejaVu Sans"/>
+              </a:rPr>
+              <a:t>  </a:t>
+            </a:r>
+            <a:endParaRPr lang="en-US" sz="2800" b="0" strike="noStrike" spc="-1" dirty="0">
+              <a:solidFill>
+                <a:srgbClr val="000000"/>
+              </a:solidFill>
+              <a:uFill>
+                <a:solidFill>
+                  <a:srgbClr val="FFFFFF"/>
+                </a:solidFill>
+              </a:uFill>
+              <a:latin typeface="Calibri" panose="020F0502020204030204" pitchFamily="34" charset="0"/>
+            </a:endParaRPr>
+          </a:p>
+          <a:p>
+            <a:pPr>
+              <a:lnSpc>
+                <a:spcPct val="100000"/>
+              </a:lnSpc>
+            </a:pPr>
+            <a:endParaRPr lang="en-US" sz="1800" b="0" strike="noStrike" spc="-1" dirty="0">
+              <a:solidFill>
+                <a:srgbClr val="000000"/>
+              </a:solidFill>
+              <a:uFill>
+                <a:solidFill>
+                  <a:srgbClr val="FFFFFF"/>
+                </a:solidFill>
+              </a:uFill>
+              <a:latin typeface="Arial"/>
+            </a:endParaRPr>
+          </a:p>
+          <a:p>
+            <a:pPr>
+              <a:lnSpc>
+                <a:spcPct val="100000"/>
+              </a:lnSpc>
+            </a:pPr>
+            <a:endParaRPr lang="en-US" sz="1800" b="0" strike="noStrike" spc="-1" dirty="0">
+              <a:solidFill>
+                <a:srgbClr val="000000"/>
+              </a:solidFill>
+              <a:uFill>
+                <a:solidFill>
+                  <a:srgbClr val="FFFFFF"/>
+                </a:solidFill>
+              </a:uFill>
+              <a:latin typeface="Arial"/>
+            </a:endParaRPr>
+          </a:p>
+        </p:txBody>
+      </p:sp>
+      <p:pic>
+        <p:nvPicPr>
+          <p:cNvPr id="2" name="Рисунок 1"/>
+          <p:cNvPicPr>
+            <a:picLocks noChangeAspect="1"/>
+          </p:cNvPicPr>
+          <p:nvPr/>
+        </p:nvPicPr>
+        <p:blipFill>
+          <a:blip r:embed="rId2"/>
+          <a:stretch>
+            <a:fillRect/>
+          </a:stretch>
+        </p:blipFill>
+        <p:spPr>
+          <a:xfrm>
+            <a:off x="457200" y="1225800"/>
+            <a:ext cx="5267325" cy="1428750"/>
+          </a:xfrm>
+          <a:prstGeom prst="rect">
+            <a:avLst/>
+          </a:prstGeom>
+        </p:spPr>
+      </p:pic>
+    </p:spTree>
+    <p:extLst>
+      <p:ext uri="{BB962C8B-B14F-4D97-AF65-F5344CB8AC3E}">
+        <p14:creationId xmlns:p14="http://schemas.microsoft.com/office/powerpoint/2010/main" val="3111205108"/>
+      </p:ext>
+    </p:extLst>
   </p:cSld>
   <p:clrMapOvr>
     <a:masterClrMapping/>
@@ -12172,6 +15264,1456 @@
           </a:effectRef>
           <a:fontRef idx="minor"/>
         </p:style>
+      </p:sp>
+    </p:spTree>
+  </p:cSld>
+  <p:clrMapOvr>
+    <a:masterClrMapping/>
+  </p:clrMapOvr>
+  <p:timing>
+    <p:tnLst>
+      <p:par>
+        <p:cTn id="1" dur="indefinite" restart="never" nodeType="tmRoot">
+          <p:childTnLst>
+            <p:seq>
+              <p:cTn id="2" nodeType="mainSeq"/>
+              <p:prevCondLst>
+                <p:cond evt="onPrev" delay="0">
+                  <p:tgtEl>
+                    <p:sldTgt/>
+                  </p:tgtEl>
+                </p:cond>
+              </p:prevCondLst>
+              <p:nextCondLst>
+                <p:cond evt="onNext" delay="0">
+                  <p:tgtEl>
+                    <p:sldTgt/>
+                  </p:tgtEl>
+                </p:cond>
+              </p:nextCondLst>
+            </p:seq>
+          </p:childTnLst>
+        </p:cTn>
+      </p:par>
+    </p:tnLst>
+  </p:timing>
+</p:sld>
+</file>
+
+<file path=ppt/slides/slide30.xml><?xml version="1.0" encoding="utf-8"?>
+<p:sld xmlns:a="http://schemas.openxmlformats.org/drawingml/2006/main" xmlns:r="http://schemas.openxmlformats.org/officeDocument/2006/relationships" xmlns:p="http://schemas.openxmlformats.org/presentationml/2006/main">
+  <p:cSld>
+    <p:spTree>
+      <p:nvGrpSpPr>
+        <p:cNvPr id="1" name=""/>
+        <p:cNvGrpSpPr/>
+        <p:nvPr/>
+      </p:nvGrpSpPr>
+      <p:grpSpPr>
+        <a:xfrm>
+          <a:off x="0" y="0"/>
+          <a:ext cx="0" cy="0"/>
+          <a:chOff x="0" y="0"/>
+          <a:chExt cx="0" cy="0"/>
+        </a:xfrm>
+      </p:grpSpPr>
+      <p:sp>
+        <p:nvSpPr>
+          <p:cNvPr id="105" name="CustomShape 1"/>
+          <p:cNvSpPr/>
+          <p:nvPr/>
+        </p:nvSpPr>
+        <p:spPr>
+          <a:xfrm>
+            <a:off x="457200" y="205920"/>
+            <a:ext cx="8228880" cy="608400"/>
+          </a:xfrm>
+          <a:prstGeom prst="rect">
+            <a:avLst/>
+          </a:prstGeom>
+          <a:noFill/>
+          <a:ln>
+            <a:noFill/>
+          </a:ln>
+        </p:spPr>
+        <p:style>
+          <a:lnRef idx="0">
+            <a:scrgbClr r="0" g="0" b="0"/>
+          </a:lnRef>
+          <a:fillRef idx="0">
+            <a:scrgbClr r="0" g="0" b="0"/>
+          </a:fillRef>
+          <a:effectRef idx="0">
+            <a:scrgbClr r="0" g="0" b="0"/>
+          </a:effectRef>
+          <a:fontRef idx="minor"/>
+        </p:style>
+        <p:txBody>
+          <a:bodyPr lIns="90000" tIns="45000" rIns="90000" bIns="45000" anchor="ctr"/>
+          <a:lstStyle/>
+          <a:p>
+            <a:pPr>
+              <a:lnSpc>
+                <a:spcPct val="100000"/>
+              </a:lnSpc>
+            </a:pPr>
+            <a:r>
+              <a:rPr lang="en-US" sz="3600" spc="-1" dirty="0" smtClean="0">
+                <a:solidFill>
+                  <a:srgbClr val="403152"/>
+                </a:solidFill>
+                <a:uFill>
+                  <a:solidFill>
+                    <a:srgbClr val="FFFFFF"/>
+                  </a:solidFill>
+                </a:uFill>
+                <a:latin typeface="Calibri"/>
+                <a:ea typeface="DejaVu Sans"/>
+              </a:rPr>
+              <a:t>Likes table</a:t>
+            </a:r>
+            <a:endParaRPr lang="en-US" sz="1800" b="0" strike="noStrike" spc="-1" dirty="0">
+              <a:solidFill>
+                <a:srgbClr val="000000"/>
+              </a:solidFill>
+              <a:uFill>
+                <a:solidFill>
+                  <a:srgbClr val="FFFFFF"/>
+                </a:solidFill>
+              </a:uFill>
+              <a:latin typeface="Arial"/>
+            </a:endParaRPr>
+          </a:p>
+        </p:txBody>
+      </p:sp>
+      <p:sp>
+        <p:nvSpPr>
+          <p:cNvPr id="106" name="CustomShape 2"/>
+          <p:cNvSpPr/>
+          <p:nvPr/>
+        </p:nvSpPr>
+        <p:spPr>
+          <a:xfrm>
+            <a:off x="6553080" y="4767120"/>
+            <a:ext cx="2133000" cy="273240"/>
+          </a:xfrm>
+          <a:prstGeom prst="rect">
+            <a:avLst/>
+          </a:prstGeom>
+          <a:noFill/>
+          <a:ln>
+            <a:noFill/>
+          </a:ln>
+        </p:spPr>
+        <p:style>
+          <a:lnRef idx="0">
+            <a:scrgbClr r="0" g="0" b="0"/>
+          </a:lnRef>
+          <a:fillRef idx="0">
+            <a:scrgbClr r="0" g="0" b="0"/>
+          </a:fillRef>
+          <a:effectRef idx="0">
+            <a:scrgbClr r="0" g="0" b="0"/>
+          </a:effectRef>
+          <a:fontRef idx="minor"/>
+        </p:style>
+        <p:txBody>
+          <a:bodyPr lIns="90000" tIns="45000" rIns="90000" bIns="45000" anchor="ctr"/>
+          <a:lstStyle/>
+          <a:p>
+            <a:pPr algn="r">
+              <a:lnSpc>
+                <a:spcPct val="100000"/>
+              </a:lnSpc>
+            </a:pPr>
+            <a:fld id="{2BABB1AB-7B9B-4DEA-8D7B-39A355CEFA19}" type="slidenum">
+              <a:rPr lang="en-US" sz="1200" b="0" strike="noStrike" spc="-1">
+                <a:solidFill>
+                  <a:srgbClr val="8B8B8B"/>
+                </a:solidFill>
+                <a:uFill>
+                  <a:solidFill>
+                    <a:srgbClr val="FFFFFF"/>
+                  </a:solidFill>
+                </a:uFill>
+                <a:latin typeface="Calibri"/>
+                <a:ea typeface="DejaVu Sans"/>
+              </a:rPr>
+              <a:t>30</a:t>
+            </a:fld>
+            <a:endParaRPr lang="en-US" sz="1800" b="0" strike="noStrike" spc="-1">
+              <a:solidFill>
+                <a:srgbClr val="000000"/>
+              </a:solidFill>
+              <a:uFill>
+                <a:solidFill>
+                  <a:srgbClr val="FFFFFF"/>
+                </a:solidFill>
+              </a:uFill>
+              <a:latin typeface="Arial"/>
+            </a:endParaRPr>
+          </a:p>
+        </p:txBody>
+      </p:sp>
+      <p:sp>
+        <p:nvSpPr>
+          <p:cNvPr id="107" name="CustomShape 3"/>
+          <p:cNvSpPr/>
+          <p:nvPr/>
+        </p:nvSpPr>
+        <p:spPr>
+          <a:xfrm>
+            <a:off x="457200" y="1225800"/>
+            <a:ext cx="8228880" cy="3352320"/>
+          </a:xfrm>
+          <a:prstGeom prst="rect">
+            <a:avLst/>
+          </a:prstGeom>
+          <a:noFill/>
+          <a:ln>
+            <a:noFill/>
+          </a:ln>
+        </p:spPr>
+        <p:style>
+          <a:lnRef idx="0">
+            <a:scrgbClr r="0" g="0" b="0"/>
+          </a:lnRef>
+          <a:fillRef idx="0">
+            <a:scrgbClr r="0" g="0" b="0"/>
+          </a:fillRef>
+          <a:effectRef idx="0">
+            <a:scrgbClr r="0" g="0" b="0"/>
+          </a:effectRef>
+          <a:fontRef idx="minor"/>
+        </p:style>
+        <p:txBody>
+          <a:bodyPr lIns="90000" tIns="45000" rIns="90000" bIns="45000"/>
+          <a:lstStyle/>
+          <a:p>
+            <a:pPr>
+              <a:lnSpc>
+                <a:spcPct val="100000"/>
+              </a:lnSpc>
+              <a:buClr>
+                <a:srgbClr val="000000"/>
+              </a:buClr>
+            </a:pPr>
+            <a:r>
+              <a:rPr lang="en-US" sz="2800" spc="-1" dirty="0">
+                <a:solidFill>
+                  <a:srgbClr val="000000"/>
+                </a:solidFill>
+                <a:uFill>
+                  <a:solidFill>
+                    <a:srgbClr val="FFFFFF"/>
+                  </a:solidFill>
+                </a:uFill>
+                <a:latin typeface="Calibri" panose="020F0502020204030204" pitchFamily="34" charset="0"/>
+                <a:sym typeface="Wingdings" panose="05000000000000000000" pitchFamily="2" charset="2"/>
+              </a:rPr>
+              <a:t>	</a:t>
+            </a:r>
+            <a:endParaRPr lang="en-US" sz="2800" spc="-1" dirty="0" smtClean="0">
+              <a:solidFill>
+                <a:srgbClr val="000000"/>
+              </a:solidFill>
+              <a:uFill>
+                <a:solidFill>
+                  <a:srgbClr val="FFFFFF"/>
+                </a:solidFill>
+              </a:uFill>
+              <a:latin typeface="Calibri" panose="020F0502020204030204" pitchFamily="34" charset="0"/>
+              <a:sym typeface="Wingdings" panose="05000000000000000000" pitchFamily="2" charset="2"/>
+            </a:endParaRPr>
+          </a:p>
+          <a:p>
+            <a:pPr>
+              <a:lnSpc>
+                <a:spcPct val="100000"/>
+              </a:lnSpc>
+              <a:buClr>
+                <a:srgbClr val="000000"/>
+              </a:buClr>
+            </a:pPr>
+            <a:endParaRPr lang="en-US" sz="2800" spc="-1" dirty="0">
+              <a:solidFill>
+                <a:srgbClr val="000000"/>
+              </a:solidFill>
+              <a:uFill>
+                <a:solidFill>
+                  <a:srgbClr val="FFFFFF"/>
+                </a:solidFill>
+              </a:uFill>
+              <a:latin typeface="Calibri" panose="020F0502020204030204" pitchFamily="34" charset="0"/>
+              <a:sym typeface="Wingdings" panose="05000000000000000000" pitchFamily="2" charset="2"/>
+            </a:endParaRPr>
+          </a:p>
+          <a:p>
+            <a:pPr>
+              <a:lnSpc>
+                <a:spcPct val="100000"/>
+              </a:lnSpc>
+              <a:buClr>
+                <a:srgbClr val="000000"/>
+              </a:buClr>
+            </a:pPr>
+            <a:endParaRPr lang="en-US" sz="2800" spc="-1" dirty="0" smtClean="0">
+              <a:solidFill>
+                <a:srgbClr val="000000"/>
+              </a:solidFill>
+              <a:uFill>
+                <a:solidFill>
+                  <a:srgbClr val="FFFFFF"/>
+                </a:solidFill>
+              </a:uFill>
+              <a:latin typeface="Calibri" panose="020F0502020204030204" pitchFamily="34" charset="0"/>
+            </a:endParaRPr>
+          </a:p>
+          <a:p>
+            <a:pPr>
+              <a:lnSpc>
+                <a:spcPct val="100000"/>
+              </a:lnSpc>
+              <a:buClr>
+                <a:srgbClr val="000000"/>
+              </a:buClr>
+            </a:pPr>
+            <a:endParaRPr lang="en-US" sz="2800" spc="-1" dirty="0">
+              <a:solidFill>
+                <a:srgbClr val="000000"/>
+              </a:solidFill>
+              <a:uFill>
+                <a:solidFill>
+                  <a:srgbClr val="FFFFFF"/>
+                </a:solidFill>
+              </a:uFill>
+              <a:latin typeface="Calibri" panose="020F0502020204030204" pitchFamily="34" charset="0"/>
+              <a:ea typeface="DejaVu Sans"/>
+            </a:endParaRPr>
+          </a:p>
+          <a:p>
+            <a:pPr>
+              <a:lnSpc>
+                <a:spcPct val="100000"/>
+              </a:lnSpc>
+              <a:buClr>
+                <a:srgbClr val="000000"/>
+              </a:buClr>
+            </a:pPr>
+            <a:r>
+              <a:rPr lang="en-US" sz="2800" b="0" strike="noStrike" spc="-1" dirty="0" smtClean="0">
+                <a:solidFill>
+                  <a:srgbClr val="000000"/>
+                </a:solidFill>
+                <a:uFill>
+                  <a:solidFill>
+                    <a:srgbClr val="FFFFFF"/>
+                  </a:solidFill>
+                </a:uFill>
+                <a:latin typeface="Calibri" panose="020F0502020204030204" pitchFamily="34" charset="0"/>
+                <a:ea typeface="DejaVu Sans"/>
+              </a:rPr>
+              <a:t>  </a:t>
+            </a:r>
+            <a:endParaRPr lang="en-US" sz="2800" b="0" strike="noStrike" spc="-1" dirty="0">
+              <a:solidFill>
+                <a:srgbClr val="000000"/>
+              </a:solidFill>
+              <a:uFill>
+                <a:solidFill>
+                  <a:srgbClr val="FFFFFF"/>
+                </a:solidFill>
+              </a:uFill>
+              <a:latin typeface="Calibri" panose="020F0502020204030204" pitchFamily="34" charset="0"/>
+            </a:endParaRPr>
+          </a:p>
+          <a:p>
+            <a:pPr>
+              <a:lnSpc>
+                <a:spcPct val="100000"/>
+              </a:lnSpc>
+            </a:pPr>
+            <a:endParaRPr lang="en-US" sz="1800" b="0" strike="noStrike" spc="-1" dirty="0">
+              <a:solidFill>
+                <a:srgbClr val="000000"/>
+              </a:solidFill>
+              <a:uFill>
+                <a:solidFill>
+                  <a:srgbClr val="FFFFFF"/>
+                </a:solidFill>
+              </a:uFill>
+              <a:latin typeface="Arial"/>
+            </a:endParaRPr>
+          </a:p>
+          <a:p>
+            <a:pPr>
+              <a:lnSpc>
+                <a:spcPct val="100000"/>
+              </a:lnSpc>
+            </a:pPr>
+            <a:endParaRPr lang="en-US" sz="1800" b="0" strike="noStrike" spc="-1" dirty="0">
+              <a:solidFill>
+                <a:srgbClr val="000000"/>
+              </a:solidFill>
+              <a:uFill>
+                <a:solidFill>
+                  <a:srgbClr val="FFFFFF"/>
+                </a:solidFill>
+              </a:uFill>
+              <a:latin typeface="Arial"/>
+            </a:endParaRPr>
+          </a:p>
+        </p:txBody>
+      </p:sp>
+      <p:pic>
+        <p:nvPicPr>
+          <p:cNvPr id="4" name="Рисунок 3"/>
+          <p:cNvPicPr>
+            <a:picLocks noChangeAspect="1"/>
+          </p:cNvPicPr>
+          <p:nvPr/>
+        </p:nvPicPr>
+        <p:blipFill>
+          <a:blip r:embed="rId2"/>
+          <a:stretch>
+            <a:fillRect/>
+          </a:stretch>
+        </p:blipFill>
+        <p:spPr>
+          <a:xfrm>
+            <a:off x="457200" y="1225800"/>
+            <a:ext cx="5191125" cy="1095375"/>
+          </a:xfrm>
+          <a:prstGeom prst="rect">
+            <a:avLst/>
+          </a:prstGeom>
+        </p:spPr>
+      </p:pic>
+    </p:spTree>
+    <p:extLst>
+      <p:ext uri="{BB962C8B-B14F-4D97-AF65-F5344CB8AC3E}">
+        <p14:creationId xmlns:p14="http://schemas.microsoft.com/office/powerpoint/2010/main" val="4231748805"/>
+      </p:ext>
+    </p:extLst>
+  </p:cSld>
+  <p:clrMapOvr>
+    <a:masterClrMapping/>
+  </p:clrMapOvr>
+  <p:timing>
+    <p:tnLst>
+      <p:par>
+        <p:cTn id="1" dur="indefinite" restart="never" nodeType="tmRoot">
+          <p:childTnLst>
+            <p:seq>
+              <p:cTn id="2" nodeType="mainSeq"/>
+              <p:prevCondLst>
+                <p:cond evt="onPrev" delay="0">
+                  <p:tgtEl>
+                    <p:sldTgt/>
+                  </p:tgtEl>
+                </p:cond>
+              </p:prevCondLst>
+              <p:nextCondLst>
+                <p:cond evt="onNext" delay="0">
+                  <p:tgtEl>
+                    <p:sldTgt/>
+                  </p:tgtEl>
+                </p:cond>
+              </p:nextCondLst>
+            </p:seq>
+          </p:childTnLst>
+        </p:cTn>
+      </p:par>
+    </p:tnLst>
+  </p:timing>
+</p:sld>
+</file>
+
+<file path=ppt/slides/slide31.xml><?xml version="1.0" encoding="utf-8"?>
+<p:sld xmlns:a="http://schemas.openxmlformats.org/drawingml/2006/main" xmlns:r="http://schemas.openxmlformats.org/officeDocument/2006/relationships" xmlns:p="http://schemas.openxmlformats.org/presentationml/2006/main">
+  <p:cSld>
+    <p:spTree>
+      <p:nvGrpSpPr>
+        <p:cNvPr id="1" name=""/>
+        <p:cNvGrpSpPr/>
+        <p:nvPr/>
+      </p:nvGrpSpPr>
+      <p:grpSpPr>
+        <a:xfrm>
+          <a:off x="0" y="0"/>
+          <a:ext cx="0" cy="0"/>
+          <a:chOff x="0" y="0"/>
+          <a:chExt cx="0" cy="0"/>
+        </a:xfrm>
+      </p:grpSpPr>
+      <p:sp>
+        <p:nvSpPr>
+          <p:cNvPr id="105" name="CustomShape 1"/>
+          <p:cNvSpPr/>
+          <p:nvPr/>
+        </p:nvSpPr>
+        <p:spPr>
+          <a:xfrm>
+            <a:off x="457200" y="205920"/>
+            <a:ext cx="8228880" cy="608400"/>
+          </a:xfrm>
+          <a:prstGeom prst="rect">
+            <a:avLst/>
+          </a:prstGeom>
+          <a:noFill/>
+          <a:ln>
+            <a:noFill/>
+          </a:ln>
+        </p:spPr>
+        <p:style>
+          <a:lnRef idx="0">
+            <a:scrgbClr r="0" g="0" b="0"/>
+          </a:lnRef>
+          <a:fillRef idx="0">
+            <a:scrgbClr r="0" g="0" b="0"/>
+          </a:fillRef>
+          <a:effectRef idx="0">
+            <a:scrgbClr r="0" g="0" b="0"/>
+          </a:effectRef>
+          <a:fontRef idx="minor"/>
+        </p:style>
+        <p:txBody>
+          <a:bodyPr lIns="90000" tIns="45000" rIns="90000" bIns="45000" anchor="ctr"/>
+          <a:lstStyle/>
+          <a:p>
+            <a:pPr>
+              <a:lnSpc>
+                <a:spcPct val="100000"/>
+              </a:lnSpc>
+            </a:pPr>
+            <a:r>
+              <a:rPr lang="en-US" sz="3600" spc="-1" dirty="0" smtClean="0">
+                <a:solidFill>
+                  <a:srgbClr val="403152"/>
+                </a:solidFill>
+                <a:uFill>
+                  <a:solidFill>
+                    <a:srgbClr val="FFFFFF"/>
+                  </a:solidFill>
+                </a:uFill>
+                <a:latin typeface="Calibri"/>
+                <a:ea typeface="DejaVu Sans"/>
+              </a:rPr>
+              <a:t>Matches table</a:t>
+            </a:r>
+            <a:endParaRPr lang="en-US" sz="1800" b="0" strike="noStrike" spc="-1" dirty="0">
+              <a:solidFill>
+                <a:srgbClr val="000000"/>
+              </a:solidFill>
+              <a:uFill>
+                <a:solidFill>
+                  <a:srgbClr val="FFFFFF"/>
+                </a:solidFill>
+              </a:uFill>
+              <a:latin typeface="Arial"/>
+            </a:endParaRPr>
+          </a:p>
+        </p:txBody>
+      </p:sp>
+      <p:sp>
+        <p:nvSpPr>
+          <p:cNvPr id="106" name="CustomShape 2"/>
+          <p:cNvSpPr/>
+          <p:nvPr/>
+        </p:nvSpPr>
+        <p:spPr>
+          <a:xfrm>
+            <a:off x="6553080" y="4767120"/>
+            <a:ext cx="2133000" cy="273240"/>
+          </a:xfrm>
+          <a:prstGeom prst="rect">
+            <a:avLst/>
+          </a:prstGeom>
+          <a:noFill/>
+          <a:ln>
+            <a:noFill/>
+          </a:ln>
+        </p:spPr>
+        <p:style>
+          <a:lnRef idx="0">
+            <a:scrgbClr r="0" g="0" b="0"/>
+          </a:lnRef>
+          <a:fillRef idx="0">
+            <a:scrgbClr r="0" g="0" b="0"/>
+          </a:fillRef>
+          <a:effectRef idx="0">
+            <a:scrgbClr r="0" g="0" b="0"/>
+          </a:effectRef>
+          <a:fontRef idx="minor"/>
+        </p:style>
+        <p:txBody>
+          <a:bodyPr lIns="90000" tIns="45000" rIns="90000" bIns="45000" anchor="ctr"/>
+          <a:lstStyle/>
+          <a:p>
+            <a:pPr algn="r">
+              <a:lnSpc>
+                <a:spcPct val="100000"/>
+              </a:lnSpc>
+            </a:pPr>
+            <a:fld id="{2BABB1AB-7B9B-4DEA-8D7B-39A355CEFA19}" type="slidenum">
+              <a:rPr lang="en-US" sz="1200" b="0" strike="noStrike" spc="-1">
+                <a:solidFill>
+                  <a:srgbClr val="8B8B8B"/>
+                </a:solidFill>
+                <a:uFill>
+                  <a:solidFill>
+                    <a:srgbClr val="FFFFFF"/>
+                  </a:solidFill>
+                </a:uFill>
+                <a:latin typeface="Calibri"/>
+                <a:ea typeface="DejaVu Sans"/>
+              </a:rPr>
+              <a:t>31</a:t>
+            </a:fld>
+            <a:endParaRPr lang="en-US" sz="1800" b="0" strike="noStrike" spc="-1">
+              <a:solidFill>
+                <a:srgbClr val="000000"/>
+              </a:solidFill>
+              <a:uFill>
+                <a:solidFill>
+                  <a:srgbClr val="FFFFFF"/>
+                </a:solidFill>
+              </a:uFill>
+              <a:latin typeface="Arial"/>
+            </a:endParaRPr>
+          </a:p>
+        </p:txBody>
+      </p:sp>
+      <p:sp>
+        <p:nvSpPr>
+          <p:cNvPr id="107" name="CustomShape 3"/>
+          <p:cNvSpPr/>
+          <p:nvPr/>
+        </p:nvSpPr>
+        <p:spPr>
+          <a:xfrm>
+            <a:off x="457200" y="1225800"/>
+            <a:ext cx="8228880" cy="3352320"/>
+          </a:xfrm>
+          <a:prstGeom prst="rect">
+            <a:avLst/>
+          </a:prstGeom>
+          <a:noFill/>
+          <a:ln>
+            <a:noFill/>
+          </a:ln>
+        </p:spPr>
+        <p:style>
+          <a:lnRef idx="0">
+            <a:scrgbClr r="0" g="0" b="0"/>
+          </a:lnRef>
+          <a:fillRef idx="0">
+            <a:scrgbClr r="0" g="0" b="0"/>
+          </a:fillRef>
+          <a:effectRef idx="0">
+            <a:scrgbClr r="0" g="0" b="0"/>
+          </a:effectRef>
+          <a:fontRef idx="minor"/>
+        </p:style>
+        <p:txBody>
+          <a:bodyPr lIns="90000" tIns="45000" rIns="90000" bIns="45000"/>
+          <a:lstStyle/>
+          <a:p>
+            <a:pPr>
+              <a:lnSpc>
+                <a:spcPct val="100000"/>
+              </a:lnSpc>
+              <a:buClr>
+                <a:srgbClr val="000000"/>
+              </a:buClr>
+            </a:pPr>
+            <a:r>
+              <a:rPr lang="en-US" sz="2800" spc="-1" dirty="0">
+                <a:solidFill>
+                  <a:srgbClr val="000000"/>
+                </a:solidFill>
+                <a:uFill>
+                  <a:solidFill>
+                    <a:srgbClr val="FFFFFF"/>
+                  </a:solidFill>
+                </a:uFill>
+                <a:latin typeface="Calibri" panose="020F0502020204030204" pitchFamily="34" charset="0"/>
+                <a:sym typeface="Wingdings" panose="05000000000000000000" pitchFamily="2" charset="2"/>
+              </a:rPr>
+              <a:t>	</a:t>
+            </a:r>
+            <a:endParaRPr lang="en-US" sz="2800" spc="-1" dirty="0" smtClean="0">
+              <a:solidFill>
+                <a:srgbClr val="000000"/>
+              </a:solidFill>
+              <a:uFill>
+                <a:solidFill>
+                  <a:srgbClr val="FFFFFF"/>
+                </a:solidFill>
+              </a:uFill>
+              <a:latin typeface="Calibri" panose="020F0502020204030204" pitchFamily="34" charset="0"/>
+              <a:sym typeface="Wingdings" panose="05000000000000000000" pitchFamily="2" charset="2"/>
+            </a:endParaRPr>
+          </a:p>
+          <a:p>
+            <a:pPr>
+              <a:lnSpc>
+                <a:spcPct val="100000"/>
+              </a:lnSpc>
+              <a:buClr>
+                <a:srgbClr val="000000"/>
+              </a:buClr>
+            </a:pPr>
+            <a:endParaRPr lang="en-US" sz="2800" spc="-1" dirty="0">
+              <a:solidFill>
+                <a:srgbClr val="000000"/>
+              </a:solidFill>
+              <a:uFill>
+                <a:solidFill>
+                  <a:srgbClr val="FFFFFF"/>
+                </a:solidFill>
+              </a:uFill>
+              <a:latin typeface="Calibri" panose="020F0502020204030204" pitchFamily="34" charset="0"/>
+              <a:sym typeface="Wingdings" panose="05000000000000000000" pitchFamily="2" charset="2"/>
+            </a:endParaRPr>
+          </a:p>
+          <a:p>
+            <a:pPr>
+              <a:lnSpc>
+                <a:spcPct val="100000"/>
+              </a:lnSpc>
+              <a:buClr>
+                <a:srgbClr val="000000"/>
+              </a:buClr>
+            </a:pPr>
+            <a:endParaRPr lang="en-US" sz="2800" spc="-1" dirty="0" smtClean="0">
+              <a:solidFill>
+                <a:srgbClr val="000000"/>
+              </a:solidFill>
+              <a:uFill>
+                <a:solidFill>
+                  <a:srgbClr val="FFFFFF"/>
+                </a:solidFill>
+              </a:uFill>
+              <a:latin typeface="Calibri" panose="020F0502020204030204" pitchFamily="34" charset="0"/>
+            </a:endParaRPr>
+          </a:p>
+          <a:p>
+            <a:pPr>
+              <a:lnSpc>
+                <a:spcPct val="100000"/>
+              </a:lnSpc>
+              <a:buClr>
+                <a:srgbClr val="000000"/>
+              </a:buClr>
+            </a:pPr>
+            <a:endParaRPr lang="en-US" sz="2800" spc="-1" dirty="0">
+              <a:solidFill>
+                <a:srgbClr val="000000"/>
+              </a:solidFill>
+              <a:uFill>
+                <a:solidFill>
+                  <a:srgbClr val="FFFFFF"/>
+                </a:solidFill>
+              </a:uFill>
+              <a:latin typeface="Calibri" panose="020F0502020204030204" pitchFamily="34" charset="0"/>
+              <a:ea typeface="DejaVu Sans"/>
+            </a:endParaRPr>
+          </a:p>
+          <a:p>
+            <a:pPr>
+              <a:lnSpc>
+                <a:spcPct val="100000"/>
+              </a:lnSpc>
+              <a:buClr>
+                <a:srgbClr val="000000"/>
+              </a:buClr>
+            </a:pPr>
+            <a:r>
+              <a:rPr lang="en-US" sz="2800" b="0" strike="noStrike" spc="-1" dirty="0" smtClean="0">
+                <a:solidFill>
+                  <a:srgbClr val="000000"/>
+                </a:solidFill>
+                <a:uFill>
+                  <a:solidFill>
+                    <a:srgbClr val="FFFFFF"/>
+                  </a:solidFill>
+                </a:uFill>
+                <a:latin typeface="Calibri" panose="020F0502020204030204" pitchFamily="34" charset="0"/>
+                <a:ea typeface="DejaVu Sans"/>
+              </a:rPr>
+              <a:t>  </a:t>
+            </a:r>
+            <a:endParaRPr lang="en-US" sz="2800" b="0" strike="noStrike" spc="-1" dirty="0">
+              <a:solidFill>
+                <a:srgbClr val="000000"/>
+              </a:solidFill>
+              <a:uFill>
+                <a:solidFill>
+                  <a:srgbClr val="FFFFFF"/>
+                </a:solidFill>
+              </a:uFill>
+              <a:latin typeface="Calibri" panose="020F0502020204030204" pitchFamily="34" charset="0"/>
+            </a:endParaRPr>
+          </a:p>
+          <a:p>
+            <a:pPr>
+              <a:lnSpc>
+                <a:spcPct val="100000"/>
+              </a:lnSpc>
+            </a:pPr>
+            <a:endParaRPr lang="en-US" sz="1800" b="0" strike="noStrike" spc="-1" dirty="0">
+              <a:solidFill>
+                <a:srgbClr val="000000"/>
+              </a:solidFill>
+              <a:uFill>
+                <a:solidFill>
+                  <a:srgbClr val="FFFFFF"/>
+                </a:solidFill>
+              </a:uFill>
+              <a:latin typeface="Arial"/>
+            </a:endParaRPr>
+          </a:p>
+          <a:p>
+            <a:pPr>
+              <a:lnSpc>
+                <a:spcPct val="100000"/>
+              </a:lnSpc>
+            </a:pPr>
+            <a:endParaRPr lang="en-US" sz="1800" b="0" strike="noStrike" spc="-1" dirty="0">
+              <a:solidFill>
+                <a:srgbClr val="000000"/>
+              </a:solidFill>
+              <a:uFill>
+                <a:solidFill>
+                  <a:srgbClr val="FFFFFF"/>
+                </a:solidFill>
+              </a:uFill>
+              <a:latin typeface="Arial"/>
+            </a:endParaRPr>
+          </a:p>
+        </p:txBody>
+      </p:sp>
+      <p:pic>
+        <p:nvPicPr>
+          <p:cNvPr id="2" name="Рисунок 1"/>
+          <p:cNvPicPr>
+            <a:picLocks noChangeAspect="1"/>
+          </p:cNvPicPr>
+          <p:nvPr/>
+        </p:nvPicPr>
+        <p:blipFill>
+          <a:blip r:embed="rId2"/>
+          <a:stretch>
+            <a:fillRect/>
+          </a:stretch>
+        </p:blipFill>
+        <p:spPr>
+          <a:xfrm>
+            <a:off x="457200" y="1225800"/>
+            <a:ext cx="5476875" cy="1104900"/>
+          </a:xfrm>
+          <a:prstGeom prst="rect">
+            <a:avLst/>
+          </a:prstGeom>
+        </p:spPr>
+      </p:pic>
+    </p:spTree>
+    <p:extLst>
+      <p:ext uri="{BB962C8B-B14F-4D97-AF65-F5344CB8AC3E}">
+        <p14:creationId xmlns:p14="http://schemas.microsoft.com/office/powerpoint/2010/main" val="601027776"/>
+      </p:ext>
+    </p:extLst>
+  </p:cSld>
+  <p:clrMapOvr>
+    <a:masterClrMapping/>
+  </p:clrMapOvr>
+  <p:timing>
+    <p:tnLst>
+      <p:par>
+        <p:cTn id="1" dur="indefinite" restart="never" nodeType="tmRoot">
+          <p:childTnLst>
+            <p:seq>
+              <p:cTn id="2" nodeType="mainSeq"/>
+              <p:prevCondLst>
+                <p:cond evt="onPrev" delay="0">
+                  <p:tgtEl>
+                    <p:sldTgt/>
+                  </p:tgtEl>
+                </p:cond>
+              </p:prevCondLst>
+              <p:nextCondLst>
+                <p:cond evt="onNext" delay="0">
+                  <p:tgtEl>
+                    <p:sldTgt/>
+                  </p:tgtEl>
+                </p:cond>
+              </p:nextCondLst>
+            </p:seq>
+          </p:childTnLst>
+        </p:cTn>
+      </p:par>
+    </p:tnLst>
+  </p:timing>
+</p:sld>
+</file>
+
+<file path=ppt/slides/slide32.xml><?xml version="1.0" encoding="utf-8"?>
+<p:sld xmlns:a="http://schemas.openxmlformats.org/drawingml/2006/main" xmlns:r="http://schemas.openxmlformats.org/officeDocument/2006/relationships" xmlns:p="http://schemas.openxmlformats.org/presentationml/2006/main">
+  <p:cSld>
+    <p:spTree>
+      <p:nvGrpSpPr>
+        <p:cNvPr id="1" name=""/>
+        <p:cNvGrpSpPr/>
+        <p:nvPr/>
+      </p:nvGrpSpPr>
+      <p:grpSpPr>
+        <a:xfrm>
+          <a:off x="0" y="0"/>
+          <a:ext cx="0" cy="0"/>
+          <a:chOff x="0" y="0"/>
+          <a:chExt cx="0" cy="0"/>
+        </a:xfrm>
+      </p:grpSpPr>
+      <p:sp>
+        <p:nvSpPr>
+          <p:cNvPr id="252" name="CustomShape 1"/>
+          <p:cNvSpPr/>
+          <p:nvPr/>
+        </p:nvSpPr>
+        <p:spPr>
+          <a:xfrm>
+            <a:off x="457200" y="205920"/>
+            <a:ext cx="8228880" cy="608400"/>
+          </a:xfrm>
+          <a:prstGeom prst="rect">
+            <a:avLst/>
+          </a:prstGeom>
+          <a:noFill/>
+          <a:ln>
+            <a:noFill/>
+          </a:ln>
+        </p:spPr>
+        <p:style>
+          <a:lnRef idx="0">
+            <a:scrgbClr r="0" g="0" b="0"/>
+          </a:lnRef>
+          <a:fillRef idx="0">
+            <a:scrgbClr r="0" g="0" b="0"/>
+          </a:fillRef>
+          <a:effectRef idx="0">
+            <a:scrgbClr r="0" g="0" b="0"/>
+          </a:effectRef>
+          <a:fontRef idx="minor"/>
+        </p:style>
+        <p:txBody>
+          <a:bodyPr lIns="90000" tIns="45000" rIns="90000" bIns="45000" anchor="ctr"/>
+          <a:lstStyle/>
+          <a:p>
+            <a:pPr>
+              <a:lnSpc>
+                <a:spcPct val="100000"/>
+              </a:lnSpc>
+            </a:pPr>
+            <a:r>
+              <a:rPr lang="en-US" sz="3600" spc="-1" dirty="0" smtClean="0">
+                <a:solidFill>
+                  <a:srgbClr val="403152"/>
+                </a:solidFill>
+                <a:uFill>
+                  <a:solidFill>
+                    <a:srgbClr val="FFFFFF"/>
+                  </a:solidFill>
+                </a:uFill>
+                <a:latin typeface="Calibri"/>
+              </a:rPr>
+              <a:t>JDBC</a:t>
+            </a:r>
+            <a:endParaRPr lang="en-US" sz="1800" b="0" strike="noStrike" spc="-1" dirty="0">
+              <a:solidFill>
+                <a:srgbClr val="000000"/>
+              </a:solidFill>
+              <a:uFill>
+                <a:solidFill>
+                  <a:srgbClr val="FFFFFF"/>
+                </a:solidFill>
+              </a:uFill>
+              <a:latin typeface="Arial"/>
+            </a:endParaRPr>
+          </a:p>
+        </p:txBody>
+      </p:sp>
+      <p:sp>
+        <p:nvSpPr>
+          <p:cNvPr id="253" name="CustomShape 2"/>
+          <p:cNvSpPr/>
+          <p:nvPr/>
+        </p:nvSpPr>
+        <p:spPr>
+          <a:xfrm>
+            <a:off x="6553080" y="4767120"/>
+            <a:ext cx="2133000" cy="273240"/>
+          </a:xfrm>
+          <a:prstGeom prst="rect">
+            <a:avLst/>
+          </a:prstGeom>
+          <a:noFill/>
+          <a:ln>
+            <a:noFill/>
+          </a:ln>
+        </p:spPr>
+        <p:style>
+          <a:lnRef idx="0">
+            <a:scrgbClr r="0" g="0" b="0"/>
+          </a:lnRef>
+          <a:fillRef idx="0">
+            <a:scrgbClr r="0" g="0" b="0"/>
+          </a:fillRef>
+          <a:effectRef idx="0">
+            <a:scrgbClr r="0" g="0" b="0"/>
+          </a:effectRef>
+          <a:fontRef idx="minor"/>
+        </p:style>
+        <p:txBody>
+          <a:bodyPr lIns="90000" tIns="45000" rIns="90000" bIns="45000" anchor="ctr"/>
+          <a:lstStyle/>
+          <a:p>
+            <a:pPr algn="r">
+              <a:lnSpc>
+                <a:spcPct val="100000"/>
+              </a:lnSpc>
+            </a:pPr>
+            <a:fld id="{4E3D1538-B398-4967-9C52-04C94D17D911}" type="slidenum">
+              <a:rPr lang="en-US" sz="1200" b="0" strike="noStrike" spc="-1">
+                <a:solidFill>
+                  <a:srgbClr val="8B8B8B"/>
+                </a:solidFill>
+                <a:uFill>
+                  <a:solidFill>
+                    <a:srgbClr val="FFFFFF"/>
+                  </a:solidFill>
+                </a:uFill>
+                <a:latin typeface="Calibri"/>
+                <a:ea typeface="DejaVu Sans"/>
+              </a:rPr>
+              <a:t>32</a:t>
+            </a:fld>
+            <a:endParaRPr lang="en-US" sz="1800" b="0" strike="noStrike" spc="-1">
+              <a:solidFill>
+                <a:srgbClr val="000000"/>
+              </a:solidFill>
+              <a:uFill>
+                <a:solidFill>
+                  <a:srgbClr val="FFFFFF"/>
+                </a:solidFill>
+              </a:uFill>
+              <a:latin typeface="Arial"/>
+            </a:endParaRPr>
+          </a:p>
+        </p:txBody>
+      </p:sp>
+      <p:sp>
+        <p:nvSpPr>
+          <p:cNvPr id="254" name="CustomShape 3"/>
+          <p:cNvSpPr/>
+          <p:nvPr/>
+        </p:nvSpPr>
+        <p:spPr>
+          <a:xfrm>
+            <a:off x="457200" y="1200240"/>
+            <a:ext cx="8228880" cy="2984040"/>
+          </a:xfrm>
+          <a:prstGeom prst="rect">
+            <a:avLst/>
+          </a:prstGeom>
+          <a:noFill/>
+          <a:ln>
+            <a:noFill/>
+          </a:ln>
+        </p:spPr>
+        <p:style>
+          <a:lnRef idx="0">
+            <a:scrgbClr r="0" g="0" b="0"/>
+          </a:lnRef>
+          <a:fillRef idx="0">
+            <a:scrgbClr r="0" g="0" b="0"/>
+          </a:fillRef>
+          <a:effectRef idx="0">
+            <a:scrgbClr r="0" g="0" b="0"/>
+          </a:effectRef>
+          <a:fontRef idx="minor"/>
+        </p:style>
+        <p:txBody>
+          <a:bodyPr lIns="90000" tIns="45000" rIns="90000" bIns="45000"/>
+          <a:lstStyle/>
+          <a:p>
+            <a:pPr>
+              <a:lnSpc>
+                <a:spcPct val="150000"/>
+              </a:lnSpc>
+            </a:pPr>
+            <a:endParaRPr lang="en-US" sz="1800" b="0" strike="noStrike" spc="-1">
+              <a:solidFill>
+                <a:srgbClr val="000000"/>
+              </a:solidFill>
+              <a:uFill>
+                <a:solidFill>
+                  <a:srgbClr val="FFFFFF"/>
+                </a:solidFill>
+              </a:uFill>
+              <a:latin typeface="Arial"/>
+            </a:endParaRPr>
+          </a:p>
+          <a:p>
+            <a:pPr>
+              <a:lnSpc>
+                <a:spcPct val="150000"/>
+              </a:lnSpc>
+            </a:pPr>
+            <a:endParaRPr lang="en-US" sz="1800" b="0" strike="noStrike" spc="-1">
+              <a:solidFill>
+                <a:srgbClr val="000000"/>
+              </a:solidFill>
+              <a:uFill>
+                <a:solidFill>
+                  <a:srgbClr val="FFFFFF"/>
+                </a:solidFill>
+              </a:uFill>
+              <a:latin typeface="Arial"/>
+            </a:endParaRPr>
+          </a:p>
+          <a:p>
+            <a:pPr marL="360" algn="ctr">
+              <a:lnSpc>
+                <a:spcPct val="150000"/>
+              </a:lnSpc>
+            </a:pPr>
+            <a:r>
+              <a:rPr lang="en-US" sz="2800" b="0" strike="noStrike" spc="-1">
+                <a:solidFill>
+                  <a:srgbClr val="000000"/>
+                </a:solidFill>
+                <a:uFill>
+                  <a:solidFill>
+                    <a:srgbClr val="FFFFFF"/>
+                  </a:solidFill>
+                </a:uFill>
+                <a:latin typeface="Calibri"/>
+                <a:ea typeface="DejaVu Sans"/>
+              </a:rPr>
+              <a:t>Оставьте отзыв.</a:t>
+            </a:r>
+            <a:endParaRPr lang="en-US" sz="1800" b="0" strike="noStrike" spc="-1">
+              <a:solidFill>
+                <a:srgbClr val="000000"/>
+              </a:solidFill>
+              <a:uFill>
+                <a:solidFill>
+                  <a:srgbClr val="FFFFFF"/>
+                </a:solidFill>
+              </a:uFill>
+              <a:latin typeface="Arial"/>
+            </a:endParaRPr>
+          </a:p>
+        </p:txBody>
+      </p:sp>
+    </p:spTree>
+  </p:cSld>
+  <p:clrMapOvr>
+    <a:masterClrMapping/>
+  </p:clrMapOvr>
+  <p:timing>
+    <p:tnLst>
+      <p:par>
+        <p:cTn id="1" dur="indefinite" restart="never" nodeType="tmRoot">
+          <p:childTnLst>
+            <p:seq>
+              <p:cTn id="2" nodeType="mainSeq"/>
+              <p:prevCondLst>
+                <p:cond evt="onPrev" delay="0">
+                  <p:tgtEl>
+                    <p:sldTgt/>
+                  </p:tgtEl>
+                </p:cond>
+              </p:prevCondLst>
+              <p:nextCondLst>
+                <p:cond evt="onNext" delay="0">
+                  <p:tgtEl>
+                    <p:sldTgt/>
+                  </p:tgtEl>
+                </p:cond>
+              </p:nextCondLst>
+            </p:seq>
+          </p:childTnLst>
+        </p:cTn>
+      </p:par>
+    </p:tnLst>
+  </p:timing>
+</p:sld>
+</file>
+
+<file path=ppt/slides/slide33.xml><?xml version="1.0" encoding="utf-8"?>
+<p:sld xmlns:a="http://schemas.openxmlformats.org/drawingml/2006/main" xmlns:r="http://schemas.openxmlformats.org/officeDocument/2006/relationships" xmlns:p="http://schemas.openxmlformats.org/presentationml/2006/main">
+  <p:cSld>
+    <p:bg>
+      <p:bgPr>
+        <a:blipFill>
+          <a:blip r:embed="rId2"/>
+          <a:stretch>
+            <a:fillRect/>
+          </a:stretch>
+        </a:blipFill>
+        <a:effectLst/>
+      </p:bgPr>
+    </p:bg>
+    <p:spTree>
+      <p:nvGrpSpPr>
+        <p:cNvPr id="1" name=""/>
+        <p:cNvGrpSpPr/>
+        <p:nvPr/>
+      </p:nvGrpSpPr>
+      <p:grpSpPr>
+        <a:xfrm>
+          <a:off x="0" y="0"/>
+          <a:ext cx="0" cy="0"/>
+          <a:chOff x="0" y="0"/>
+          <a:chExt cx="0" cy="0"/>
+        </a:xfrm>
+      </p:grpSpPr>
+      <p:sp>
+        <p:nvSpPr>
+          <p:cNvPr id="255" name="CustomShape 1"/>
+          <p:cNvSpPr/>
+          <p:nvPr/>
+        </p:nvSpPr>
+        <p:spPr>
+          <a:xfrm>
+            <a:off x="506520" y="1607400"/>
+            <a:ext cx="6230880" cy="1617480"/>
+          </a:xfrm>
+          <a:prstGeom prst="rect">
+            <a:avLst/>
+          </a:prstGeom>
+          <a:noFill/>
+          <a:ln>
+            <a:noFill/>
+          </a:ln>
+        </p:spPr>
+        <p:style>
+          <a:lnRef idx="0">
+            <a:scrgbClr r="0" g="0" b="0"/>
+          </a:lnRef>
+          <a:fillRef idx="0">
+            <a:scrgbClr r="0" g="0" b="0"/>
+          </a:fillRef>
+          <a:effectRef idx="0">
+            <a:scrgbClr r="0" g="0" b="0"/>
+          </a:effectRef>
+          <a:fontRef idx="minor"/>
+        </p:style>
+        <p:txBody>
+          <a:bodyPr lIns="90000" tIns="45000" rIns="90000" bIns="45000" anchor="ctr"/>
+          <a:lstStyle/>
+          <a:p>
+            <a:r>
+              <a:rPr lang="en-US" sz="5800" b="0" strike="noStrike" spc="-1">
+                <a:solidFill>
+                  <a:srgbClr val="FFFFFF"/>
+                </a:solidFill>
+                <a:uFill>
+                  <a:solidFill>
+                    <a:srgbClr val="FFFFFF"/>
+                  </a:solidFill>
+                </a:uFill>
+                <a:latin typeface="Arial Black"/>
+                <a:ea typeface="DejaVu Sans"/>
+              </a:rPr>
+              <a:t>Спасибо</a:t>
+            </a:r>
+            <a:endParaRPr lang="en-US" sz="1800" b="0" strike="noStrike" spc="-1">
+              <a:solidFill>
+                <a:srgbClr val="000000"/>
+              </a:solidFill>
+              <a:uFill>
+                <a:solidFill>
+                  <a:srgbClr val="FFFFFF"/>
+                </a:solidFill>
+              </a:uFill>
+              <a:latin typeface="Arial"/>
+            </a:endParaRPr>
+          </a:p>
+          <a:p>
+            <a:pPr>
+              <a:lnSpc>
+                <a:spcPct val="100000"/>
+              </a:lnSpc>
+            </a:pPr>
+            <a:r>
+              <a:rPr lang="en-US" sz="5800" b="0" strike="noStrike" spc="-1">
+                <a:solidFill>
+                  <a:srgbClr val="FFFFFF"/>
+                </a:solidFill>
+                <a:uFill>
+                  <a:solidFill>
+                    <a:srgbClr val="FFFFFF"/>
+                  </a:solidFill>
+                </a:uFill>
+                <a:latin typeface="Arial Black"/>
+                <a:ea typeface="DejaVu Sans"/>
+              </a:rPr>
+              <a:t>за внимание!</a:t>
+            </a:r>
+            <a:endParaRPr lang="en-US" sz="1800" b="0" strike="noStrike" spc="-1">
+              <a:solidFill>
+                <a:srgbClr val="000000"/>
+              </a:solidFill>
+              <a:uFill>
+                <a:solidFill>
+                  <a:srgbClr val="FFFFFF"/>
+                </a:solidFill>
+              </a:uFill>
+              <a:latin typeface="Arial"/>
+            </a:endParaRPr>
+          </a:p>
+        </p:txBody>
+      </p:sp>
+      <p:sp>
+        <p:nvSpPr>
+          <p:cNvPr id="256" name="CustomShape 2"/>
+          <p:cNvSpPr/>
+          <p:nvPr/>
+        </p:nvSpPr>
+        <p:spPr>
+          <a:xfrm>
+            <a:off x="506520" y="3724560"/>
+            <a:ext cx="4352760" cy="1553040"/>
+          </a:xfrm>
+          <a:prstGeom prst="rect">
+            <a:avLst/>
+          </a:prstGeom>
+          <a:noFill/>
+          <a:ln>
+            <a:noFill/>
+          </a:ln>
+        </p:spPr>
+        <p:style>
+          <a:lnRef idx="0">
+            <a:scrgbClr r="0" g="0" b="0"/>
+          </a:lnRef>
+          <a:fillRef idx="0">
+            <a:scrgbClr r="0" g="0" b="0"/>
+          </a:fillRef>
+          <a:effectRef idx="0">
+            <a:scrgbClr r="0" g="0" b="0"/>
+          </a:effectRef>
+          <a:fontRef idx="minor"/>
+        </p:style>
+        <p:txBody>
+          <a:bodyPr lIns="90000" tIns="45000" rIns="90000" bIns="45000"/>
+          <a:lstStyle/>
+          <a:p>
+            <a:pPr>
+              <a:lnSpc>
+                <a:spcPct val="100000"/>
+              </a:lnSpc>
+            </a:pPr>
+            <a:r>
+              <a:rPr lang="en-US" sz="2400" b="0" strike="noStrike" spc="-1">
+                <a:solidFill>
+                  <a:srgbClr val="000000"/>
+                </a:solidFill>
+                <a:uFill>
+                  <a:solidFill>
+                    <a:srgbClr val="FFFFFF"/>
+                  </a:solidFill>
+                </a:uFill>
+                <a:latin typeface="Arial"/>
+                <a:ea typeface="DejaVu Sans"/>
+              </a:rPr>
+              <a:t>Сергей Рыбалкин</a:t>
+            </a:r>
+            <a:endParaRPr lang="en-US" sz="1800" b="0" strike="noStrike" spc="-1">
+              <a:solidFill>
+                <a:srgbClr val="000000"/>
+              </a:solidFill>
+              <a:uFill>
+                <a:solidFill>
+                  <a:srgbClr val="FFFFFF"/>
+                </a:solidFill>
+              </a:uFill>
+              <a:latin typeface="Arial"/>
+            </a:endParaRPr>
+          </a:p>
+          <a:p>
+            <a:pPr>
+              <a:lnSpc>
+                <a:spcPct val="100000"/>
+              </a:lnSpc>
+            </a:pPr>
+            <a:endParaRPr lang="en-US" sz="1800" b="0" strike="noStrike" spc="-1">
+              <a:solidFill>
+                <a:srgbClr val="000000"/>
+              </a:solidFill>
+              <a:uFill>
+                <a:solidFill>
+                  <a:srgbClr val="FFFFFF"/>
+                </a:solidFill>
+              </a:uFill>
+              <a:latin typeface="Arial"/>
+            </a:endParaRPr>
+          </a:p>
+          <a:p>
+            <a:pPr>
+              <a:lnSpc>
+                <a:spcPct val="100000"/>
+              </a:lnSpc>
+            </a:pPr>
+            <a:r>
+              <a:rPr lang="en-US" sz="2400" b="0" strike="noStrike" spc="-1">
+                <a:solidFill>
+                  <a:srgbClr val="000000"/>
+                </a:solidFill>
+                <a:uFill>
+                  <a:solidFill>
+                    <a:srgbClr val="FFFFFF"/>
+                  </a:solidFill>
+                </a:uFill>
+                <a:latin typeface="Arial"/>
+                <a:ea typeface="DejaVu Sans"/>
+              </a:rPr>
+              <a:t>s.rybalkin@corp.mail.ru</a:t>
+            </a:r>
+            <a:endParaRPr lang="en-US" sz="1800" b="0" strike="noStrike" spc="-1">
+              <a:solidFill>
+                <a:srgbClr val="000000"/>
+              </a:solidFill>
+              <a:uFill>
+                <a:solidFill>
+                  <a:srgbClr val="FFFFFF"/>
+                </a:solidFill>
+              </a:uFill>
+              <a:latin typeface="Arial"/>
+            </a:endParaRPr>
+          </a:p>
+          <a:p>
+            <a:pPr>
+              <a:lnSpc>
+                <a:spcPct val="100000"/>
+              </a:lnSpc>
+            </a:pPr>
+            <a:endParaRPr lang="en-US" sz="1800" b="0" strike="noStrike" spc="-1">
+              <a:solidFill>
+                <a:srgbClr val="000000"/>
+              </a:solidFill>
+              <a:uFill>
+                <a:solidFill>
+                  <a:srgbClr val="FFFFFF"/>
+                </a:solidFill>
+              </a:uFill>
+              <a:latin typeface="Arial"/>
+            </a:endParaRPr>
+          </a:p>
+        </p:txBody>
       </p:sp>
     </p:spTree>
   </p:cSld>

--- a/lecture5/presentation/lecture05.pptx
+++ b/lecture5/presentation/lecture05.pptx
@@ -8331,12 +8331,10 @@
             </a:endParaRPr>
           </a:p>
           <a:p>
-            <a:pPr marL="285750" indent="-285750">
-              <a:lnSpc>
-                <a:spcPct val="100000"/>
-              </a:lnSpc>
-              <a:buFont typeface="Arial" panose="020B0604020202020204" pitchFamily="34" charset="0"/>
-              <a:buChar char="•"/>
+            <a:pPr>
+              <a:lnSpc>
+                <a:spcPct val="100000"/>
+              </a:lnSpc>
             </a:pPr>
             <a:r>
               <a:rPr lang="en-US" dirty="0" smtClean="0">
@@ -9524,8 +9522,20 @@
                 <a:latin typeface="PT Mono"/>
                 <a:ea typeface="DejaVu Sans"/>
               </a:rPr>
-              <a:t>SELECT * FROM persons</a:t>
-            </a:r>
+              <a:t>SELECT * </a:t>
+            </a:r>
+            <a:endParaRPr lang="en-US" sz="2000" spc="-1" dirty="0" smtClean="0">
+              <a:solidFill>
+                <a:srgbClr val="000000"/>
+              </a:solidFill>
+              <a:uFill>
+                <a:solidFill>
+                  <a:srgbClr val="FFFFFF"/>
+                </a:solidFill>
+              </a:uFill>
+              <a:latin typeface="PT Mono"/>
+              <a:ea typeface="DejaVu Sans"/>
+            </a:endParaRPr>
           </a:p>
           <a:p>
             <a:pPr>
@@ -9537,7 +9547,7 @@
               </a:buClr>
             </a:pPr>
             <a:r>
-              <a:rPr lang="en-US" sz="2000" spc="-1" dirty="0">
+              <a:rPr lang="en-US" sz="2000" spc="-1" dirty="0" smtClean="0">
                 <a:solidFill>
                   <a:srgbClr val="000000"/>
                 </a:solidFill>
@@ -9549,7 +9559,7 @@
                 <a:latin typeface="PT Mono"/>
                 <a:ea typeface="DejaVu Sans"/>
               </a:rPr>
-              <a:t>	</a:t>
+              <a:t>FROM </a:t>
             </a:r>
             <a:r>
               <a:rPr lang="en-US" sz="2000" spc="-1" dirty="0" smtClean="0">
@@ -9564,7 +9574,7 @@
                 <a:latin typeface="PT Mono"/>
                 <a:ea typeface="DejaVu Sans"/>
               </a:rPr>
-              <a:t>WHERE age &lt; 20</a:t>
+              <a:t>persons</a:t>
             </a:r>
           </a:p>
           <a:p>
@@ -9577,7 +9587,7 @@
               </a:buClr>
             </a:pPr>
             <a:r>
-              <a:rPr lang="en-US" sz="2000" spc="-1" dirty="0">
+              <a:rPr lang="en-US" sz="2000" spc="-1" dirty="0" smtClean="0">
                 <a:solidFill>
                   <a:srgbClr val="000000"/>
                 </a:solidFill>
@@ -9589,7 +9599,7 @@
                 <a:latin typeface="PT Mono"/>
                 <a:ea typeface="DejaVu Sans"/>
               </a:rPr>
-              <a:t>	</a:t>
+              <a:t>WHERE </a:t>
             </a:r>
             <a:r>
               <a:rPr lang="en-US" sz="2000" spc="-1" dirty="0" smtClean="0">
@@ -9604,7 +9614,47 @@
                 <a:latin typeface="PT Mono"/>
                 <a:ea typeface="DejaVu Sans"/>
               </a:rPr>
-              <a:t>ORDERED BY name</a:t>
+              <a:t>age &lt; 20</a:t>
+            </a:r>
+          </a:p>
+          <a:p>
+            <a:pPr>
+              <a:lnSpc>
+                <a:spcPct val="100000"/>
+              </a:lnSpc>
+              <a:buClr>
+                <a:srgbClr val="000000"/>
+              </a:buClr>
+            </a:pPr>
+            <a:r>
+              <a:rPr lang="en-US" sz="2000" spc="-1" dirty="0" smtClean="0">
+                <a:solidFill>
+                  <a:srgbClr val="000000"/>
+                </a:solidFill>
+                <a:uFill>
+                  <a:solidFill>
+                    <a:srgbClr val="FFFFFF"/>
+                  </a:solidFill>
+                </a:uFill>
+                <a:latin typeface="PT Mono"/>
+                <a:ea typeface="DejaVu Sans"/>
+              </a:rPr>
+              <a:t>ORDER </a:t>
+            </a:r>
+            <a:r>
+              <a:rPr lang="en-US" sz="2000" spc="-1" dirty="0" smtClean="0">
+                <a:solidFill>
+                  <a:srgbClr val="000000"/>
+                </a:solidFill>
+                <a:uFill>
+                  <a:solidFill>
+                    <a:srgbClr val="FFFFFF"/>
+                  </a:solidFill>
+                </a:uFill>
+                <a:latin typeface="PT Mono"/>
+                <a:ea typeface="DejaVu Sans"/>
+              </a:rPr>
+              <a:t>BY name</a:t>
             </a:r>
             <a:endParaRPr lang="en-US" sz="2000" spc="-1" dirty="0">
               <a:solidFill>
@@ -11897,20 +11947,10 @@
                 <a:latin typeface="PT Mono"/>
                 <a:ea typeface="DejaVu Sans"/>
               </a:rPr>
-              <a:t>SELECT persons.name FROM </a:t>
-            </a:r>
-          </a:p>
-          <a:p>
-            <a:pPr>
-              <a:lnSpc>
-                <a:spcPct val="100000"/>
-              </a:lnSpc>
-              <a:buClr>
-                <a:srgbClr val="000000"/>
-              </a:buClr>
-            </a:pPr>
-            <a:r>
-              <a:rPr lang="en-US" sz="2000" spc="-1" dirty="0">
+              <a:t>SELECT </a:t>
+            </a:r>
+            <a:r>
+              <a:rPr lang="en-US" sz="2000" spc="-1" dirty="0" smtClean="0">
                 <a:solidFill>
                   <a:srgbClr val="000000"/>
                 </a:solidFill>
@@ -11922,8 +11962,18 @@
                 <a:latin typeface="PT Mono"/>
                 <a:ea typeface="DejaVu Sans"/>
               </a:rPr>
-              <a:t> </a:t>
-            </a:r>
+              <a:t>persons.name </a:t>
+            </a:r>
+          </a:p>
+          <a:p>
+            <a:pPr>
+              <a:lnSpc>
+                <a:spcPct val="100000"/>
+              </a:lnSpc>
+              <a:buClr>
+                <a:srgbClr val="000000"/>
+              </a:buClr>
+            </a:pPr>
             <a:r>
               <a:rPr lang="en-US" sz="2000" spc="-1" dirty="0" smtClean="0">
                 <a:solidFill>
@@ -11937,7 +11987,47 @@
                 <a:latin typeface="PT Mono"/>
                 <a:ea typeface="DejaVu Sans"/>
               </a:rPr>
-              <a:t>     persons INNER JOIN images</a:t>
+              <a:t>FROM persons </a:t>
+            </a:r>
+          </a:p>
+          <a:p>
+            <a:pPr>
+              <a:lnSpc>
+                <a:spcPct val="100000"/>
+              </a:lnSpc>
+              <a:buClr>
+                <a:srgbClr val="000000"/>
+              </a:buClr>
+            </a:pPr>
+            <a:r>
+              <a:rPr lang="en-US" sz="2000" spc="-1" dirty="0" smtClean="0">
+                <a:solidFill>
+                  <a:srgbClr val="000000"/>
+                </a:solidFill>
+                <a:uFill>
+                  <a:solidFill>
+                    <a:srgbClr val="FFFFFF"/>
+                  </a:solidFill>
+                </a:uFill>
+                <a:latin typeface="PT Mono"/>
+                <a:ea typeface="DejaVu Sans"/>
+              </a:rPr>
+              <a:t>INNER </a:t>
+            </a:r>
+            <a:r>
+              <a:rPr lang="en-US" sz="2000" spc="-1" dirty="0" smtClean="0">
+                <a:solidFill>
+                  <a:srgbClr val="000000"/>
+                </a:solidFill>
+                <a:uFill>
+                  <a:solidFill>
+                    <a:srgbClr val="FFFFFF"/>
+                  </a:solidFill>
+                </a:uFill>
+                <a:latin typeface="PT Mono"/>
+                <a:ea typeface="DejaVu Sans"/>
+              </a:rPr>
+              <a:t>JOIN images</a:t>
             </a:r>
           </a:p>
           <a:p>

--- a/lecture5/presentation/lecture05.pptx
+++ b/lecture5/presentation/lecture05.pptx
@@ -9524,18 +9524,6 @@
               </a:rPr>
               <a:t>SELECT * </a:t>
             </a:r>
-            <a:endParaRPr lang="en-US" sz="2000" spc="-1" dirty="0" smtClean="0">
-              <a:solidFill>
-                <a:srgbClr val="000000"/>
-              </a:solidFill>
-              <a:uFill>
-                <a:solidFill>
-                  <a:srgbClr val="FFFFFF"/>
-                </a:solidFill>
-              </a:uFill>
-              <a:latin typeface="PT Mono"/>
-              <a:ea typeface="DejaVu Sans"/>
-            </a:endParaRPr>
           </a:p>
           <a:p>
             <a:pPr>
@@ -9559,8 +9547,18 @@
                 <a:latin typeface="PT Mono"/>
                 <a:ea typeface="DejaVu Sans"/>
               </a:rPr>
-              <a:t>FROM </a:t>
-            </a:r>
+              <a:t>FROM persons</a:t>
+            </a:r>
+          </a:p>
+          <a:p>
+            <a:pPr>
+              <a:lnSpc>
+                <a:spcPct val="100000"/>
+              </a:lnSpc>
+              <a:buClr>
+                <a:srgbClr val="000000"/>
+              </a:buClr>
+            </a:pPr>
             <a:r>
               <a:rPr lang="en-US" sz="2000" spc="-1" dirty="0" smtClean="0">
                 <a:solidFill>
@@ -9574,7 +9572,7 @@
                 <a:latin typeface="PT Mono"/>
                 <a:ea typeface="DejaVu Sans"/>
               </a:rPr>
-              <a:t>persons</a:t>
+              <a:t>WHERE age &lt; 20</a:t>
             </a:r>
           </a:p>
           <a:p>
@@ -9599,62 +9597,7 @@
                 <a:latin typeface="PT Mono"/>
                 <a:ea typeface="DejaVu Sans"/>
               </a:rPr>
-              <a:t>WHERE </a:t>
-            </a:r>
-            <a:r>
-              <a:rPr lang="en-US" sz="2000" spc="-1" dirty="0" smtClean="0">
-                <a:solidFill>
-                  <a:srgbClr val="000000"/>
-                </a:solidFill>
-                <a:uFill>
-                  <a:solidFill>
-                    <a:srgbClr val="FFFFFF"/>
-                  </a:solidFill>
-                </a:uFill>
-                <a:latin typeface="PT Mono"/>
-                <a:ea typeface="DejaVu Sans"/>
-              </a:rPr>
-              <a:t>age &lt; 20</a:t>
-            </a:r>
-          </a:p>
-          <a:p>
-            <a:pPr>
-              <a:lnSpc>
-                <a:spcPct val="100000"/>
-              </a:lnSpc>
-              <a:buClr>
-                <a:srgbClr val="000000"/>
-              </a:buClr>
-            </a:pPr>
-            <a:r>
-              <a:rPr lang="en-US" sz="2000" spc="-1" dirty="0" smtClean="0">
-                <a:solidFill>
-                  <a:srgbClr val="000000"/>
-                </a:solidFill>
-                <a:uFill>
-                  <a:solidFill>
-                    <a:srgbClr val="FFFFFF"/>
-                  </a:solidFill>
-                </a:uFill>
-                <a:latin typeface="PT Mono"/>
-                <a:ea typeface="DejaVu Sans"/>
-              </a:rPr>
-              <a:t>ORDER </a:t>
-            </a:r>
-            <a:r>
-              <a:rPr lang="en-US" sz="2000" spc="-1" dirty="0" smtClean="0">
-                <a:solidFill>
-                  <a:srgbClr val="000000"/>
-                </a:solidFill>
-                <a:uFill>
-                  <a:solidFill>
-                    <a:srgbClr val="FFFFFF"/>
-                  </a:solidFill>
-                </a:uFill>
-                <a:latin typeface="PT Mono"/>
-                <a:ea typeface="DejaVu Sans"/>
-              </a:rPr>
-              <a:t>BY name</a:t>
+              <a:t>ORDER BY name</a:t>
             </a:r>
             <a:endParaRPr lang="en-US" sz="2000" spc="-1" dirty="0">
               <a:solidFill>
@@ -11947,8 +11890,18 @@
                 <a:latin typeface="PT Mono"/>
                 <a:ea typeface="DejaVu Sans"/>
               </a:rPr>
-              <a:t>SELECT </a:t>
-            </a:r>
+              <a:t>SELECT persons.name </a:t>
+            </a:r>
+          </a:p>
+          <a:p>
+            <a:pPr>
+              <a:lnSpc>
+                <a:spcPct val="100000"/>
+              </a:lnSpc>
+              <a:buClr>
+                <a:srgbClr val="000000"/>
+              </a:buClr>
+            </a:pPr>
             <a:r>
               <a:rPr lang="en-US" sz="2000" spc="-1" dirty="0" smtClean="0">
                 <a:solidFill>
@@ -11962,7 +11915,7 @@
                 <a:latin typeface="PT Mono"/>
                 <a:ea typeface="DejaVu Sans"/>
               </a:rPr>
-              <a:t>persons.name </a:t>
+              <a:t>FROM persons </a:t>
             </a:r>
           </a:p>
           <a:p>
@@ -11987,47 +11940,7 @@
                 <a:latin typeface="PT Mono"/>
                 <a:ea typeface="DejaVu Sans"/>
               </a:rPr>
-              <a:t>FROM persons </a:t>
-            </a:r>
-          </a:p>
-          <a:p>
-            <a:pPr>
-              <a:lnSpc>
-                <a:spcPct val="100000"/>
-              </a:lnSpc>
-              <a:buClr>
-                <a:srgbClr val="000000"/>
-              </a:buClr>
-            </a:pPr>
-            <a:r>
-              <a:rPr lang="en-US" sz="2000" spc="-1" dirty="0" smtClean="0">
-                <a:solidFill>
-                  <a:srgbClr val="000000"/>
-                </a:solidFill>
-                <a:uFill>
-                  <a:solidFill>
-                    <a:srgbClr val="FFFFFF"/>
-                  </a:solidFill>
-                </a:uFill>
-                <a:latin typeface="PT Mono"/>
-                <a:ea typeface="DejaVu Sans"/>
-              </a:rPr>
-              <a:t>INNER </a:t>
-            </a:r>
-            <a:r>
-              <a:rPr lang="en-US" sz="2000" spc="-1" dirty="0" smtClean="0">
-                <a:solidFill>
-                  <a:srgbClr val="000000"/>
-                </a:solidFill>
-                <a:uFill>
-                  <a:solidFill>
-                    <a:srgbClr val="FFFFFF"/>
-                  </a:solidFill>
-                </a:uFill>
-                <a:latin typeface="PT Mono"/>
-                <a:ea typeface="DejaVu Sans"/>
-              </a:rPr>
-              <a:t>JOIN images</a:t>
+              <a:t>INNER JOIN images</a:t>
             </a:r>
           </a:p>
           <a:p>
